--- a/福井技術者の集い その3 発表資料スライド.pptx
+++ b/福井技術者の集い その3 発表資料スライド.pptx
@@ -5,7 +5,7 @@
     <p:sldMasterId id="2147483744" r:id="rId1"/>
   </p:sldMasterIdLst>
   <p:notesMasterIdLst>
-    <p:notesMasterId r:id="rId10"/>
+    <p:notesMasterId r:id="rId16"/>
   </p:notesMasterIdLst>
   <p:sldIdLst>
     <p:sldId id="258" r:id="rId2"/>
@@ -14,13 +14,19 @@
     <p:sldId id="470" r:id="rId5"/>
     <p:sldId id="471" r:id="rId6"/>
     <p:sldId id="472" r:id="rId7"/>
-    <p:sldId id="467" r:id="rId8"/>
-    <p:sldId id="427" r:id="rId9"/>
+    <p:sldId id="473" r:id="rId8"/>
+    <p:sldId id="474" r:id="rId9"/>
+    <p:sldId id="475" r:id="rId10"/>
+    <p:sldId id="476" r:id="rId11"/>
+    <p:sldId id="477" r:id="rId12"/>
+    <p:sldId id="478" r:id="rId13"/>
+    <p:sldId id="467" r:id="rId14"/>
+    <p:sldId id="427" r:id="rId15"/>
   </p:sldIdLst>
   <p:sldSz cx="9144000" cy="6858000" type="screen4x3"/>
   <p:notesSz cx="6858000" cy="9144000"/>
   <p:custDataLst>
-    <p:tags r:id="rId11"/>
+    <p:tags r:id="rId17"/>
   </p:custDataLst>
   <p:defaultTextStyle>
     <a:defPPr>
@@ -218,7 +224,7 @@
           <a:p>
             <a:fld id="{132713B8-E49A-41D1-88B6-B310770581C8}" type="datetimeFigureOut">
               <a:rPr kumimoji="1" lang="ja-JP" altLang="en-US" smtClean="0"/>
-              <a:t>2015/4/8</a:t>
+              <a:t>2015/4/10</a:t>
             </a:fld>
             <a:endParaRPr kumimoji="1" lang="ja-JP" altLang="en-US"/>
           </a:p>
@@ -822,7 +828,7 @@
             <a:fld id="{C120A1B4-3412-4C96-ACAA-DBDB2A910CC9}" type="datetimeFigureOut">
               <a:rPr kumimoji="1" lang="ja-JP" altLang="en-US" smtClean="0"/>
               <a:pPr/>
-              <a:t>2015/4/8</a:t>
+              <a:t>2015/4/10</a:t>
             </a:fld>
             <a:endParaRPr kumimoji="1" lang="ja-JP" altLang="en-US"/>
           </a:p>
@@ -1068,7 +1074,7 @@
                 </a:solidFill>
               </a:rPr>
               <a:pPr/>
-              <a:t>2015/4/8</a:t>
+              <a:t>2015/4/10</a:t>
             </a:fld>
             <a:endParaRPr kumimoji="1" lang="ja-JP" altLang="en-US">
               <a:solidFill>
@@ -1304,7 +1310,7 @@
                 </a:solidFill>
               </a:rPr>
               <a:pPr/>
-              <a:t>2015/4/8</a:t>
+              <a:t>2015/4/10</a:t>
             </a:fld>
             <a:endParaRPr kumimoji="1" lang="ja-JP" altLang="en-US">
               <a:solidFill>
@@ -1598,7 +1604,7 @@
                 </a:solidFill>
               </a:rPr>
               <a:pPr/>
-              <a:t>2015/4/8</a:t>
+              <a:t>2015/4/10</a:t>
             </a:fld>
             <a:endParaRPr kumimoji="1" lang="ja-JP" altLang="en-US">
               <a:solidFill>
@@ -2077,7 +2083,7 @@
                 </a:solidFill>
               </a:rPr>
               <a:pPr/>
-              <a:t>2015/4/8</a:t>
+              <a:t>2015/4/10</a:t>
             </a:fld>
             <a:endParaRPr kumimoji="1" lang="ja-JP" altLang="en-US">
               <a:solidFill>
@@ -2402,7 +2408,7 @@
                 </a:solidFill>
               </a:rPr>
               <a:pPr/>
-              <a:t>2015/4/8</a:t>
+              <a:t>2015/4/10</a:t>
             </a:fld>
             <a:endParaRPr kumimoji="1" lang="ja-JP" altLang="en-US">
               <a:solidFill>
@@ -2721,7 +2727,7 @@
                 </a:solidFill>
               </a:rPr>
               <a:pPr/>
-              <a:t>2015/4/8</a:t>
+              <a:t>2015/4/10</a:t>
             </a:fld>
             <a:endParaRPr kumimoji="1" lang="ja-JP" altLang="en-US">
               <a:solidFill>
@@ -2935,7 +2941,7 @@
                 </a:solidFill>
               </a:rPr>
               <a:pPr/>
-              <a:t>2015/4/8</a:t>
+              <a:t>2015/4/10</a:t>
             </a:fld>
             <a:endParaRPr kumimoji="1" lang="ja-JP" altLang="en-US">
               <a:solidFill>
@@ -3052,7 +3058,7 @@
                 </a:solidFill>
               </a:rPr>
               <a:pPr/>
-              <a:t>2015/4/8</a:t>
+              <a:t>2015/4/10</a:t>
             </a:fld>
             <a:endParaRPr kumimoji="1" lang="ja-JP" altLang="en-US">
               <a:solidFill>
@@ -3215,7 +3221,7 @@
                 </a:solidFill>
               </a:rPr>
               <a:pPr/>
-              <a:t>2015/4/8</a:t>
+              <a:t>2015/4/10</a:t>
             </a:fld>
             <a:endParaRPr kumimoji="1" lang="ja-JP" altLang="en-US">
               <a:solidFill>
@@ -3800,7 +3806,7 @@
                 </a:solidFill>
               </a:rPr>
               <a:pPr/>
-              <a:t>2015/4/8</a:t>
+              <a:t>2015/4/10</a:t>
             </a:fld>
             <a:endParaRPr kumimoji="1" lang="ja-JP" altLang="en-US">
               <a:solidFill>
@@ -4112,7 +4118,7 @@
                 </a:solidFill>
               </a:rPr>
               <a:pPr/>
-              <a:t>2015/4/8</a:t>
+              <a:t>2015/4/10</a:t>
             </a:fld>
             <a:endParaRPr kumimoji="1" lang="ja-JP" altLang="en-US">
               <a:solidFill>
@@ -4753,6 +4759,920 @@
 </p:sld>
 </file>
 
+<file path=ppt/slides/slide10.xml><?xml version="1.0" encoding="utf-8"?>
+<p:sld xmlns:a="http://schemas.openxmlformats.org/drawingml/2006/main" xmlns:r="http://schemas.openxmlformats.org/officeDocument/2006/relationships" xmlns:p="http://schemas.openxmlformats.org/presentationml/2006/main">
+  <p:cSld>
+    <p:spTree>
+      <p:nvGrpSpPr>
+        <p:cNvPr id="1" name=""/>
+        <p:cNvGrpSpPr/>
+        <p:nvPr/>
+      </p:nvGrpSpPr>
+      <p:grpSpPr>
+        <a:xfrm>
+          <a:off x="0" y="0"/>
+          <a:ext cx="0" cy="0"/>
+          <a:chOff x="0" y="0"/>
+          <a:chExt cx="0" cy="0"/>
+        </a:xfrm>
+      </p:grpSpPr>
+      <p:sp>
+        <p:nvSpPr>
+          <p:cNvPr id="2" name="タイトル 1"/>
+          <p:cNvSpPr>
+            <a:spLocks noGrp="1"/>
+          </p:cNvSpPr>
+          <p:nvPr>
+            <p:ph type="title"/>
+          </p:nvPr>
+        </p:nvSpPr>
+        <p:spPr/>
+        <p:txBody>
+          <a:bodyPr>
+            <a:normAutofit/>
+          </a:bodyPr>
+          <a:lstStyle/>
+          <a:p>
+            <a:r>
+              <a:rPr kumimoji="1" lang="ja-JP" altLang="en-US" dirty="0" smtClean="0"/>
+              <a:t>電子密度の可視化の考え方</a:t>
+            </a:r>
+            <a:endParaRPr kumimoji="1" lang="ja-JP" altLang="en-US" dirty="0"/>
+          </a:p>
+        </p:txBody>
+      </p:sp>
+      <p:sp>
+        <p:nvSpPr>
+          <p:cNvPr id="3" name="コンテンツ プレースホルダー 2"/>
+          <p:cNvSpPr>
+            <a:spLocks noGrp="1"/>
+          </p:cNvSpPr>
+          <p:nvPr>
+            <p:ph sz="quarter" idx="1"/>
+          </p:nvPr>
+        </p:nvSpPr>
+        <p:spPr/>
+        <p:txBody>
+          <a:bodyPr/>
+          <a:lstStyle/>
+          <a:p>
+            <a:r>
+              <a:rPr lang="ja-JP" altLang="en-US" dirty="0" smtClean="0"/>
+              <a:t>電子密度の可視化の手順は、以下のようになる。</a:t>
+            </a:r>
+            <a:endParaRPr lang="en-US" altLang="ja-JP" dirty="0" smtClean="0"/>
+          </a:p>
+          <a:p>
+            <a:pPr lvl="1"/>
+            <a:r>
+              <a:rPr lang="en-US" altLang="ja-JP" dirty="0" smtClean="0"/>
+              <a:t>(1) </a:t>
+            </a:r>
+            <a:r>
+              <a:rPr lang="ja-JP" altLang="en-US" dirty="0" smtClean="0"/>
+              <a:t>主量子数</a:t>
+            </a:r>
+            <a:r>
+              <a:rPr lang="en-US" altLang="ja-JP" dirty="0" smtClean="0"/>
+              <a:t>n</a:t>
+            </a:r>
+            <a:r>
+              <a:rPr lang="ja-JP" altLang="en-US" dirty="0" err="1" smtClean="0"/>
+              <a:t>、</a:t>
+            </a:r>
+            <a:r>
+              <a:rPr lang="ja-JP" altLang="en-US" dirty="0" smtClean="0"/>
+              <a:t>方位量子数</a:t>
+            </a:r>
+            <a:r>
+              <a:rPr lang="en-US" altLang="ja-JP" dirty="0" smtClean="0"/>
+              <a:t>l</a:t>
+            </a:r>
+            <a:r>
+              <a:rPr lang="ja-JP" altLang="en-US" dirty="0" err="1" smtClean="0"/>
+              <a:t>、</a:t>
+            </a:r>
+            <a:r>
+              <a:rPr lang="ja-JP" altLang="en-US" dirty="0" smtClean="0"/>
+              <a:t>磁気量子数</a:t>
+            </a:r>
+            <a:r>
+              <a:rPr lang="en-US" altLang="ja-JP" dirty="0" smtClean="0"/>
+              <a:t>m</a:t>
+            </a:r>
+            <a:r>
+              <a:rPr lang="ja-JP" altLang="en-US" dirty="0" smtClean="0"/>
+              <a:t>を決める。→動径分布関数と、球面調和関数が決まる</a:t>
+            </a:r>
+            <a:endParaRPr lang="en-US" altLang="ja-JP" dirty="0" smtClean="0"/>
+          </a:p>
+          <a:p>
+            <a:pPr lvl="1"/>
+            <a:r>
+              <a:rPr lang="en-US" altLang="ja-JP" dirty="0" smtClean="0"/>
+              <a:t>(2) </a:t>
+            </a:r>
+            <a:r>
+              <a:rPr lang="ja-JP" altLang="en-US" dirty="0" smtClean="0"/>
+              <a:t>電子雲を観測する回数を決める、観測回数だけ</a:t>
+            </a:r>
+            <a:r>
+              <a:rPr lang="en-US" altLang="ja-JP" dirty="0" smtClean="0"/>
+              <a:t>(3)</a:t>
+            </a:r>
+            <a:r>
+              <a:rPr lang="ja-JP" altLang="en-US" dirty="0" smtClean="0"/>
+              <a:t>～</a:t>
+            </a:r>
+            <a:r>
+              <a:rPr lang="en-US" altLang="ja-JP" dirty="0" smtClean="0"/>
+              <a:t>(4)</a:t>
+            </a:r>
+            <a:r>
+              <a:rPr lang="ja-JP" altLang="en-US" dirty="0" smtClean="0"/>
+              <a:t>を繰り返す。</a:t>
+            </a:r>
+            <a:endParaRPr lang="en-US" altLang="ja-JP" dirty="0" smtClean="0"/>
+          </a:p>
+          <a:p>
+            <a:pPr lvl="1"/>
+            <a:r>
+              <a:rPr lang="en-US" altLang="ja-JP" dirty="0" smtClean="0"/>
+              <a:t>(3) </a:t>
+            </a:r>
+            <a:r>
+              <a:rPr lang="ja-JP" altLang="en-US" dirty="0" smtClean="0"/>
+              <a:t>動径</a:t>
+            </a:r>
+            <a:r>
+              <a:rPr lang="ja-JP" altLang="en-US" dirty="0"/>
+              <a:t>分布関数</a:t>
+            </a:r>
+            <a:r>
+              <a:rPr lang="ja-JP" altLang="en-US" dirty="0" smtClean="0"/>
+              <a:t>と球面</a:t>
+            </a:r>
+            <a:r>
+              <a:rPr lang="ja-JP" altLang="en-US" dirty="0"/>
+              <a:t>調和</a:t>
+            </a:r>
+            <a:r>
+              <a:rPr lang="ja-JP" altLang="en-US" dirty="0" smtClean="0"/>
+              <a:t>関数の積の絶対値の二乗に従う乱数を発生させ、</a:t>
+            </a:r>
+            <a:r>
+              <a:rPr lang="en-US" altLang="ja-JP" dirty="0"/>
+              <a:t> </a:t>
+            </a:r>
+            <a:r>
+              <a:rPr lang="ja-JP" altLang="en-US" dirty="0" smtClean="0"/>
+              <a:t>電子の位置</a:t>
+            </a:r>
+            <a:r>
+              <a:rPr lang="en-US" altLang="ja-JP" dirty="0" smtClean="0"/>
+              <a:t>(x, y, z)</a:t>
+            </a:r>
+            <a:r>
+              <a:rPr lang="ja-JP" altLang="en-US" dirty="0" smtClean="0"/>
+              <a:t>の値を決める。</a:t>
+            </a:r>
+            <a:endParaRPr lang="en-US" altLang="ja-JP" dirty="0" smtClean="0"/>
+          </a:p>
+          <a:p>
+            <a:pPr lvl="1"/>
+            <a:r>
+              <a:rPr lang="en-US" altLang="ja-JP" dirty="0" smtClean="0"/>
+              <a:t>(4) </a:t>
+            </a:r>
+            <a:r>
+              <a:rPr lang="ja-JP" altLang="en-US" dirty="0" smtClean="0"/>
+              <a:t>電子の位置</a:t>
+            </a:r>
+            <a:r>
+              <a:rPr lang="en-US" altLang="ja-JP" dirty="0" smtClean="0"/>
+              <a:t>(</a:t>
+            </a:r>
+            <a:r>
+              <a:rPr lang="en-US" altLang="ja-JP" dirty="0"/>
+              <a:t>x, y, z</a:t>
+            </a:r>
+            <a:r>
+              <a:rPr lang="en-US" altLang="ja-JP" dirty="0" smtClean="0"/>
+              <a:t>)</a:t>
+            </a:r>
+            <a:r>
+              <a:rPr lang="ja-JP" altLang="en-US" dirty="0" smtClean="0"/>
+              <a:t>に点をプロットする。</a:t>
+            </a:r>
+            <a:endParaRPr lang="en-US" altLang="ja-JP" dirty="0" smtClean="0"/>
+          </a:p>
+        </p:txBody>
+      </p:sp>
+    </p:spTree>
+    <p:extLst>
+      <p:ext uri="{BB962C8B-B14F-4D97-AF65-F5344CB8AC3E}">
+        <p14:creationId xmlns:p14="http://schemas.microsoft.com/office/powerpoint/2010/main" val="2827975956"/>
+      </p:ext>
+    </p:extLst>
+  </p:cSld>
+  <p:clrMapOvr>
+    <a:masterClrMapping/>
+  </p:clrMapOvr>
+  <p:timing>
+    <p:tnLst>
+      <p:par>
+        <p:cTn id="1" dur="indefinite" restart="never" nodeType="tmRoot"/>
+      </p:par>
+    </p:tnLst>
+  </p:timing>
+</p:sld>
+</file>
+
+<file path=ppt/slides/slide11.xml><?xml version="1.0" encoding="utf-8"?>
+<p:sld xmlns:a="http://schemas.openxmlformats.org/drawingml/2006/main" xmlns:r="http://schemas.openxmlformats.org/officeDocument/2006/relationships" xmlns:p="http://schemas.openxmlformats.org/presentationml/2006/main">
+  <p:cSld>
+    <p:spTree>
+      <p:nvGrpSpPr>
+        <p:cNvPr id="1" name=""/>
+        <p:cNvGrpSpPr/>
+        <p:nvPr/>
+      </p:nvGrpSpPr>
+      <p:grpSpPr>
+        <a:xfrm>
+          <a:off x="0" y="0"/>
+          <a:ext cx="0" cy="0"/>
+          <a:chOff x="0" y="0"/>
+          <a:chExt cx="0" cy="0"/>
+        </a:xfrm>
+      </p:grpSpPr>
+      <p:sp>
+        <p:nvSpPr>
+          <p:cNvPr id="2" name="タイトル 1"/>
+          <p:cNvSpPr>
+            <a:spLocks noGrp="1"/>
+          </p:cNvSpPr>
+          <p:nvPr>
+            <p:ph type="title"/>
+          </p:nvPr>
+        </p:nvSpPr>
+        <p:spPr/>
+        <p:txBody>
+          <a:bodyPr/>
+          <a:lstStyle/>
+          <a:p>
+            <a:r>
+              <a:rPr lang="en-US" altLang="ja-JP" dirty="0"/>
+              <a:t>von Neumann</a:t>
+            </a:r>
+            <a:r>
+              <a:rPr lang="ja-JP" altLang="en-US" dirty="0"/>
+              <a:t>の棄却法</a:t>
+            </a:r>
+            <a:endParaRPr kumimoji="1" lang="ja-JP" altLang="en-US" dirty="0"/>
+          </a:p>
+        </p:txBody>
+      </p:sp>
+      <p:sp>
+        <p:nvSpPr>
+          <p:cNvPr id="3" name="コンテンツ プレースホルダー 2"/>
+          <p:cNvSpPr>
+            <a:spLocks noGrp="1"/>
+          </p:cNvSpPr>
+          <p:nvPr>
+            <p:ph sz="quarter" idx="1"/>
+          </p:nvPr>
+        </p:nvSpPr>
+        <p:spPr/>
+        <p:txBody>
+          <a:bodyPr/>
+          <a:lstStyle/>
+          <a:p>
+            <a:r>
+              <a:rPr kumimoji="1" lang="ja-JP" altLang="en-US" dirty="0" smtClean="0"/>
+              <a:t>「原子の波動関数と電子密度を乱数を用いて描く」という問題は、「どうすれば分布関数に従う乱数を発生させることができるか？」という問題に帰着する。</a:t>
+            </a:r>
+            <a:endParaRPr kumimoji="1" lang="en-US" altLang="ja-JP" dirty="0" smtClean="0"/>
+          </a:p>
+          <a:p>
+            <a:r>
+              <a:rPr kumimoji="1" lang="ja-JP" altLang="en-US" dirty="0" smtClean="0"/>
+              <a:t>任意の分布に従う乱数を発生させる方法として、よく知られている方法に、「</a:t>
+            </a:r>
+            <a:r>
+              <a:rPr lang="en-US" altLang="ja-JP" dirty="0"/>
+              <a:t>von Neumann</a:t>
+            </a:r>
+            <a:r>
+              <a:rPr lang="ja-JP" altLang="en-US" dirty="0"/>
+              <a:t>の</a:t>
+            </a:r>
+            <a:r>
+              <a:rPr lang="ja-JP" altLang="en-US" dirty="0" smtClean="0"/>
+              <a:t>棄却法」がある。</a:t>
+            </a:r>
+            <a:endParaRPr lang="en-US" altLang="ja-JP" dirty="0" smtClean="0"/>
+          </a:p>
+          <a:p>
+            <a:r>
+              <a:rPr lang="ja-JP" altLang="en-US" dirty="0" smtClean="0"/>
+              <a:t>次ページでこれを詳しく説明する。</a:t>
+            </a:r>
+            <a:endParaRPr lang="ja-JP" altLang="en-US" dirty="0"/>
+          </a:p>
+        </p:txBody>
+      </p:sp>
+    </p:spTree>
+    <p:extLst>
+      <p:ext uri="{BB962C8B-B14F-4D97-AF65-F5344CB8AC3E}">
+        <p14:creationId xmlns:p14="http://schemas.microsoft.com/office/powerpoint/2010/main" val="1090346442"/>
+      </p:ext>
+    </p:extLst>
+  </p:cSld>
+  <p:clrMapOvr>
+    <a:masterClrMapping/>
+  </p:clrMapOvr>
+  <p:timing>
+    <p:tnLst>
+      <p:par>
+        <p:cTn id="1" dur="indefinite" restart="never" nodeType="tmRoot"/>
+      </p:par>
+    </p:tnLst>
+  </p:timing>
+</p:sld>
+</file>
+
+<file path=ppt/slides/slide12.xml><?xml version="1.0" encoding="utf-8"?>
+<p:sld xmlns:a="http://schemas.openxmlformats.org/drawingml/2006/main" xmlns:r="http://schemas.openxmlformats.org/officeDocument/2006/relationships" xmlns:p="http://schemas.openxmlformats.org/presentationml/2006/main">
+  <p:cSld>
+    <p:spTree>
+      <p:nvGrpSpPr>
+        <p:cNvPr id="1" name=""/>
+        <p:cNvGrpSpPr/>
+        <p:nvPr/>
+      </p:nvGrpSpPr>
+      <p:grpSpPr>
+        <a:xfrm>
+          <a:off x="0" y="0"/>
+          <a:ext cx="0" cy="0"/>
+          <a:chOff x="0" y="0"/>
+          <a:chExt cx="0" cy="0"/>
+        </a:xfrm>
+      </p:grpSpPr>
+      <p:sp>
+        <p:nvSpPr>
+          <p:cNvPr id="2" name="タイトル 1"/>
+          <p:cNvSpPr>
+            <a:spLocks noGrp="1"/>
+          </p:cNvSpPr>
+          <p:nvPr>
+            <p:ph type="title"/>
+          </p:nvPr>
+        </p:nvSpPr>
+        <p:spPr/>
+        <p:txBody>
+          <a:bodyPr/>
+          <a:lstStyle/>
+          <a:p>
+            <a:r>
+              <a:rPr lang="en-US" altLang="ja-JP" dirty="0"/>
+              <a:t>von Neumann</a:t>
+            </a:r>
+            <a:r>
+              <a:rPr lang="ja-JP" altLang="en-US" dirty="0"/>
+              <a:t>の棄却法</a:t>
+            </a:r>
+            <a:endParaRPr kumimoji="1" lang="ja-JP" altLang="en-US" dirty="0"/>
+          </a:p>
+        </p:txBody>
+      </p:sp>
+      <p:sp>
+        <p:nvSpPr>
+          <p:cNvPr id="3" name="コンテンツ プレースホルダー 2"/>
+          <p:cNvSpPr>
+            <a:spLocks noGrp="1"/>
+          </p:cNvSpPr>
+          <p:nvPr>
+            <p:ph sz="quarter" idx="1"/>
+          </p:nvPr>
+        </p:nvSpPr>
+        <p:spPr/>
+        <p:txBody>
+          <a:bodyPr>
+            <a:normAutofit lnSpcReduction="10000"/>
+          </a:bodyPr>
+          <a:lstStyle/>
+          <a:p>
+            <a:r>
+              <a:rPr lang="en-US" altLang="ja-JP" dirty="0"/>
+              <a:t>von Neumann</a:t>
+            </a:r>
+            <a:r>
+              <a:rPr lang="ja-JP" altLang="en-US" dirty="0"/>
+              <a:t>の</a:t>
+            </a:r>
+            <a:r>
+              <a:rPr lang="ja-JP" altLang="en-US" dirty="0" smtClean="0"/>
+              <a:t>棄却法の手順は以下のようになる。</a:t>
+            </a:r>
+            <a:endParaRPr lang="en-US" altLang="ja-JP" dirty="0" smtClean="0"/>
+          </a:p>
+          <a:p>
+            <a:pPr lvl="1"/>
+            <a:r>
+              <a:rPr lang="en-US" altLang="ja-JP" dirty="0" smtClean="0"/>
+              <a:t>(1) </a:t>
+            </a:r>
+            <a:r>
+              <a:rPr lang="ja-JP" altLang="en-US" dirty="0" smtClean="0"/>
+              <a:t>確率密度関数</a:t>
+            </a:r>
+            <a:r>
+              <a:rPr lang="en-US" altLang="ja-JP" dirty="0" smtClean="0"/>
+              <a:t>f(x)</a:t>
+            </a:r>
+            <a:r>
+              <a:rPr lang="ja-JP" altLang="en-US" dirty="0" smtClean="0"/>
+              <a:t>の変数</a:t>
+            </a:r>
+            <a:r>
+              <a:rPr lang="en-US" altLang="ja-JP" dirty="0" smtClean="0"/>
+              <a:t>x</a:t>
+            </a:r>
+            <a:r>
+              <a:rPr lang="ja-JP" altLang="en-US" dirty="0" smtClean="0"/>
+              <a:t>の変域を区間</a:t>
+            </a:r>
+            <a:r>
+              <a:rPr lang="en-US" altLang="ja-JP" dirty="0" smtClean="0"/>
+              <a:t>[0, x</a:t>
+            </a:r>
+            <a:r>
+              <a:rPr lang="en-US" altLang="ja-JP" baseline="-25000" dirty="0" smtClean="0"/>
+              <a:t>0</a:t>
+            </a:r>
+            <a:r>
+              <a:rPr lang="en-US" altLang="ja-JP" dirty="0" smtClean="0"/>
+              <a:t>]</a:t>
+            </a:r>
+            <a:r>
+              <a:rPr lang="ja-JP" altLang="en-US" dirty="0" smtClean="0"/>
+              <a:t>とする。変域内での</a:t>
+            </a:r>
+            <a:r>
+              <a:rPr lang="en-US" altLang="ja-JP" dirty="0" smtClean="0"/>
+              <a:t>f(x)</a:t>
+            </a:r>
+            <a:r>
+              <a:rPr lang="ja-JP" altLang="en-US" dirty="0" smtClean="0"/>
+              <a:t>の最大値を</a:t>
+            </a:r>
+            <a:r>
+              <a:rPr lang="en-US" altLang="ja-JP" dirty="0" smtClean="0"/>
+              <a:t>M</a:t>
+            </a:r>
+            <a:r>
+              <a:rPr lang="ja-JP" altLang="en-US" dirty="0" smtClean="0"/>
+              <a:t>とする。</a:t>
+            </a:r>
+            <a:endParaRPr lang="en-US" altLang="ja-JP" dirty="0" smtClean="0"/>
+          </a:p>
+          <a:p>
+            <a:pPr lvl="1"/>
+            <a:r>
+              <a:rPr kumimoji="1" lang="en-US" altLang="ja-JP" dirty="0" smtClean="0"/>
+              <a:t>(2) </a:t>
+            </a:r>
+            <a:r>
+              <a:rPr kumimoji="1" lang="ja-JP" altLang="en-US" dirty="0" smtClean="0"/>
+              <a:t>区間</a:t>
+            </a:r>
+            <a:r>
+              <a:rPr lang="en-US" altLang="ja-JP" dirty="0"/>
+              <a:t>[0, x</a:t>
+            </a:r>
+            <a:r>
+              <a:rPr lang="en-US" altLang="ja-JP" baseline="-25000" dirty="0"/>
+              <a:t>0</a:t>
+            </a:r>
+            <a:r>
+              <a:rPr lang="en-US" altLang="ja-JP" dirty="0" smtClean="0"/>
+              <a:t>]</a:t>
+            </a:r>
+            <a:r>
+              <a:rPr lang="ja-JP" altLang="en-US" dirty="0" err="1" smtClean="0"/>
+              <a:t>での</a:t>
+            </a:r>
+            <a:r>
+              <a:rPr lang="ja-JP" altLang="en-US" dirty="0" smtClean="0"/>
+              <a:t>一様乱数</a:t>
+            </a:r>
+            <a:r>
+              <a:rPr lang="en-US" altLang="ja-JP" dirty="0" smtClean="0"/>
+              <a:t>x</a:t>
+            </a:r>
+            <a:r>
+              <a:rPr lang="en-US" altLang="ja-JP" baseline="-25000" dirty="0" smtClean="0"/>
+              <a:t>i</a:t>
+            </a:r>
+            <a:r>
+              <a:rPr lang="ja-JP" altLang="en-US" dirty="0" smtClean="0"/>
+              <a:t>を発生させる。</a:t>
+            </a:r>
+            <a:endParaRPr lang="en-US" altLang="ja-JP" dirty="0" smtClean="0"/>
+          </a:p>
+          <a:p>
+            <a:pPr lvl="1"/>
+            <a:r>
+              <a:rPr kumimoji="1" lang="en-US" altLang="ja-JP" dirty="0" smtClean="0"/>
+              <a:t>(3) </a:t>
+            </a:r>
+            <a:r>
+              <a:rPr kumimoji="1" lang="ja-JP" altLang="en-US" dirty="0" smtClean="0"/>
+              <a:t>区間</a:t>
+            </a:r>
+            <a:r>
+              <a:rPr kumimoji="1" lang="en-US" altLang="ja-JP" dirty="0" smtClean="0"/>
+              <a:t>[0, M]</a:t>
+            </a:r>
+            <a:r>
+              <a:rPr kumimoji="1" lang="ja-JP" altLang="en-US" dirty="0" err="1" smtClean="0"/>
+              <a:t>での</a:t>
+            </a:r>
+            <a:r>
+              <a:rPr lang="ja-JP" altLang="en-US" dirty="0"/>
+              <a:t>一様</a:t>
+            </a:r>
+            <a:r>
+              <a:rPr lang="ja-JP" altLang="en-US" dirty="0" smtClean="0"/>
+              <a:t>乱数</a:t>
+            </a:r>
+            <a:r>
+              <a:rPr lang="en-US" altLang="ja-JP" dirty="0" smtClean="0"/>
+              <a:t>y</a:t>
+            </a:r>
+            <a:r>
+              <a:rPr lang="en-US" altLang="ja-JP" baseline="-25000" dirty="0" smtClean="0"/>
+              <a:t>i</a:t>
+            </a:r>
+            <a:r>
+              <a:rPr lang="ja-JP" altLang="en-US" dirty="0"/>
+              <a:t>を発生させる</a:t>
+            </a:r>
+            <a:r>
+              <a:rPr lang="ja-JP" altLang="en-US" dirty="0" smtClean="0"/>
+              <a:t>。</a:t>
+            </a:r>
+            <a:endParaRPr lang="en-US" altLang="ja-JP" dirty="0" smtClean="0"/>
+          </a:p>
+          <a:p>
+            <a:pPr lvl="1"/>
+            <a:r>
+              <a:rPr lang="en-US" altLang="ja-JP" dirty="0" smtClean="0"/>
+              <a:t>(4) x</a:t>
+            </a:r>
+            <a:r>
+              <a:rPr lang="en-US" altLang="ja-JP" baseline="-25000" dirty="0" smtClean="0"/>
+              <a:t>i</a:t>
+            </a:r>
+            <a:r>
+              <a:rPr lang="en-US" altLang="ja-JP" dirty="0" smtClean="0"/>
+              <a:t>, y</a:t>
+            </a:r>
+            <a:r>
+              <a:rPr lang="en-US" altLang="ja-JP" baseline="-25000" dirty="0" smtClean="0"/>
+              <a:t>i</a:t>
+            </a:r>
+            <a:r>
+              <a:rPr lang="ja-JP" altLang="en-US" dirty="0" smtClean="0"/>
+              <a:t>が、</a:t>
+            </a:r>
+            <a:r>
+              <a:rPr lang="en-US" altLang="ja-JP" dirty="0" smtClean="0"/>
+              <a:t>f(x</a:t>
+            </a:r>
+            <a:r>
+              <a:rPr lang="en-US" altLang="ja-JP" baseline="-25000" dirty="0" smtClean="0"/>
+              <a:t>i</a:t>
+            </a:r>
+            <a:r>
+              <a:rPr lang="en-US" altLang="ja-JP" dirty="0" smtClean="0"/>
+              <a:t>) &gt; y</a:t>
+            </a:r>
+            <a:r>
+              <a:rPr lang="en-US" altLang="ja-JP" baseline="-25000" dirty="0" smtClean="0"/>
+              <a:t>i</a:t>
+            </a:r>
+            <a:r>
+              <a:rPr lang="ja-JP" altLang="en-US" dirty="0" smtClean="0"/>
+              <a:t>を満足する場合のみ、</a:t>
+            </a:r>
+            <a:r>
+              <a:rPr lang="ja-JP" altLang="en-US" dirty="0"/>
+              <a:t>乱数</a:t>
+            </a:r>
+            <a:r>
+              <a:rPr lang="en-US" altLang="ja-JP" dirty="0" smtClean="0"/>
+              <a:t>x</a:t>
+            </a:r>
+            <a:r>
+              <a:rPr lang="en-US" altLang="ja-JP" baseline="-25000" dirty="0" smtClean="0"/>
+              <a:t>i</a:t>
+            </a:r>
+            <a:r>
+              <a:rPr lang="ja-JP" altLang="en-US" dirty="0" smtClean="0"/>
+              <a:t>は与えられた</a:t>
+            </a:r>
+            <a:r>
+              <a:rPr lang="en-US" altLang="ja-JP" dirty="0" smtClean="0"/>
+              <a:t>f(x)</a:t>
+            </a:r>
+            <a:r>
+              <a:rPr lang="ja-JP" altLang="en-US" dirty="0" smtClean="0"/>
+              <a:t>に従うものとして採用し、満足しなければ捨てる。</a:t>
+            </a:r>
+            <a:endParaRPr lang="en-US" altLang="ja-JP" dirty="0" smtClean="0"/>
+          </a:p>
+          <a:p>
+            <a:pPr lvl="1"/>
+            <a:r>
+              <a:rPr lang="en-US" altLang="ja-JP" dirty="0" smtClean="0"/>
+              <a:t>(5) (2)</a:t>
+            </a:r>
+            <a:r>
+              <a:rPr lang="ja-JP" altLang="en-US" dirty="0" smtClean="0"/>
+              <a:t>～</a:t>
+            </a:r>
+            <a:r>
+              <a:rPr lang="en-US" altLang="ja-JP" dirty="0" smtClean="0"/>
+              <a:t>(4)</a:t>
+            </a:r>
+            <a:r>
+              <a:rPr lang="ja-JP" altLang="en-US" dirty="0" smtClean="0"/>
+              <a:t>を繰り返して乱数列を得る。</a:t>
+            </a:r>
+            <a:endParaRPr lang="en-US" altLang="ja-JP" dirty="0"/>
+          </a:p>
+          <a:p>
+            <a:endParaRPr kumimoji="1" lang="ja-JP" altLang="en-US" dirty="0"/>
+          </a:p>
+        </p:txBody>
+      </p:sp>
+    </p:spTree>
+    <p:extLst>
+      <p:ext uri="{BB962C8B-B14F-4D97-AF65-F5344CB8AC3E}">
+        <p14:creationId xmlns:p14="http://schemas.microsoft.com/office/powerpoint/2010/main" val="3109470819"/>
+      </p:ext>
+    </p:extLst>
+  </p:cSld>
+  <p:clrMapOvr>
+    <a:masterClrMapping/>
+  </p:clrMapOvr>
+  <p:timing>
+    <p:tnLst>
+      <p:par>
+        <p:cTn id="1" dur="indefinite" restart="never" nodeType="tmRoot"/>
+      </p:par>
+    </p:tnLst>
+  </p:timing>
+</p:sld>
+</file>
+
+<file path=ppt/slides/slide13.xml><?xml version="1.0" encoding="utf-8"?>
+<p:sld xmlns:a="http://schemas.openxmlformats.org/drawingml/2006/main" xmlns:r="http://schemas.openxmlformats.org/officeDocument/2006/relationships" xmlns:p="http://schemas.openxmlformats.org/presentationml/2006/main">
+  <p:cSld>
+    <p:spTree>
+      <p:nvGrpSpPr>
+        <p:cNvPr id="1" name=""/>
+        <p:cNvGrpSpPr/>
+        <p:nvPr/>
+      </p:nvGrpSpPr>
+      <p:grpSpPr>
+        <a:xfrm>
+          <a:off x="0" y="0"/>
+          <a:ext cx="0" cy="0"/>
+          <a:chOff x="0" y="0"/>
+          <a:chExt cx="0" cy="0"/>
+        </a:xfrm>
+      </p:grpSpPr>
+      <p:sp>
+        <p:nvSpPr>
+          <p:cNvPr id="2" name="タイトル 1"/>
+          <p:cNvSpPr>
+            <a:spLocks noGrp="1"/>
+          </p:cNvSpPr>
+          <p:nvPr>
+            <p:ph type="title"/>
+          </p:nvPr>
+        </p:nvSpPr>
+        <p:spPr/>
+        <p:txBody>
+          <a:bodyPr/>
+          <a:lstStyle/>
+          <a:p>
+            <a:r>
+              <a:rPr lang="ja-JP" altLang="en-US" dirty="0"/>
+              <a:t>ソース</a:t>
+            </a:r>
+            <a:r>
+              <a:rPr kumimoji="1" lang="ja-JP" altLang="en-US" dirty="0" smtClean="0"/>
+              <a:t>コードへのリンク</a:t>
+            </a:r>
+            <a:endParaRPr kumimoji="1" lang="ja-JP" altLang="en-US" dirty="0"/>
+          </a:p>
+        </p:txBody>
+      </p:sp>
+      <p:sp>
+        <p:nvSpPr>
+          <p:cNvPr id="3" name="コンテンツ プレースホルダー 2"/>
+          <p:cNvSpPr>
+            <a:spLocks noGrp="1"/>
+          </p:cNvSpPr>
+          <p:nvPr>
+            <p:ph sz="quarter" idx="1"/>
+          </p:nvPr>
+        </p:nvSpPr>
+        <p:spPr/>
+        <p:txBody>
+          <a:bodyPr/>
+          <a:lstStyle/>
+          <a:p>
+            <a:r>
+              <a:rPr kumimoji="1" lang="ja-JP" altLang="en-US" dirty="0" smtClean="0"/>
+              <a:t>このプログラムのソースコードは、</a:t>
+            </a:r>
+            <a:r>
+              <a:rPr kumimoji="1" lang="en-US" altLang="ja-JP" dirty="0" smtClean="0"/>
+              <a:t>GitHub</a:t>
+            </a:r>
+            <a:r>
+              <a:rPr kumimoji="1" lang="ja-JP" altLang="en-US" dirty="0" smtClean="0"/>
+              <a:t>上で公開しています</a:t>
+            </a:r>
+            <a:endParaRPr kumimoji="1" lang="en-US" altLang="ja-JP" dirty="0" smtClean="0"/>
+          </a:p>
+          <a:p>
+            <a:r>
+              <a:rPr lang="en-US" altLang="ja-JP" dirty="0" smtClean="0"/>
+              <a:t>https</a:t>
+            </a:r>
+            <a:r>
+              <a:rPr lang="en-US" altLang="ja-JP" dirty="0"/>
+              <a:t>://</a:t>
+            </a:r>
+            <a:r>
+              <a:rPr lang="en-US" altLang="ja-JP" dirty="0" smtClean="0"/>
+              <a:t>github.com/dc1394/schrac</a:t>
+            </a:r>
+          </a:p>
+          <a:p>
+            <a:r>
+              <a:rPr lang="ja-JP" altLang="en-US" dirty="0"/>
+              <a:t>ライセンス</a:t>
+            </a:r>
+            <a:r>
+              <a:rPr lang="ja-JP" altLang="en-US" dirty="0" smtClean="0"/>
+              <a:t>は修正</a:t>
+            </a:r>
+            <a:r>
+              <a:rPr lang="en-US" altLang="ja-JP" dirty="0" smtClean="0"/>
+              <a:t>BSD</a:t>
+            </a:r>
+            <a:r>
+              <a:rPr lang="ja-JP" altLang="en-US" dirty="0" smtClean="0"/>
+              <a:t>ライセンスとします。</a:t>
+            </a:r>
+            <a:endParaRPr lang="en-US" altLang="ja-JP" dirty="0" smtClean="0"/>
+          </a:p>
+        </p:txBody>
+      </p:sp>
+    </p:spTree>
+    <p:extLst>
+      <p:ext uri="{BB962C8B-B14F-4D97-AF65-F5344CB8AC3E}">
+        <p14:creationId xmlns:p14="http://schemas.microsoft.com/office/powerpoint/2010/main" val="3991096573"/>
+      </p:ext>
+    </p:extLst>
+  </p:cSld>
+  <p:clrMapOvr>
+    <a:masterClrMapping/>
+  </p:clrMapOvr>
+  <p:timing>
+    <p:tnLst>
+      <p:par>
+        <p:cTn id="1" dur="indefinite" restart="never" nodeType="tmRoot"/>
+      </p:par>
+    </p:tnLst>
+  </p:timing>
+</p:sld>
+</file>
+
+<file path=ppt/slides/slide14.xml><?xml version="1.0" encoding="utf-8"?>
+<p:sld xmlns:a="http://schemas.openxmlformats.org/drawingml/2006/main" xmlns:r="http://schemas.openxmlformats.org/officeDocument/2006/relationships" xmlns:p="http://schemas.openxmlformats.org/presentationml/2006/main">
+  <p:cSld>
+    <p:spTree>
+      <p:nvGrpSpPr>
+        <p:cNvPr id="1" name=""/>
+        <p:cNvGrpSpPr/>
+        <p:nvPr/>
+      </p:nvGrpSpPr>
+      <p:grpSpPr>
+        <a:xfrm>
+          <a:off x="0" y="0"/>
+          <a:ext cx="0" cy="0"/>
+          <a:chOff x="0" y="0"/>
+          <a:chExt cx="0" cy="0"/>
+        </a:xfrm>
+      </p:grpSpPr>
+      <p:sp>
+        <p:nvSpPr>
+          <p:cNvPr id="2" name="タイトル 1"/>
+          <p:cNvSpPr>
+            <a:spLocks noGrp="1"/>
+          </p:cNvSpPr>
+          <p:nvPr>
+            <p:ph type="title"/>
+          </p:nvPr>
+        </p:nvSpPr>
+        <p:spPr/>
+        <p:txBody>
+          <a:bodyPr/>
+          <a:lstStyle/>
+          <a:p>
+            <a:r>
+              <a:rPr lang="ja-JP" altLang="en-US" smtClean="0"/>
+              <a:t>まとめ</a:t>
+            </a:r>
+            <a:endParaRPr lang="ja-JP" altLang="en-US" dirty="0"/>
+          </a:p>
+        </p:txBody>
+      </p:sp>
+      <p:sp>
+        <p:nvSpPr>
+          <p:cNvPr id="3" name="コンテンツ プレースホルダー 2"/>
+          <p:cNvSpPr>
+            <a:spLocks noGrp="1"/>
+          </p:cNvSpPr>
+          <p:nvPr>
+            <p:ph sz="quarter" idx="1"/>
+          </p:nvPr>
+        </p:nvSpPr>
+        <p:spPr/>
+        <p:txBody>
+          <a:bodyPr/>
+          <a:lstStyle/>
+          <a:p>
+            <a:r>
+              <a:rPr lang="en-US" altLang="ja-JP" dirty="0" err="1" smtClean="0"/>
+              <a:t>Sch</a:t>
+            </a:r>
+            <a:r>
+              <a:rPr lang="ja-JP" altLang="en-US" dirty="0" smtClean="0"/>
+              <a:t>方程式を、原点付近と原点から十分遠い点から数値的に解いた。</a:t>
+            </a:r>
+            <a:endParaRPr lang="en-US" altLang="ja-JP" dirty="0" smtClean="0"/>
+          </a:p>
+          <a:p>
+            <a:r>
+              <a:rPr lang="ja-JP" altLang="en-US" dirty="0" smtClean="0"/>
+              <a:t>それぞれの解を接合することにより、固有値及び波動関数を得た。</a:t>
+            </a:r>
+            <a:endParaRPr lang="en-US" altLang="ja-JP" dirty="0" smtClean="0"/>
+          </a:p>
+          <a:p>
+            <a:r>
+              <a:rPr lang="ja-JP" altLang="en-US" dirty="0" smtClean="0"/>
+              <a:t>計算によって得られた波動関数から、運動エネルギー及びポテンシャルエネルギーを計算した。</a:t>
+            </a:r>
+            <a:endParaRPr lang="en-US" altLang="ja-JP" dirty="0" smtClean="0"/>
+          </a:p>
+          <a:p>
+            <a:r>
+              <a:rPr lang="ja-JP" altLang="en-US" dirty="0" smtClean="0"/>
+              <a:t>計算で求めた固有値及び波動関数のいずれも、解析的に求められる値とほとんど完全に一致していた。</a:t>
+            </a:r>
+            <a:endParaRPr lang="en-US" altLang="ja-JP" dirty="0" smtClean="0"/>
+          </a:p>
+        </p:txBody>
+      </p:sp>
+    </p:spTree>
+    <p:extLst>
+      <p:ext uri="{BB962C8B-B14F-4D97-AF65-F5344CB8AC3E}">
+        <p14:creationId xmlns:p14="http://schemas.microsoft.com/office/powerpoint/2010/main" val="4033363336"/>
+      </p:ext>
+    </p:extLst>
+  </p:cSld>
+  <p:clrMapOvr>
+    <a:masterClrMapping/>
+  </p:clrMapOvr>
+  <p:timing>
+    <p:tnLst>
+      <p:par>
+        <p:cTn id="1" dur="indefinite" restart="never" nodeType="tmRoot"/>
+      </p:par>
+    </p:tnLst>
+  </p:timing>
+</p:sld>
+</file>
+
 <file path=ppt/slides/slide2.xml><?xml version="1.0" encoding="utf-8"?>
 <p:sld xmlns:a="http://schemas.openxmlformats.org/drawingml/2006/main" xmlns:r="http://schemas.openxmlformats.org/officeDocument/2006/relationships" xmlns:p="http://schemas.openxmlformats.org/presentationml/2006/main">
   <p:cSld>
@@ -5096,11 +6016,13 @@
         <p:spPr>
           <a:xfrm>
             <a:off x="612648" y="1600200"/>
-            <a:ext cx="8153400" cy="4997152"/>
+            <a:ext cx="8153400" cy="5257800"/>
           </a:xfrm>
         </p:spPr>
         <p:txBody>
-          <a:bodyPr/>
+          <a:bodyPr>
+            <a:normAutofit/>
+          </a:bodyPr>
           <a:lstStyle/>
           <a:p>
             <a:r>
@@ -5138,7 +6060,7 @@
           <a:p>
             <a:r>
               <a:rPr kumimoji="1" lang="ja-JP" altLang="en-US" dirty="0" smtClean="0"/>
-              <a:t>これを直接把握しようとしても、不可能である。</a:t>
+              <a:t>このデータの意味を、直接把握しようとしても、不可能である。</a:t>
             </a:r>
             <a:endParaRPr kumimoji="1" lang="ja-JP" altLang="en-US" dirty="0"/>
           </a:p>
@@ -5146,14 +6068,14 @@
       </p:sp>
       <p:pic>
         <p:nvPicPr>
-          <p:cNvPr id="4" name="図 3"/>
+          <p:cNvPr id="6" name="図 5"/>
           <p:cNvPicPr>
             <a:picLocks noChangeAspect="1"/>
           </p:cNvPicPr>
           <p:nvPr/>
         </p:nvPicPr>
         <p:blipFill>
-          <a:blip r:embed="rId2">
+          <a:blip r:embed="rId2" cstate="print">
             <a:extLst>
               <a:ext uri="{28A0092B-C50C-407E-A947-70E740481C1C}">
                 <a14:useLocalDpi xmlns:a14="http://schemas.microsoft.com/office/drawing/2010/main" val="0"/>
@@ -5166,8 +6088,8 @@
         </p:blipFill>
         <p:spPr>
           <a:xfrm>
-            <a:off x="1115616" y="2564904"/>
-            <a:ext cx="5076056" cy="3219174"/>
+            <a:off x="2543037" y="2564904"/>
+            <a:ext cx="4292622" cy="3240360"/>
           </a:xfrm>
           <a:prstGeom prst="rect">
             <a:avLst/>
@@ -5323,7 +6245,7 @@
       </p:sp>
       <p:pic>
         <p:nvPicPr>
-          <p:cNvPr id="6" name="図 5"/>
+          <p:cNvPr id="3" name="図 2"/>
           <p:cNvPicPr>
             <a:picLocks noChangeAspect="1"/>
           </p:cNvPicPr>
@@ -5343,8 +6265,8 @@
         </p:blipFill>
         <p:spPr>
           <a:xfrm>
-            <a:off x="2509107" y="2132856"/>
-            <a:ext cx="4360482" cy="3270362"/>
+            <a:off x="2518619" y="2132856"/>
+            <a:ext cx="4341457" cy="3256093"/>
           </a:xfrm>
           <a:prstGeom prst="rect">
             <a:avLst/>
@@ -5407,7 +6329,11 @@
           <a:p>
             <a:r>
               <a:rPr kumimoji="1" lang="ja-JP" altLang="en-US" dirty="0" smtClean="0"/>
-              <a:t>波動関数の可視化の考え方</a:t>
+              <a:t>波動</a:t>
+            </a:r>
+            <a:r>
+              <a:rPr kumimoji="1" lang="ja-JP" altLang="en-US" dirty="0" smtClean="0"/>
+              <a:t>関数の構成</a:t>
             </a:r>
             <a:endParaRPr kumimoji="1" lang="ja-JP" altLang="en-US" dirty="0"/>
           </a:p>
@@ -5426,11 +6352,13 @@
         <p:spPr>
           <a:xfrm>
             <a:off x="612648" y="1600200"/>
-            <a:ext cx="8153400" cy="4781128"/>
+            <a:ext cx="8153400" cy="5069160"/>
           </a:xfrm>
         </p:spPr>
         <p:txBody>
-          <a:bodyPr/>
+          <a:bodyPr>
+            <a:normAutofit/>
+          </a:bodyPr>
           <a:lstStyle/>
           <a:p>
             <a:r>
@@ -5463,7 +6391,11 @@
             </a:r>
             <a:r>
               <a:rPr lang="ja-JP" altLang="en-US" dirty="0" smtClean="0"/>
-              <a:t>を可視化することを考えよう。</a:t>
+              <a:t>を構成する</a:t>
+            </a:r>
+            <a:r>
+              <a:rPr lang="ja-JP" altLang="en-US" dirty="0" smtClean="0"/>
+              <a:t>ことを考えよう。</a:t>
             </a:r>
             <a:endParaRPr lang="en-US" altLang="ja-JP" dirty="0" smtClean="0"/>
           </a:p>
@@ -5578,7 +6510,18 @@
             </a:r>
             <a:r>
               <a:rPr lang="ja-JP" altLang="en-US" dirty="0" smtClean="0"/>
-              <a:t>は、ルジャンドル陪関数である。</a:t>
+              <a:t>は、ルジャンドル陪関数である</a:t>
+            </a:r>
+            <a:r>
+              <a:rPr lang="ja-JP" altLang="en-US" dirty="0" smtClean="0"/>
+              <a:t>。</a:t>
+            </a:r>
+            <a:endParaRPr lang="en-US" altLang="ja-JP" dirty="0" smtClean="0"/>
+          </a:p>
+          <a:p>
+            <a:r>
+              <a:rPr lang="ja-JP" altLang="en-US" dirty="0" smtClean="0"/>
+              <a:t>なお、球面調和関数は複素関数であることに注意。</a:t>
             </a:r>
             <a:endParaRPr lang="en-US" altLang="ja-JP" dirty="0" smtClean="0"/>
           </a:p>
@@ -5616,7 +6559,7 @@
         </p:blipFill>
         <p:spPr>
           <a:xfrm>
-            <a:off x="1043608" y="4509120"/>
+            <a:off x="1043608" y="4293096"/>
             <a:ext cx="6752000" cy="760381"/>
           </a:xfrm>
           <a:prstGeom prst="rect">
@@ -5673,89 +6616,149 @@
         </p:nvSpPr>
         <p:spPr/>
         <p:txBody>
+          <a:bodyPr>
+            <a:normAutofit/>
+          </a:bodyPr>
+          <a:lstStyle/>
+          <a:p>
+            <a:r>
+              <a:rPr kumimoji="1" lang="ja-JP" altLang="en-US" dirty="0" smtClean="0"/>
+              <a:t>電子密度</a:t>
+            </a:r>
+            <a:r>
+              <a:rPr kumimoji="1" lang="ja-JP" altLang="en-US" dirty="0" smtClean="0"/>
+              <a:t>の構成</a:t>
+            </a:r>
+            <a:endParaRPr kumimoji="1" lang="ja-JP" altLang="en-US" dirty="0"/>
+          </a:p>
+        </p:txBody>
+      </p:sp>
+      <p:sp>
+        <p:nvSpPr>
+          <p:cNvPr id="3" name="コンテンツ プレースホルダー 2"/>
+          <p:cNvSpPr>
+            <a:spLocks noGrp="1"/>
+          </p:cNvSpPr>
+          <p:nvPr>
+            <p:ph sz="quarter" idx="1"/>
+          </p:nvPr>
+        </p:nvSpPr>
+        <p:spPr/>
+        <p:txBody>
           <a:bodyPr/>
           <a:lstStyle/>
           <a:p>
             <a:r>
-              <a:rPr lang="ja-JP" altLang="en-US" dirty="0"/>
-              <a:t>ソース</a:t>
-            </a:r>
+              <a:rPr lang="ja-JP" altLang="en-US" dirty="0" smtClean="0"/>
+              <a:t>波動関数が構成できれば、電子密度を構成するのは簡単である。</a:t>
+            </a:r>
+            <a:endParaRPr lang="en-US" altLang="ja-JP" dirty="0" smtClean="0"/>
+          </a:p>
+          <a:p>
+            <a:r>
+              <a:rPr lang="ja-JP" altLang="en-US" dirty="0" smtClean="0"/>
+              <a:t>電子</a:t>
+            </a:r>
+            <a:r>
+              <a:rPr lang="ja-JP" altLang="en-US" dirty="0" smtClean="0"/>
+              <a:t>密度は、波動関数</a:t>
+            </a:r>
+            <a:r>
+              <a:rPr lang="en-US" altLang="ja-JP" dirty="0" smtClean="0"/>
+              <a:t>ψ(r,θ,φ)</a:t>
+            </a:r>
+            <a:r>
+              <a:rPr lang="ja-JP" altLang="en-US" dirty="0" smtClean="0"/>
+              <a:t>の</a:t>
+            </a:r>
+            <a:r>
+              <a:rPr lang="ja-JP" altLang="en-US" dirty="0" smtClean="0">
+                <a:solidFill>
+                  <a:srgbClr val="FF0000"/>
+                </a:solidFill>
+              </a:rPr>
+              <a:t>絶対値の</a:t>
+            </a:r>
+            <a:r>
+              <a:rPr lang="ja-JP" altLang="en-US" dirty="0" smtClean="0">
+                <a:solidFill>
+                  <a:srgbClr val="FF0000"/>
+                </a:solidFill>
+              </a:rPr>
+              <a:t>二乗</a:t>
+            </a:r>
+            <a:r>
+              <a:rPr lang="ja-JP" altLang="en-US" dirty="0" smtClean="0"/>
+              <a:t>（一般に波動関数</a:t>
+            </a:r>
+            <a:r>
+              <a:rPr lang="en-US" altLang="ja-JP" dirty="0" smtClean="0"/>
+              <a:t>ψ</a:t>
+            </a:r>
+            <a:r>
+              <a:rPr lang="ja-JP" altLang="en-US" dirty="0" smtClean="0"/>
+              <a:t>は複素数である）で</a:t>
+            </a:r>
+            <a:r>
+              <a:rPr lang="ja-JP" altLang="en-US" dirty="0" smtClean="0"/>
+              <a:t>表される。</a:t>
+            </a:r>
+            <a:endParaRPr lang="en-US" altLang="ja-JP" dirty="0"/>
+          </a:p>
+          <a:p>
             <a:r>
               <a:rPr kumimoji="1" lang="ja-JP" altLang="en-US" dirty="0" smtClean="0"/>
-              <a:t>コードへのリンク</a:t>
-            </a:r>
+              <a:t>つまり</a:t>
+            </a:r>
+            <a:r>
+              <a:rPr kumimoji="1" lang="ja-JP" altLang="en-US" dirty="0" smtClean="0"/>
+              <a:t>、                                       である。</a:t>
+            </a:r>
+            <a:endParaRPr kumimoji="1" lang="en-US" altLang="ja-JP" dirty="0" smtClean="0"/>
+          </a:p>
+          <a:p>
             <a:endParaRPr kumimoji="1" lang="ja-JP" altLang="en-US" dirty="0"/>
           </a:p>
         </p:txBody>
       </p:sp>
-      <p:sp>
-        <p:nvSpPr>
-          <p:cNvPr id="3" name="コンテンツ プレースホルダー 2"/>
-          <p:cNvSpPr>
-            <a:spLocks noGrp="1"/>
-          </p:cNvSpPr>
-          <p:nvPr>
-            <p:ph sz="quarter" idx="1"/>
-          </p:nvPr>
-        </p:nvSpPr>
-        <p:spPr/>
-        <p:txBody>
-          <a:bodyPr/>
-          <a:lstStyle/>
-          <a:p>
-            <a:r>
-              <a:rPr kumimoji="1" lang="ja-JP" altLang="en-US" dirty="0" smtClean="0"/>
-              <a:t>このプログラムのソースコードは、</a:t>
-            </a:r>
-            <a:r>
-              <a:rPr kumimoji="1" lang="en-US" altLang="ja-JP" dirty="0" smtClean="0"/>
-              <a:t>GitHub</a:t>
-            </a:r>
-            <a:r>
-              <a:rPr kumimoji="1" lang="ja-JP" altLang="en-US" dirty="0" smtClean="0"/>
-              <a:t>上で公開しています</a:t>
-            </a:r>
-            <a:endParaRPr kumimoji="1" lang="en-US" altLang="ja-JP" dirty="0" smtClean="0"/>
-          </a:p>
-          <a:p>
-            <a:r>
-              <a:rPr lang="en-US" altLang="ja-JP" dirty="0" smtClean="0"/>
-              <a:t>https</a:t>
-            </a:r>
-            <a:r>
-              <a:rPr lang="en-US" altLang="ja-JP" dirty="0"/>
-              <a:t>://</a:t>
-            </a:r>
-            <a:r>
-              <a:rPr lang="en-US" altLang="ja-JP" dirty="0" smtClean="0"/>
-              <a:t>github.com/dc1394/schrac</a:t>
-            </a:r>
-          </a:p>
-          <a:p>
-            <a:r>
-              <a:rPr lang="ja-JP" altLang="en-US" dirty="0"/>
-              <a:t>ライセンス</a:t>
-            </a:r>
-            <a:r>
-              <a:rPr lang="ja-JP" altLang="en-US" dirty="0" smtClean="0"/>
-              <a:t>は修正</a:t>
-            </a:r>
-            <a:r>
-              <a:rPr lang="en-US" altLang="ja-JP" dirty="0" smtClean="0"/>
-              <a:t>BSD</a:t>
-            </a:r>
-            <a:r>
-              <a:rPr lang="ja-JP" altLang="en-US" dirty="0" smtClean="0"/>
-              <a:t>ライセンスとします。</a:t>
-            </a:r>
-            <a:endParaRPr lang="en-US" altLang="ja-JP" dirty="0" smtClean="0"/>
-          </a:p>
-        </p:txBody>
-      </p:sp>
+      <p:pic>
+        <p:nvPicPr>
+          <p:cNvPr id="4" name="図 3"/>
+          <p:cNvPicPr>
+            <a:picLocks noChangeAspect="1"/>
+          </p:cNvPicPr>
+          <p:nvPr>
+            <p:custDataLst>
+              <p:tags r:id="rId1"/>
+            </p:custDataLst>
+          </p:nvPr>
+        </p:nvPicPr>
+        <p:blipFill>
+          <a:blip r:embed="rId3" cstate="print">
+            <a:extLst>
+              <a:ext uri="{28A0092B-C50C-407E-A947-70E740481C1C}">
+                <a14:useLocalDpi xmlns:a14="http://schemas.microsoft.com/office/drawing/2010/main" val="0"/>
+              </a:ext>
+            </a:extLst>
+          </a:blip>
+          <a:stretch>
+            <a:fillRect/>
+          </a:stretch>
+        </p:blipFill>
+        <p:spPr>
+          <a:xfrm>
+            <a:off x="2267744" y="4077072"/>
+            <a:ext cx="4211429" cy="386667"/>
+          </a:xfrm>
+          <a:prstGeom prst="rect">
+            <a:avLst/>
+          </a:prstGeom>
+        </p:spPr>
+      </p:pic>
     </p:spTree>
     <p:extLst>
       <p:ext uri="{BB962C8B-B14F-4D97-AF65-F5344CB8AC3E}">
-        <p14:creationId xmlns:p14="http://schemas.microsoft.com/office/powerpoint/2010/main" val="3991096573"/>
+        <p14:creationId xmlns:p14="http://schemas.microsoft.com/office/powerpoint/2010/main" val="3317616633"/>
       </p:ext>
     </p:extLst>
   </p:cSld>
@@ -5801,61 +6804,83 @@
         </p:nvSpPr>
         <p:spPr/>
         <p:txBody>
+          <a:bodyPr>
+            <a:normAutofit fontScale="90000"/>
+          </a:bodyPr>
+          <a:lstStyle/>
+          <a:p>
+            <a:r>
+              <a:rPr lang="ja-JP" altLang="en-US" smtClean="0"/>
+              <a:t>波動関数と電子密度の可視化の考え方</a:t>
+            </a:r>
+            <a:endParaRPr lang="ja-JP" altLang="en-US" dirty="0"/>
+          </a:p>
+        </p:txBody>
+      </p:sp>
+      <p:sp>
+        <p:nvSpPr>
+          <p:cNvPr id="3" name="コンテンツ プレースホルダー 2"/>
+          <p:cNvSpPr>
+            <a:spLocks noGrp="1"/>
+          </p:cNvSpPr>
+          <p:nvPr>
+            <p:ph sz="quarter" idx="1"/>
+          </p:nvPr>
+        </p:nvSpPr>
+        <p:spPr/>
+        <p:txBody>
           <a:bodyPr/>
           <a:lstStyle/>
           <a:p>
             <a:r>
-              <a:rPr lang="ja-JP" altLang="en-US" smtClean="0"/>
-              <a:t>まとめ</a:t>
-            </a:r>
-            <a:endParaRPr lang="ja-JP" altLang="en-US" dirty="0"/>
-          </a:p>
-        </p:txBody>
-      </p:sp>
-      <p:sp>
-        <p:nvSpPr>
-          <p:cNvPr id="3" name="コンテンツ プレースホルダー 2"/>
-          <p:cNvSpPr>
-            <a:spLocks noGrp="1"/>
-          </p:cNvSpPr>
-          <p:nvPr>
-            <p:ph sz="quarter" idx="1"/>
-          </p:nvPr>
-        </p:nvSpPr>
-        <p:spPr/>
-        <p:txBody>
-          <a:bodyPr/>
-          <a:lstStyle/>
-          <a:p>
-            <a:r>
-              <a:rPr lang="en-US" altLang="ja-JP" dirty="0" err="1" smtClean="0"/>
-              <a:t>Sch</a:t>
-            </a:r>
-            <a:r>
-              <a:rPr lang="ja-JP" altLang="en-US" dirty="0" smtClean="0"/>
-              <a:t>方程式を、原点付近と原点から十分遠い点から数値的に解いた。</a:t>
+              <a:rPr lang="ja-JP" altLang="en-US" dirty="0" smtClean="0"/>
+              <a:t>波動関数</a:t>
+            </a:r>
+            <a:r>
+              <a:rPr lang="en-US" altLang="ja-JP" dirty="0" smtClean="0"/>
+              <a:t>ψ(r,θ,φ) </a:t>
+            </a:r>
+            <a:r>
+              <a:rPr lang="ja-JP" altLang="en-US" dirty="0" smtClean="0"/>
+              <a:t>及び電子密度</a:t>
+            </a:r>
+            <a:r>
+              <a:rPr lang="en-US" altLang="ja-JP" dirty="0" smtClean="0"/>
+              <a:t>ρ(r,θ,φ)</a:t>
+            </a:r>
+            <a:r>
+              <a:rPr lang="ja-JP" altLang="en-US" dirty="0" smtClean="0"/>
+              <a:t>のいずれも、三次元の変数を持つので、表示には</a:t>
+            </a:r>
+            <a:r>
+              <a:rPr lang="ja-JP" altLang="en-US" dirty="0" smtClean="0">
+                <a:solidFill>
+                  <a:srgbClr val="FF0000"/>
+                </a:solidFill>
+              </a:rPr>
+              <a:t>四次元が必要</a:t>
+            </a:r>
+            <a:r>
+              <a:rPr lang="ja-JP" altLang="en-US" dirty="0" smtClean="0"/>
+              <a:t>である。</a:t>
             </a:r>
             <a:endParaRPr lang="en-US" altLang="ja-JP" dirty="0" smtClean="0"/>
           </a:p>
           <a:p>
             <a:r>
               <a:rPr lang="ja-JP" altLang="en-US" dirty="0" smtClean="0"/>
-              <a:t>それぞれの解を接合することにより、固有値及び波動関数を得た。</a:t>
+              <a:t>四次元（の関数）は、単純にはグラフ化できないので、可視化には工夫が必要である。</a:t>
             </a:r>
             <a:endParaRPr lang="en-US" altLang="ja-JP" dirty="0" smtClean="0"/>
           </a:p>
           <a:p>
             <a:r>
               <a:rPr lang="ja-JP" altLang="en-US" dirty="0" smtClean="0"/>
-              <a:t>計算によって得られた波動関数から、運動エネルギー及びポテンシャルエネルギーを計算した。</a:t>
+              <a:t>工夫には色々な方法があるだろうが、ここでは乱数を用いて、四次元の関数を可視化することを考える。</a:t>
             </a:r>
             <a:endParaRPr lang="en-US" altLang="ja-JP" dirty="0" smtClean="0"/>
           </a:p>
           <a:p>
-            <a:r>
-              <a:rPr lang="ja-JP" altLang="en-US" dirty="0" smtClean="0"/>
-              <a:t>計算で求めた固有値及び波動関数のいずれも、解析的に求められる値とほとんど完全に一致していた。</a:t>
-            </a:r>
             <a:endParaRPr lang="en-US" altLang="ja-JP" dirty="0" smtClean="0"/>
           </a:p>
         </p:txBody>
@@ -5863,7 +6888,240 @@
     </p:spTree>
     <p:extLst>
       <p:ext uri="{BB962C8B-B14F-4D97-AF65-F5344CB8AC3E}">
-        <p14:creationId xmlns:p14="http://schemas.microsoft.com/office/powerpoint/2010/main" val="4033363336"/>
+        <p14:creationId xmlns:p14="http://schemas.microsoft.com/office/powerpoint/2010/main" val="2009118836"/>
+      </p:ext>
+    </p:extLst>
+  </p:cSld>
+  <p:clrMapOvr>
+    <a:masterClrMapping/>
+  </p:clrMapOvr>
+  <p:timing>
+    <p:tnLst>
+      <p:par>
+        <p:cTn id="1" dur="indefinite" restart="never" nodeType="tmRoot"/>
+      </p:par>
+    </p:tnLst>
+  </p:timing>
+</p:sld>
+</file>
+
+<file path=ppt/slides/slide9.xml><?xml version="1.0" encoding="utf-8"?>
+<p:sld xmlns:a="http://schemas.openxmlformats.org/drawingml/2006/main" xmlns:r="http://schemas.openxmlformats.org/officeDocument/2006/relationships" xmlns:p="http://schemas.openxmlformats.org/presentationml/2006/main">
+  <p:cSld>
+    <p:spTree>
+      <p:nvGrpSpPr>
+        <p:cNvPr id="1" name=""/>
+        <p:cNvGrpSpPr/>
+        <p:nvPr/>
+      </p:nvGrpSpPr>
+      <p:grpSpPr>
+        <a:xfrm>
+          <a:off x="0" y="0"/>
+          <a:ext cx="0" cy="0"/>
+          <a:chOff x="0" y="0"/>
+          <a:chExt cx="0" cy="0"/>
+        </a:xfrm>
+      </p:grpSpPr>
+      <p:sp>
+        <p:nvSpPr>
+          <p:cNvPr id="2" name="タイトル 1"/>
+          <p:cNvSpPr>
+            <a:spLocks noGrp="1"/>
+          </p:cNvSpPr>
+          <p:nvPr>
+            <p:ph type="title"/>
+          </p:nvPr>
+        </p:nvSpPr>
+        <p:spPr/>
+        <p:txBody>
+          <a:bodyPr>
+            <a:normAutofit/>
+          </a:bodyPr>
+          <a:lstStyle/>
+          <a:p>
+            <a:r>
+              <a:rPr kumimoji="1" lang="ja-JP" altLang="en-US" dirty="0" smtClean="0"/>
+              <a:t>波動関数の可視化の考え方</a:t>
+            </a:r>
+            <a:endParaRPr kumimoji="1" lang="ja-JP" altLang="en-US" dirty="0"/>
+          </a:p>
+        </p:txBody>
+      </p:sp>
+      <p:sp>
+        <p:nvSpPr>
+          <p:cNvPr id="3" name="コンテンツ プレースホルダー 2"/>
+          <p:cNvSpPr>
+            <a:spLocks noGrp="1"/>
+          </p:cNvSpPr>
+          <p:nvPr>
+            <p:ph sz="quarter" idx="1"/>
+          </p:nvPr>
+        </p:nvSpPr>
+        <p:spPr/>
+        <p:txBody>
+          <a:bodyPr/>
+          <a:lstStyle/>
+          <a:p>
+            <a:r>
+              <a:rPr lang="ja-JP" altLang="en-US" dirty="0"/>
+              <a:t>波動関数の</a:t>
+            </a:r>
+            <a:r>
+              <a:rPr lang="ja-JP" altLang="en-US" dirty="0" smtClean="0"/>
+              <a:t>可視化の手順は、以下のようになる。</a:t>
+            </a:r>
+            <a:endParaRPr lang="en-US" altLang="ja-JP" dirty="0" smtClean="0"/>
+          </a:p>
+          <a:p>
+            <a:pPr lvl="1"/>
+            <a:r>
+              <a:rPr lang="en-US" altLang="ja-JP" dirty="0" smtClean="0"/>
+              <a:t>(1) </a:t>
+            </a:r>
+            <a:r>
+              <a:rPr lang="ja-JP" altLang="en-US" dirty="0" smtClean="0"/>
+              <a:t>主量子数</a:t>
+            </a:r>
+            <a:r>
+              <a:rPr lang="en-US" altLang="ja-JP" dirty="0" smtClean="0"/>
+              <a:t>n</a:t>
+            </a:r>
+            <a:r>
+              <a:rPr lang="ja-JP" altLang="en-US" dirty="0" err="1" smtClean="0"/>
+              <a:t>、</a:t>
+            </a:r>
+            <a:r>
+              <a:rPr lang="ja-JP" altLang="en-US" dirty="0" smtClean="0"/>
+              <a:t>方位量子数</a:t>
+            </a:r>
+            <a:r>
+              <a:rPr lang="en-US" altLang="ja-JP" dirty="0" smtClean="0"/>
+              <a:t>l</a:t>
+            </a:r>
+            <a:r>
+              <a:rPr lang="ja-JP" altLang="en-US" dirty="0" err="1" smtClean="0"/>
+              <a:t>、</a:t>
+            </a:r>
+            <a:r>
+              <a:rPr lang="ja-JP" altLang="en-US" dirty="0" smtClean="0"/>
+              <a:t>磁気量子数</a:t>
+            </a:r>
+            <a:r>
+              <a:rPr lang="en-US" altLang="ja-JP" dirty="0" smtClean="0"/>
+              <a:t>m</a:t>
+            </a:r>
+            <a:r>
+              <a:rPr lang="ja-JP" altLang="en-US" dirty="0" smtClean="0"/>
+              <a:t>を決める。→動径分布関数と、球面調和関数が決まる</a:t>
+            </a:r>
+            <a:endParaRPr lang="en-US" altLang="ja-JP" dirty="0" smtClean="0"/>
+          </a:p>
+          <a:p>
+            <a:pPr lvl="1"/>
+            <a:r>
+              <a:rPr lang="en-US" altLang="ja-JP" dirty="0" smtClean="0"/>
+              <a:t>(2) </a:t>
+            </a:r>
+            <a:r>
+              <a:rPr lang="ja-JP" altLang="en-US" dirty="0" smtClean="0"/>
+              <a:t>波動関数を観測する回数を決める、観測回数だけ</a:t>
+            </a:r>
+            <a:r>
+              <a:rPr lang="en-US" altLang="ja-JP" dirty="0" smtClean="0"/>
+              <a:t>(3)</a:t>
+            </a:r>
+            <a:r>
+              <a:rPr lang="ja-JP" altLang="en-US" dirty="0" smtClean="0"/>
+              <a:t>～</a:t>
+            </a:r>
+            <a:r>
+              <a:rPr lang="en-US" altLang="ja-JP" dirty="0" smtClean="0"/>
+              <a:t>(4)</a:t>
+            </a:r>
+            <a:r>
+              <a:rPr lang="ja-JP" altLang="en-US" dirty="0" smtClean="0"/>
+              <a:t>を繰り返す。</a:t>
+            </a:r>
+            <a:endParaRPr lang="en-US" altLang="ja-JP" dirty="0" smtClean="0"/>
+          </a:p>
+          <a:p>
+            <a:pPr lvl="1"/>
+            <a:r>
+              <a:rPr lang="en-US" altLang="ja-JP" dirty="0" smtClean="0"/>
+              <a:t>(3) </a:t>
+            </a:r>
+            <a:r>
+              <a:rPr lang="ja-JP" altLang="en-US" dirty="0" smtClean="0"/>
+              <a:t>動径</a:t>
+            </a:r>
+            <a:r>
+              <a:rPr lang="ja-JP" altLang="en-US" dirty="0"/>
+              <a:t>分布関数</a:t>
+            </a:r>
+            <a:r>
+              <a:rPr lang="ja-JP" altLang="en-US" dirty="0" smtClean="0"/>
+              <a:t>と球面</a:t>
+            </a:r>
+            <a:r>
+              <a:rPr lang="ja-JP" altLang="en-US" dirty="0"/>
+              <a:t>調和</a:t>
+            </a:r>
+            <a:r>
+              <a:rPr lang="ja-JP" altLang="en-US" dirty="0" smtClean="0"/>
+              <a:t>関数の積に従う乱数を発生させ、</a:t>
+            </a:r>
+            <a:r>
+              <a:rPr lang="en-US" altLang="ja-JP" dirty="0"/>
+              <a:t> </a:t>
+            </a:r>
+            <a:r>
+              <a:rPr lang="ja-JP" altLang="en-US" dirty="0" smtClean="0"/>
+              <a:t>電子の位置</a:t>
+            </a:r>
+            <a:r>
+              <a:rPr lang="en-US" altLang="ja-JP" dirty="0" smtClean="0"/>
+              <a:t>(x, y, z)</a:t>
+            </a:r>
+            <a:r>
+              <a:rPr lang="ja-JP" altLang="en-US" dirty="0" smtClean="0"/>
+              <a:t>の値を決める（ただし、球面調和関数の実部と虚部は、別々に表示する）。</a:t>
+            </a:r>
+            <a:endParaRPr lang="en-US" altLang="ja-JP" dirty="0" smtClean="0"/>
+          </a:p>
+          <a:p>
+            <a:pPr lvl="1"/>
+            <a:r>
+              <a:rPr lang="en-US" altLang="ja-JP" dirty="0" smtClean="0"/>
+              <a:t>(4) </a:t>
+            </a:r>
+            <a:r>
+              <a:rPr lang="ja-JP" altLang="en-US" dirty="0" smtClean="0"/>
+              <a:t>電子の位置</a:t>
+            </a:r>
+            <a:r>
+              <a:rPr lang="en-US" altLang="ja-JP" dirty="0" smtClean="0"/>
+              <a:t>(</a:t>
+            </a:r>
+            <a:r>
+              <a:rPr lang="en-US" altLang="ja-JP" dirty="0"/>
+              <a:t>x, y, z</a:t>
+            </a:r>
+            <a:r>
+              <a:rPr lang="en-US" altLang="ja-JP" dirty="0" smtClean="0"/>
+              <a:t>)</a:t>
+            </a:r>
+            <a:r>
+              <a:rPr lang="ja-JP" altLang="en-US" dirty="0" smtClean="0"/>
+              <a:t>に点をプロットする。</a:t>
+            </a:r>
+            <a:endParaRPr lang="en-US" altLang="ja-JP" dirty="0" smtClean="0"/>
+          </a:p>
+        </p:txBody>
+      </p:sp>
+    </p:spTree>
+    <p:extLst>
+      <p:ext uri="{BB962C8B-B14F-4D97-AF65-F5344CB8AC3E}">
+        <p14:creationId xmlns:p14="http://schemas.microsoft.com/office/powerpoint/2010/main" val="519324423"/>
       </p:ext>
     </p:extLst>
   </p:cSld>
@@ -5896,6 +7154,16 @@
   <p:tag name="LATEXADDIN" val="\documentclass{article}&#10;\usepackage{amsmath}&#10;\pagestyle{empty}&#10;\begin{document}&#10;$Y_{lm}\left(  \theta,\phi\right)  =\left(  -1\right)  ^{\left(  m+\left\vert&#10;m\right\vert \right)  /2}\sqrt{\dfrac{2l+1}{4\pi}\dfrac{\left(  l-\left\vert&#10;m\right\vert \right)  !}{\left(  l+\left\vert m\right\vert \right)  !}}%&#10;P_{l}^{\left\vert m\right\vert }\left(  \cos\theta\right)  e^{im\phi}$&#10;\end{document}"/>
   <p:tag name="IGUANATEXSIZE" val="20"/>
   <p:tag name="IGUANATEXCURSOR" val="379"/>
+</p:tagLst>
+</file>
+
+<file path=ppt/tags/tag3.xml><?xml version="1.0" encoding="utf-8"?>
+<p:tagLst xmlns:a="http://schemas.openxmlformats.org/drawingml/2006/main" xmlns:r="http://schemas.openxmlformats.org/officeDocument/2006/relationships" xmlns:p="http://schemas.openxmlformats.org/presentationml/2006/main">
+  <p:tag name="ORIGINALHEIGHT" val="152.2309"/>
+  <p:tag name="ORIGINALWIDTH" val="1658.043"/>
+  <p:tag name="LATEXADDIN" val="\documentclass{article}&#10;\usepackage{amsmath}&#10;\pagestyle{empty}&#10;\begin{document}&#10;$\rho\left(  r,\theta,\phi\right)  =\left\vert R_{nl}\left(  r\right)&#10;Y_{lm}\left(  \theta,\phi\right)  \right\vert ^{2}$&#10;\end{document}"/>
+  <p:tag name="IGUANATEXSIZE" val="20"/>
+  <p:tag name="IGUANATEXCURSOR" val="201"/>
 </p:tagLst>
 </file>
 

--- a/福井技術者の集い その3 発表資料スライド.pptx
+++ b/福井技術者の集い その3 発表資料スライド.pptx
@@ -5,7 +5,7 @@
     <p:sldMasterId id="2147483744" r:id="rId1"/>
   </p:sldMasterIdLst>
   <p:notesMasterIdLst>
-    <p:notesMasterId r:id="rId16"/>
+    <p:notesMasterId r:id="rId17"/>
   </p:notesMasterIdLst>
   <p:sldIdLst>
     <p:sldId id="258" r:id="rId2"/>
@@ -13,20 +13,21 @@
     <p:sldId id="441" r:id="rId4"/>
     <p:sldId id="470" r:id="rId5"/>
     <p:sldId id="471" r:id="rId6"/>
-    <p:sldId id="472" r:id="rId7"/>
-    <p:sldId id="473" r:id="rId8"/>
-    <p:sldId id="474" r:id="rId9"/>
-    <p:sldId id="475" r:id="rId10"/>
-    <p:sldId id="476" r:id="rId11"/>
-    <p:sldId id="477" r:id="rId12"/>
-    <p:sldId id="478" r:id="rId13"/>
-    <p:sldId id="467" r:id="rId14"/>
-    <p:sldId id="427" r:id="rId15"/>
+    <p:sldId id="479" r:id="rId7"/>
+    <p:sldId id="472" r:id="rId8"/>
+    <p:sldId id="473" r:id="rId9"/>
+    <p:sldId id="474" r:id="rId10"/>
+    <p:sldId id="475" r:id="rId11"/>
+    <p:sldId id="476" r:id="rId12"/>
+    <p:sldId id="477" r:id="rId13"/>
+    <p:sldId id="478" r:id="rId14"/>
+    <p:sldId id="467" r:id="rId15"/>
+    <p:sldId id="427" r:id="rId16"/>
   </p:sldIdLst>
   <p:sldSz cx="9144000" cy="6858000" type="screen4x3"/>
   <p:notesSz cx="6858000" cy="9144000"/>
   <p:custDataLst>
-    <p:tags r:id="rId17"/>
+    <p:tags r:id="rId18"/>
   </p:custDataLst>
   <p:defaultTextStyle>
     <a:defPPr>
@@ -4795,7 +4796,7 @@
           <a:p>
             <a:r>
               <a:rPr kumimoji="1" lang="ja-JP" altLang="en-US" dirty="0" smtClean="0"/>
-              <a:t>電子密度の可視化の考え方</a:t>
+              <a:t>波動関数の可視化の考え方</a:t>
             </a:r>
             <a:endParaRPr kumimoji="1" lang="ja-JP" altLang="en-US" dirty="0"/>
           </a:p>
@@ -4817,8 +4818,12 @@
           <a:lstStyle/>
           <a:p>
             <a:r>
-              <a:rPr lang="ja-JP" altLang="en-US" dirty="0" smtClean="0"/>
-              <a:t>電子密度の可視化の手順は、以下のようになる。</a:t>
+              <a:rPr lang="ja-JP" altLang="en-US" dirty="0"/>
+              <a:t>波動関数の</a:t>
+            </a:r>
+            <a:r>
+              <a:rPr lang="ja-JP" altLang="en-US" dirty="0" smtClean="0"/>
+              <a:t>可視化の手順は、以下のようになる。</a:t>
             </a:r>
             <a:endParaRPr lang="en-US" altLang="ja-JP" dirty="0" smtClean="0"/>
           </a:p>
@@ -4874,7 +4879,7 @@
             </a:r>
             <a:r>
               <a:rPr lang="ja-JP" altLang="en-US" dirty="0" smtClean="0"/>
-              <a:t>電子雲を観測する回数を決める、観測回数だけ</a:t>
+              <a:t>波動関数を観測する回数を決める、観測回数だけ</a:t>
             </a:r>
             <a:r>
               <a:rPr lang="en-US" altLang="ja-JP" dirty="0" smtClean="0"/>
@@ -4918,7 +4923,7 @@
             </a:r>
             <a:r>
               <a:rPr lang="ja-JP" altLang="en-US" dirty="0" smtClean="0"/>
-              <a:t>関数の積の絶対値の二乗に従う乱数を発生させ、</a:t>
+              <a:t>関数の積に従う乱数を発生させ、</a:t>
             </a:r>
             <a:r>
               <a:rPr lang="en-US" altLang="ja-JP" dirty="0"/>
@@ -4934,7 +4939,7 @@
             </a:r>
             <a:r>
               <a:rPr lang="ja-JP" altLang="en-US" dirty="0" smtClean="0"/>
-              <a:t>の値を決める。</a:t>
+              <a:t>の値を決める（ただし、球面調和関数の実部と虚部は、別々に表示する）。</a:t>
             </a:r>
             <a:endParaRPr lang="en-US" altLang="ja-JP" dirty="0" smtClean="0"/>
           </a:p>
@@ -4971,7 +4976,7 @@
     </p:spTree>
     <p:extLst>
       <p:ext uri="{BB962C8B-B14F-4D97-AF65-F5344CB8AC3E}">
-        <p14:creationId xmlns:p14="http://schemas.microsoft.com/office/powerpoint/2010/main" val="2827975956"/>
+        <p14:creationId xmlns:p14="http://schemas.microsoft.com/office/powerpoint/2010/main" val="519324423"/>
       </p:ext>
     </p:extLst>
   </p:cSld>
@@ -5017,74 +5022,190 @@
         </p:nvSpPr>
         <p:spPr/>
         <p:txBody>
+          <a:bodyPr>
+            <a:normAutofit/>
+          </a:bodyPr>
+          <a:lstStyle/>
+          <a:p>
+            <a:r>
+              <a:rPr kumimoji="1" lang="ja-JP" altLang="en-US" dirty="0" smtClean="0"/>
+              <a:t>電子密度の可視化の考え方</a:t>
+            </a:r>
+            <a:endParaRPr kumimoji="1" lang="ja-JP" altLang="en-US" dirty="0"/>
+          </a:p>
+        </p:txBody>
+      </p:sp>
+      <p:sp>
+        <p:nvSpPr>
+          <p:cNvPr id="3" name="コンテンツ プレースホルダー 2"/>
+          <p:cNvSpPr>
+            <a:spLocks noGrp="1"/>
+          </p:cNvSpPr>
+          <p:nvPr>
+            <p:ph sz="quarter" idx="1"/>
+          </p:nvPr>
+        </p:nvSpPr>
+        <p:spPr/>
+        <p:txBody>
           <a:bodyPr/>
           <a:lstStyle/>
           <a:p>
             <a:r>
+              <a:rPr lang="ja-JP" altLang="en-US" dirty="0" smtClean="0"/>
+              <a:t>電子密度の可視化の手順は、以下のようになる。</a:t>
+            </a:r>
+            <a:endParaRPr lang="en-US" altLang="ja-JP" dirty="0" smtClean="0"/>
+          </a:p>
+          <a:p>
+            <a:pPr lvl="1"/>
+            <a:r>
+              <a:rPr lang="en-US" altLang="ja-JP" dirty="0" smtClean="0"/>
+              <a:t>(1) </a:t>
+            </a:r>
+            <a:r>
+              <a:rPr lang="ja-JP" altLang="en-US" dirty="0" smtClean="0"/>
+              <a:t>主量子数</a:t>
+            </a:r>
+            <a:r>
+              <a:rPr lang="en-US" altLang="ja-JP" dirty="0" smtClean="0"/>
+              <a:t>n</a:t>
+            </a:r>
+            <a:r>
+              <a:rPr lang="ja-JP" altLang="en-US" dirty="0" err="1" smtClean="0"/>
+              <a:t>、</a:t>
+            </a:r>
+            <a:r>
+              <a:rPr lang="ja-JP" altLang="en-US" dirty="0" smtClean="0"/>
+              <a:t>方位量子数</a:t>
+            </a:r>
+            <a:r>
+              <a:rPr lang="en-US" altLang="ja-JP" dirty="0" smtClean="0"/>
+              <a:t>l</a:t>
+            </a:r>
+            <a:r>
+              <a:rPr lang="ja-JP" altLang="en-US" dirty="0" err="1" smtClean="0"/>
+              <a:t>、</a:t>
+            </a:r>
+            <a:r>
+              <a:rPr lang="ja-JP" altLang="en-US" dirty="0" smtClean="0"/>
+              <a:t>磁気量子数</a:t>
+            </a:r>
+            <a:r>
+              <a:rPr lang="en-US" altLang="ja-JP" dirty="0" smtClean="0"/>
+              <a:t>m</a:t>
+            </a:r>
+            <a:r>
+              <a:rPr lang="ja-JP" altLang="en-US" dirty="0" smtClean="0"/>
+              <a:t>を決める。→動径分布関数と、球面調和関数が決まる</a:t>
+            </a:r>
+            <a:endParaRPr lang="en-US" altLang="ja-JP" dirty="0" smtClean="0"/>
+          </a:p>
+          <a:p>
+            <a:pPr lvl="1"/>
+            <a:r>
+              <a:rPr lang="en-US" altLang="ja-JP" dirty="0" smtClean="0"/>
+              <a:t>(2) </a:t>
+            </a:r>
+            <a:r>
+              <a:rPr lang="ja-JP" altLang="en-US" dirty="0" smtClean="0"/>
+              <a:t>電子雲を観測する回数を決める、観測回数だけ</a:t>
+            </a:r>
+            <a:r>
+              <a:rPr lang="en-US" altLang="ja-JP" dirty="0" smtClean="0"/>
+              <a:t>(3)</a:t>
+            </a:r>
+            <a:r>
+              <a:rPr lang="ja-JP" altLang="en-US" dirty="0" smtClean="0"/>
+              <a:t>～</a:t>
+            </a:r>
+            <a:r>
+              <a:rPr lang="en-US" altLang="ja-JP" dirty="0" smtClean="0"/>
+              <a:t>(4)</a:t>
+            </a:r>
+            <a:r>
+              <a:rPr lang="ja-JP" altLang="en-US" dirty="0" smtClean="0"/>
+              <a:t>を繰り返す。</a:t>
+            </a:r>
+            <a:endParaRPr lang="en-US" altLang="ja-JP" dirty="0" smtClean="0"/>
+          </a:p>
+          <a:p>
+            <a:pPr lvl="1"/>
+            <a:r>
+              <a:rPr lang="en-US" altLang="ja-JP" dirty="0" smtClean="0"/>
+              <a:t>(3) </a:t>
+            </a:r>
+            <a:r>
+              <a:rPr lang="ja-JP" altLang="en-US" dirty="0" smtClean="0"/>
+              <a:t>動径</a:t>
+            </a:r>
+            <a:r>
+              <a:rPr lang="ja-JP" altLang="en-US" dirty="0"/>
+              <a:t>分布関数</a:t>
+            </a:r>
+            <a:r>
+              <a:rPr lang="ja-JP" altLang="en-US" dirty="0" smtClean="0"/>
+              <a:t>と球面</a:t>
+            </a:r>
+            <a:r>
+              <a:rPr lang="ja-JP" altLang="en-US" dirty="0"/>
+              <a:t>調和</a:t>
+            </a:r>
+            <a:r>
+              <a:rPr lang="ja-JP" altLang="en-US" dirty="0" smtClean="0"/>
+              <a:t>関数の積の絶対値の二乗に従う乱数を発生させ、</a:t>
+            </a:r>
+            <a:r>
               <a:rPr lang="en-US" altLang="ja-JP" dirty="0"/>
-              <a:t>von Neumann</a:t>
-            </a:r>
-            <a:r>
-              <a:rPr lang="ja-JP" altLang="en-US" dirty="0"/>
-              <a:t>の棄却法</a:t>
-            </a:r>
-            <a:endParaRPr kumimoji="1" lang="ja-JP" altLang="en-US" dirty="0"/>
-          </a:p>
-        </p:txBody>
-      </p:sp>
-      <p:sp>
-        <p:nvSpPr>
-          <p:cNvPr id="3" name="コンテンツ プレースホルダー 2"/>
-          <p:cNvSpPr>
-            <a:spLocks noGrp="1"/>
-          </p:cNvSpPr>
-          <p:nvPr>
-            <p:ph sz="quarter" idx="1"/>
-          </p:nvPr>
-        </p:nvSpPr>
-        <p:spPr/>
-        <p:txBody>
-          <a:bodyPr/>
-          <a:lstStyle/>
-          <a:p>
-            <a:r>
-              <a:rPr kumimoji="1" lang="ja-JP" altLang="en-US" dirty="0" smtClean="0"/>
-              <a:t>「原子の波動関数と電子密度を乱数を用いて描く」という問題は、「どうすれば分布関数に従う乱数を発生させることができるか？」という問題に帰着する。</a:t>
-            </a:r>
-            <a:endParaRPr kumimoji="1" lang="en-US" altLang="ja-JP" dirty="0" smtClean="0"/>
-          </a:p>
-          <a:p>
-            <a:r>
-              <a:rPr kumimoji="1" lang="ja-JP" altLang="en-US" dirty="0" smtClean="0"/>
-              <a:t>任意の分布に従う乱数を発生させる方法として、よく知られている方法に、「</a:t>
+              <a:t> </a:t>
+            </a:r>
+            <a:r>
+              <a:rPr lang="ja-JP" altLang="en-US" dirty="0" smtClean="0"/>
+              <a:t>電子の位置</a:t>
+            </a:r>
+            <a:r>
+              <a:rPr lang="en-US" altLang="ja-JP" dirty="0" smtClean="0"/>
+              <a:t>(x, y, z)</a:t>
+            </a:r>
+            <a:r>
+              <a:rPr lang="ja-JP" altLang="en-US" dirty="0" smtClean="0"/>
+              <a:t>の値を決める。</a:t>
+            </a:r>
+            <a:endParaRPr lang="en-US" altLang="ja-JP" dirty="0" smtClean="0"/>
+          </a:p>
+          <a:p>
+            <a:pPr lvl="1"/>
+            <a:r>
+              <a:rPr lang="en-US" altLang="ja-JP" dirty="0" smtClean="0"/>
+              <a:t>(4) </a:t>
+            </a:r>
+            <a:r>
+              <a:rPr lang="ja-JP" altLang="en-US" dirty="0" smtClean="0"/>
+              <a:t>電子の位置</a:t>
+            </a:r>
+            <a:r>
+              <a:rPr lang="en-US" altLang="ja-JP" dirty="0" smtClean="0"/>
+              <a:t>(</a:t>
             </a:r>
             <a:r>
               <a:rPr lang="en-US" altLang="ja-JP" dirty="0"/>
-              <a:t>von Neumann</a:t>
-            </a:r>
-            <a:r>
-              <a:rPr lang="ja-JP" altLang="en-US" dirty="0"/>
-              <a:t>の</a:t>
-            </a:r>
-            <a:r>
-              <a:rPr lang="ja-JP" altLang="en-US" dirty="0" smtClean="0"/>
-              <a:t>棄却法」がある。</a:t>
+              <a:t>x, y, z</a:t>
+            </a:r>
+            <a:r>
+              <a:rPr lang="en-US" altLang="ja-JP" dirty="0" smtClean="0"/>
+              <a:t>)</a:t>
+            </a:r>
+            <a:r>
+              <a:rPr lang="ja-JP" altLang="en-US" dirty="0" smtClean="0"/>
+              <a:t>に点をプロットする。</a:t>
             </a:r>
             <a:endParaRPr lang="en-US" altLang="ja-JP" dirty="0" smtClean="0"/>
-          </a:p>
-          <a:p>
-            <a:r>
-              <a:rPr lang="ja-JP" altLang="en-US" dirty="0" smtClean="0"/>
-              <a:t>次ページでこれを詳しく説明する。</a:t>
-            </a:r>
-            <a:endParaRPr lang="ja-JP" altLang="en-US" dirty="0"/>
           </a:p>
         </p:txBody>
       </p:sp>
     </p:spTree>
     <p:extLst>
       <p:ext uri="{BB962C8B-B14F-4D97-AF65-F5344CB8AC3E}">
-        <p14:creationId xmlns:p14="http://schemas.microsoft.com/office/powerpoint/2010/main" val="1090346442"/>
+        <p14:creationId xmlns:p14="http://schemas.microsoft.com/office/powerpoint/2010/main" val="2827975956"/>
       </p:ext>
     </p:extLst>
   </p:cSld>
@@ -5157,11 +5278,20 @@
         </p:nvSpPr>
         <p:spPr/>
         <p:txBody>
-          <a:bodyPr>
-            <a:normAutofit lnSpcReduction="10000"/>
-          </a:bodyPr>
-          <a:lstStyle/>
-          <a:p>
+          <a:bodyPr/>
+          <a:lstStyle/>
+          <a:p>
+            <a:r>
+              <a:rPr kumimoji="1" lang="ja-JP" altLang="en-US" dirty="0" smtClean="0"/>
+              <a:t>「原子の波動関数と電子密度を乱数を用いて描く」という問題は、「どうすれば分布関数に従う乱数を発生させることができるか？」という問題に帰着する。</a:t>
+            </a:r>
+            <a:endParaRPr kumimoji="1" lang="en-US" altLang="ja-JP" dirty="0" smtClean="0"/>
+          </a:p>
+          <a:p>
+            <a:r>
+              <a:rPr kumimoji="1" lang="ja-JP" altLang="en-US" dirty="0" smtClean="0"/>
+              <a:t>任意の分布に従う乱数を発生させる方法として、よく知られている方法に、「</a:t>
+            </a:r>
             <a:r>
               <a:rPr lang="en-US" altLang="ja-JP" dirty="0"/>
               <a:t>von Neumann</a:t>
@@ -5172,255 +5302,23 @@
             </a:r>
             <a:r>
               <a:rPr lang="ja-JP" altLang="en-US" dirty="0" smtClean="0"/>
-              <a:t>棄却法の手順は以下のようになる。</a:t>
+              <a:t>棄却法」がある。</a:t>
             </a:r>
             <a:endParaRPr lang="en-US" altLang="ja-JP" dirty="0" smtClean="0"/>
           </a:p>
           <a:p>
-            <a:pPr lvl="1"/>
-            <a:r>
-              <a:rPr lang="en-US" altLang="ja-JP" dirty="0" smtClean="0"/>
-              <a:t>(1) </a:t>
-            </a:r>
-            <a:r>
-              <a:rPr lang="ja-JP" altLang="en-US" dirty="0" smtClean="0"/>
-              <a:t>確率密度関数</a:t>
-            </a:r>
-            <a:r>
-              <a:rPr lang="en-US" altLang="ja-JP" dirty="0" smtClean="0"/>
-              <a:t>f(x)</a:t>
-            </a:r>
-            <a:r>
-              <a:rPr lang="ja-JP" altLang="en-US" dirty="0" smtClean="0"/>
-              <a:t>の変数</a:t>
-            </a:r>
-            <a:r>
-              <a:rPr lang="en-US" altLang="ja-JP" dirty="0" smtClean="0"/>
-              <a:t>x</a:t>
-            </a:r>
-            <a:r>
-              <a:rPr lang="ja-JP" altLang="en-US" dirty="0" smtClean="0"/>
-              <a:t>の変域を区間</a:t>
-            </a:r>
-            <a:r>
-              <a:rPr lang="en-US" altLang="ja-JP" dirty="0" smtClean="0"/>
-              <a:t>[0, x</a:t>
-            </a:r>
-            <a:r>
-              <a:rPr lang="en-US" altLang="ja-JP" baseline="-25000" dirty="0" smtClean="0"/>
-              <a:t>0</a:t>
-            </a:r>
-            <a:r>
-              <a:rPr lang="en-US" altLang="ja-JP" dirty="0" smtClean="0"/>
-              <a:t>]</a:t>
-            </a:r>
-            <a:r>
-              <a:rPr lang="ja-JP" altLang="en-US" dirty="0" smtClean="0"/>
-              <a:t>とする。変域内での</a:t>
-            </a:r>
-            <a:r>
-              <a:rPr lang="en-US" altLang="ja-JP" dirty="0" smtClean="0"/>
-              <a:t>f(x)</a:t>
-            </a:r>
-            <a:r>
-              <a:rPr lang="ja-JP" altLang="en-US" dirty="0" smtClean="0"/>
-              <a:t>の最大値を</a:t>
-            </a:r>
-            <a:r>
-              <a:rPr lang="en-US" altLang="ja-JP" dirty="0" smtClean="0"/>
-              <a:t>M</a:t>
-            </a:r>
-            <a:r>
-              <a:rPr lang="ja-JP" altLang="en-US" dirty="0" smtClean="0"/>
-              <a:t>とする。</a:t>
-            </a:r>
-            <a:endParaRPr lang="en-US" altLang="ja-JP" dirty="0" smtClean="0"/>
-          </a:p>
-          <a:p>
-            <a:pPr lvl="1"/>
-            <a:r>
-              <a:rPr kumimoji="1" lang="en-US" altLang="ja-JP" dirty="0" smtClean="0"/>
-              <a:t>(2) </a:t>
-            </a:r>
-            <a:r>
-              <a:rPr kumimoji="1" lang="ja-JP" altLang="en-US" dirty="0" smtClean="0"/>
-              <a:t>区間</a:t>
-            </a:r>
-            <a:r>
-              <a:rPr lang="en-US" altLang="ja-JP" dirty="0"/>
-              <a:t>[0, x</a:t>
-            </a:r>
-            <a:r>
-              <a:rPr lang="en-US" altLang="ja-JP" baseline="-25000" dirty="0"/>
-              <a:t>0</a:t>
-            </a:r>
-            <a:r>
-              <a:rPr lang="en-US" altLang="ja-JP" dirty="0" smtClean="0"/>
-              <a:t>]</a:t>
-            </a:r>
-            <a:r>
-              <a:rPr lang="ja-JP" altLang="en-US" dirty="0" err="1" smtClean="0"/>
-              <a:t>での</a:t>
-            </a:r>
-            <a:r>
-              <a:rPr lang="ja-JP" altLang="en-US" dirty="0" smtClean="0"/>
-              <a:t>一様乱数</a:t>
-            </a:r>
-            <a:r>
-              <a:rPr lang="en-US" altLang="ja-JP" dirty="0" smtClean="0"/>
-              <a:t>x</a:t>
-            </a:r>
-            <a:r>
-              <a:rPr lang="en-US" altLang="ja-JP" baseline="-25000" dirty="0" smtClean="0"/>
-              <a:t>i</a:t>
-            </a:r>
-            <a:r>
-              <a:rPr lang="ja-JP" altLang="en-US" dirty="0" smtClean="0"/>
-              <a:t>を発生させる。</a:t>
-            </a:r>
-            <a:endParaRPr lang="en-US" altLang="ja-JP" dirty="0" smtClean="0"/>
-          </a:p>
-          <a:p>
-            <a:pPr lvl="1"/>
-            <a:r>
-              <a:rPr kumimoji="1" lang="en-US" altLang="ja-JP" dirty="0" smtClean="0"/>
-              <a:t>(3) </a:t>
-            </a:r>
-            <a:r>
-              <a:rPr kumimoji="1" lang="ja-JP" altLang="en-US" dirty="0" smtClean="0"/>
-              <a:t>区間</a:t>
-            </a:r>
-            <a:r>
-              <a:rPr kumimoji="1" lang="en-US" altLang="ja-JP" dirty="0" smtClean="0"/>
-              <a:t>[0, M]</a:t>
-            </a:r>
-            <a:r>
-              <a:rPr kumimoji="1" lang="ja-JP" altLang="en-US" dirty="0" err="1" smtClean="0"/>
-              <a:t>での</a:t>
-            </a:r>
-            <a:r>
-              <a:rPr lang="ja-JP" altLang="en-US" dirty="0"/>
-              <a:t>一様</a:t>
-            </a:r>
-            <a:r>
-              <a:rPr lang="ja-JP" altLang="en-US" dirty="0" smtClean="0"/>
-              <a:t>乱数</a:t>
-            </a:r>
-            <a:r>
-              <a:rPr lang="en-US" altLang="ja-JP" dirty="0" smtClean="0"/>
-              <a:t>y</a:t>
-            </a:r>
-            <a:r>
-              <a:rPr lang="en-US" altLang="ja-JP" baseline="-25000" dirty="0" smtClean="0"/>
-              <a:t>i</a:t>
-            </a:r>
-            <a:r>
-              <a:rPr lang="ja-JP" altLang="en-US" dirty="0"/>
-              <a:t>を発生させる</a:t>
-            </a:r>
-            <a:r>
-              <a:rPr lang="ja-JP" altLang="en-US" dirty="0" smtClean="0"/>
-              <a:t>。</a:t>
-            </a:r>
-            <a:endParaRPr lang="en-US" altLang="ja-JP" dirty="0" smtClean="0"/>
-          </a:p>
-          <a:p>
-            <a:pPr lvl="1"/>
-            <a:r>
-              <a:rPr lang="en-US" altLang="ja-JP" dirty="0" smtClean="0"/>
-              <a:t>(4) x</a:t>
-            </a:r>
-            <a:r>
-              <a:rPr lang="en-US" altLang="ja-JP" baseline="-25000" dirty="0" smtClean="0"/>
-              <a:t>i</a:t>
-            </a:r>
-            <a:r>
-              <a:rPr lang="en-US" altLang="ja-JP" dirty="0" smtClean="0"/>
-              <a:t>, y</a:t>
-            </a:r>
-            <a:r>
-              <a:rPr lang="en-US" altLang="ja-JP" baseline="-25000" dirty="0" smtClean="0"/>
-              <a:t>i</a:t>
-            </a:r>
-            <a:r>
-              <a:rPr lang="ja-JP" altLang="en-US" dirty="0" smtClean="0"/>
-              <a:t>が、</a:t>
-            </a:r>
-            <a:r>
-              <a:rPr lang="en-US" altLang="ja-JP" dirty="0" smtClean="0"/>
-              <a:t>f(x</a:t>
-            </a:r>
-            <a:r>
-              <a:rPr lang="en-US" altLang="ja-JP" baseline="-25000" dirty="0" smtClean="0"/>
-              <a:t>i</a:t>
-            </a:r>
-            <a:r>
-              <a:rPr lang="en-US" altLang="ja-JP" dirty="0" smtClean="0"/>
-              <a:t>) &gt; y</a:t>
-            </a:r>
-            <a:r>
-              <a:rPr lang="en-US" altLang="ja-JP" baseline="-25000" dirty="0" smtClean="0"/>
-              <a:t>i</a:t>
-            </a:r>
-            <a:r>
-              <a:rPr lang="ja-JP" altLang="en-US" dirty="0" smtClean="0"/>
-              <a:t>を満足する場合のみ、</a:t>
-            </a:r>
-            <a:r>
-              <a:rPr lang="ja-JP" altLang="en-US" dirty="0"/>
-              <a:t>乱数</a:t>
-            </a:r>
-            <a:r>
-              <a:rPr lang="en-US" altLang="ja-JP" dirty="0" smtClean="0"/>
-              <a:t>x</a:t>
-            </a:r>
-            <a:r>
-              <a:rPr lang="en-US" altLang="ja-JP" baseline="-25000" dirty="0" smtClean="0"/>
-              <a:t>i</a:t>
-            </a:r>
-            <a:r>
-              <a:rPr lang="ja-JP" altLang="en-US" dirty="0" smtClean="0"/>
-              <a:t>は与えられた</a:t>
-            </a:r>
-            <a:r>
-              <a:rPr lang="en-US" altLang="ja-JP" dirty="0" smtClean="0"/>
-              <a:t>f(x)</a:t>
-            </a:r>
-            <a:r>
-              <a:rPr lang="ja-JP" altLang="en-US" dirty="0" smtClean="0"/>
-              <a:t>に従うものとして採用し、満足しなければ捨てる。</a:t>
-            </a:r>
-            <a:endParaRPr lang="en-US" altLang="ja-JP" dirty="0" smtClean="0"/>
-          </a:p>
-          <a:p>
-            <a:pPr lvl="1"/>
-            <a:r>
-              <a:rPr lang="en-US" altLang="ja-JP" dirty="0" smtClean="0"/>
-              <a:t>(5) (2)</a:t>
-            </a:r>
-            <a:r>
-              <a:rPr lang="ja-JP" altLang="en-US" dirty="0" smtClean="0"/>
-              <a:t>～</a:t>
-            </a:r>
-            <a:r>
-              <a:rPr lang="en-US" altLang="ja-JP" dirty="0" smtClean="0"/>
-              <a:t>(4)</a:t>
-            </a:r>
-            <a:r>
-              <a:rPr lang="ja-JP" altLang="en-US" dirty="0" smtClean="0"/>
-              <a:t>を繰り返して乱数列を得る。</a:t>
-            </a:r>
-            <a:endParaRPr lang="en-US" altLang="ja-JP" dirty="0"/>
-          </a:p>
-          <a:p>
-            <a:endParaRPr kumimoji="1" lang="ja-JP" altLang="en-US" dirty="0"/>
+            <a:r>
+              <a:rPr lang="ja-JP" altLang="en-US" dirty="0" smtClean="0"/>
+              <a:t>次ページでこれを詳しく説明する。</a:t>
+            </a:r>
+            <a:endParaRPr lang="ja-JP" altLang="en-US" dirty="0"/>
           </a:p>
         </p:txBody>
       </p:sp>
     </p:spTree>
     <p:extLst>
       <p:ext uri="{BB962C8B-B14F-4D97-AF65-F5344CB8AC3E}">
-        <p14:creationId xmlns:p14="http://schemas.microsoft.com/office/powerpoint/2010/main" val="3109470819"/>
+        <p14:creationId xmlns:p14="http://schemas.microsoft.com/office/powerpoint/2010/main" val="1090346442"/>
       </p:ext>
     </p:extLst>
   </p:cSld>
@@ -5470,6 +5368,342 @@
           <a:lstStyle/>
           <a:p>
             <a:r>
+              <a:rPr lang="en-US" altLang="ja-JP" dirty="0"/>
+              <a:t>von Neumann</a:t>
+            </a:r>
+            <a:r>
+              <a:rPr lang="ja-JP" altLang="en-US" dirty="0"/>
+              <a:t>の棄却法</a:t>
+            </a:r>
+            <a:endParaRPr kumimoji="1" lang="ja-JP" altLang="en-US" dirty="0"/>
+          </a:p>
+        </p:txBody>
+      </p:sp>
+      <p:sp>
+        <p:nvSpPr>
+          <p:cNvPr id="3" name="コンテンツ プレースホルダー 2"/>
+          <p:cNvSpPr>
+            <a:spLocks noGrp="1"/>
+          </p:cNvSpPr>
+          <p:nvPr>
+            <p:ph sz="quarter" idx="1"/>
+          </p:nvPr>
+        </p:nvSpPr>
+        <p:spPr/>
+        <p:txBody>
+          <a:bodyPr>
+            <a:normAutofit lnSpcReduction="10000"/>
+          </a:bodyPr>
+          <a:lstStyle/>
+          <a:p>
+            <a:r>
+              <a:rPr lang="en-US" altLang="ja-JP" dirty="0"/>
+              <a:t>von Neumann</a:t>
+            </a:r>
+            <a:r>
+              <a:rPr lang="ja-JP" altLang="en-US" dirty="0"/>
+              <a:t>の</a:t>
+            </a:r>
+            <a:r>
+              <a:rPr lang="ja-JP" altLang="en-US" dirty="0" smtClean="0"/>
+              <a:t>棄却法の手順は以下のようになる。</a:t>
+            </a:r>
+            <a:endParaRPr lang="en-US" altLang="ja-JP" dirty="0" smtClean="0"/>
+          </a:p>
+          <a:p>
+            <a:pPr lvl="1"/>
+            <a:r>
+              <a:rPr lang="en-US" altLang="ja-JP" dirty="0" smtClean="0"/>
+              <a:t>(1) </a:t>
+            </a:r>
+            <a:r>
+              <a:rPr lang="ja-JP" altLang="en-US" dirty="0" smtClean="0"/>
+              <a:t>確率密度関数</a:t>
+            </a:r>
+            <a:r>
+              <a:rPr lang="en-US" altLang="ja-JP" dirty="0" smtClean="0"/>
+              <a:t>f(x)</a:t>
+            </a:r>
+            <a:r>
+              <a:rPr lang="ja-JP" altLang="en-US" dirty="0" smtClean="0"/>
+              <a:t>の変数</a:t>
+            </a:r>
+            <a:r>
+              <a:rPr lang="en-US" altLang="ja-JP" dirty="0" smtClean="0"/>
+              <a:t>x</a:t>
+            </a:r>
+            <a:r>
+              <a:rPr lang="ja-JP" altLang="en-US" dirty="0" smtClean="0"/>
+              <a:t>の変域を区間</a:t>
+            </a:r>
+            <a:r>
+              <a:rPr lang="en-US" altLang="ja-JP" dirty="0" smtClean="0"/>
+              <a:t>[0, x</a:t>
+            </a:r>
+            <a:r>
+              <a:rPr lang="en-US" altLang="ja-JP" baseline="-25000" dirty="0" smtClean="0"/>
+              <a:t>0</a:t>
+            </a:r>
+            <a:r>
+              <a:rPr lang="en-US" altLang="ja-JP" dirty="0" smtClean="0"/>
+              <a:t>]</a:t>
+            </a:r>
+            <a:r>
+              <a:rPr lang="ja-JP" altLang="en-US" dirty="0" smtClean="0"/>
+              <a:t>とする。変域内での</a:t>
+            </a:r>
+            <a:r>
+              <a:rPr lang="en-US" altLang="ja-JP" dirty="0" smtClean="0"/>
+              <a:t>f(x)</a:t>
+            </a:r>
+            <a:r>
+              <a:rPr lang="ja-JP" altLang="en-US" dirty="0" smtClean="0"/>
+              <a:t>の最大値を</a:t>
+            </a:r>
+            <a:r>
+              <a:rPr lang="en-US" altLang="ja-JP" dirty="0" smtClean="0"/>
+              <a:t>M</a:t>
+            </a:r>
+            <a:r>
+              <a:rPr lang="ja-JP" altLang="en-US" dirty="0" smtClean="0"/>
+              <a:t>とする。</a:t>
+            </a:r>
+            <a:endParaRPr lang="en-US" altLang="ja-JP" dirty="0" smtClean="0"/>
+          </a:p>
+          <a:p>
+            <a:pPr lvl="1"/>
+            <a:r>
+              <a:rPr kumimoji="1" lang="en-US" altLang="ja-JP" dirty="0" smtClean="0"/>
+              <a:t>(2) </a:t>
+            </a:r>
+            <a:r>
+              <a:rPr kumimoji="1" lang="ja-JP" altLang="en-US" dirty="0" smtClean="0"/>
+              <a:t>区間</a:t>
+            </a:r>
+            <a:r>
+              <a:rPr lang="en-US" altLang="ja-JP" dirty="0"/>
+              <a:t>[0, x</a:t>
+            </a:r>
+            <a:r>
+              <a:rPr lang="en-US" altLang="ja-JP" baseline="-25000" dirty="0"/>
+              <a:t>0</a:t>
+            </a:r>
+            <a:r>
+              <a:rPr lang="en-US" altLang="ja-JP" dirty="0" smtClean="0"/>
+              <a:t>]</a:t>
+            </a:r>
+            <a:r>
+              <a:rPr lang="ja-JP" altLang="en-US" dirty="0" err="1" smtClean="0"/>
+              <a:t>での</a:t>
+            </a:r>
+            <a:r>
+              <a:rPr lang="ja-JP" altLang="en-US" dirty="0" smtClean="0"/>
+              <a:t>一様乱数</a:t>
+            </a:r>
+            <a:r>
+              <a:rPr lang="en-US" altLang="ja-JP" dirty="0" smtClean="0"/>
+              <a:t>x</a:t>
+            </a:r>
+            <a:r>
+              <a:rPr lang="en-US" altLang="ja-JP" baseline="-25000" dirty="0" smtClean="0"/>
+              <a:t>i</a:t>
+            </a:r>
+            <a:r>
+              <a:rPr lang="ja-JP" altLang="en-US" dirty="0" smtClean="0"/>
+              <a:t>を発生させる。</a:t>
+            </a:r>
+            <a:endParaRPr lang="en-US" altLang="ja-JP" dirty="0" smtClean="0"/>
+          </a:p>
+          <a:p>
+            <a:pPr lvl="1"/>
+            <a:r>
+              <a:rPr kumimoji="1" lang="en-US" altLang="ja-JP" dirty="0" smtClean="0"/>
+              <a:t>(3) </a:t>
+            </a:r>
+            <a:r>
+              <a:rPr kumimoji="1" lang="ja-JP" altLang="en-US" dirty="0" smtClean="0"/>
+              <a:t>区間</a:t>
+            </a:r>
+            <a:r>
+              <a:rPr kumimoji="1" lang="en-US" altLang="ja-JP" dirty="0" smtClean="0"/>
+              <a:t>[0, M]</a:t>
+            </a:r>
+            <a:r>
+              <a:rPr kumimoji="1" lang="ja-JP" altLang="en-US" dirty="0" err="1" smtClean="0"/>
+              <a:t>での</a:t>
+            </a:r>
+            <a:r>
+              <a:rPr lang="ja-JP" altLang="en-US" dirty="0"/>
+              <a:t>一様</a:t>
+            </a:r>
+            <a:r>
+              <a:rPr lang="ja-JP" altLang="en-US" dirty="0" smtClean="0"/>
+              <a:t>乱数</a:t>
+            </a:r>
+            <a:r>
+              <a:rPr lang="en-US" altLang="ja-JP" dirty="0" smtClean="0"/>
+              <a:t>y</a:t>
+            </a:r>
+            <a:r>
+              <a:rPr lang="en-US" altLang="ja-JP" baseline="-25000" dirty="0" smtClean="0"/>
+              <a:t>i</a:t>
+            </a:r>
+            <a:r>
+              <a:rPr lang="ja-JP" altLang="en-US" dirty="0"/>
+              <a:t>を発生させる</a:t>
+            </a:r>
+            <a:r>
+              <a:rPr lang="ja-JP" altLang="en-US" dirty="0" smtClean="0"/>
+              <a:t>。</a:t>
+            </a:r>
+            <a:endParaRPr lang="en-US" altLang="ja-JP" dirty="0" smtClean="0"/>
+          </a:p>
+          <a:p>
+            <a:pPr lvl="1"/>
+            <a:r>
+              <a:rPr lang="en-US" altLang="ja-JP" dirty="0" smtClean="0"/>
+              <a:t>(4) x</a:t>
+            </a:r>
+            <a:r>
+              <a:rPr lang="en-US" altLang="ja-JP" baseline="-25000" dirty="0" smtClean="0"/>
+              <a:t>i</a:t>
+            </a:r>
+            <a:r>
+              <a:rPr lang="en-US" altLang="ja-JP" dirty="0" smtClean="0"/>
+              <a:t>, y</a:t>
+            </a:r>
+            <a:r>
+              <a:rPr lang="en-US" altLang="ja-JP" baseline="-25000" dirty="0" smtClean="0"/>
+              <a:t>i</a:t>
+            </a:r>
+            <a:r>
+              <a:rPr lang="ja-JP" altLang="en-US" dirty="0" smtClean="0"/>
+              <a:t>が、</a:t>
+            </a:r>
+            <a:r>
+              <a:rPr lang="en-US" altLang="ja-JP" dirty="0" smtClean="0"/>
+              <a:t>f(x</a:t>
+            </a:r>
+            <a:r>
+              <a:rPr lang="en-US" altLang="ja-JP" baseline="-25000" dirty="0" smtClean="0"/>
+              <a:t>i</a:t>
+            </a:r>
+            <a:r>
+              <a:rPr lang="en-US" altLang="ja-JP" dirty="0" smtClean="0"/>
+              <a:t>) &gt; y</a:t>
+            </a:r>
+            <a:r>
+              <a:rPr lang="en-US" altLang="ja-JP" baseline="-25000" dirty="0" smtClean="0"/>
+              <a:t>i</a:t>
+            </a:r>
+            <a:r>
+              <a:rPr lang="ja-JP" altLang="en-US" dirty="0" smtClean="0"/>
+              <a:t>を満足する場合のみ、</a:t>
+            </a:r>
+            <a:r>
+              <a:rPr lang="ja-JP" altLang="en-US" dirty="0"/>
+              <a:t>乱数</a:t>
+            </a:r>
+            <a:r>
+              <a:rPr lang="en-US" altLang="ja-JP" dirty="0" smtClean="0"/>
+              <a:t>x</a:t>
+            </a:r>
+            <a:r>
+              <a:rPr lang="en-US" altLang="ja-JP" baseline="-25000" dirty="0" smtClean="0"/>
+              <a:t>i</a:t>
+            </a:r>
+            <a:r>
+              <a:rPr lang="ja-JP" altLang="en-US" dirty="0" smtClean="0"/>
+              <a:t>は与えられた</a:t>
+            </a:r>
+            <a:r>
+              <a:rPr lang="en-US" altLang="ja-JP" dirty="0" smtClean="0"/>
+              <a:t>f(x)</a:t>
+            </a:r>
+            <a:r>
+              <a:rPr lang="ja-JP" altLang="en-US" dirty="0" smtClean="0"/>
+              <a:t>に従うものとして採用し、満足しなければ捨てる。</a:t>
+            </a:r>
+            <a:endParaRPr lang="en-US" altLang="ja-JP" dirty="0" smtClean="0"/>
+          </a:p>
+          <a:p>
+            <a:pPr lvl="1"/>
+            <a:r>
+              <a:rPr lang="en-US" altLang="ja-JP" dirty="0" smtClean="0"/>
+              <a:t>(5) (2)</a:t>
+            </a:r>
+            <a:r>
+              <a:rPr lang="ja-JP" altLang="en-US" dirty="0" smtClean="0"/>
+              <a:t>～</a:t>
+            </a:r>
+            <a:r>
+              <a:rPr lang="en-US" altLang="ja-JP" dirty="0" smtClean="0"/>
+              <a:t>(4)</a:t>
+            </a:r>
+            <a:r>
+              <a:rPr lang="ja-JP" altLang="en-US" dirty="0" smtClean="0"/>
+              <a:t>を繰り返して乱数列を得る。</a:t>
+            </a:r>
+            <a:endParaRPr lang="en-US" altLang="ja-JP" dirty="0"/>
+          </a:p>
+          <a:p>
+            <a:endParaRPr kumimoji="1" lang="ja-JP" altLang="en-US" dirty="0"/>
+          </a:p>
+        </p:txBody>
+      </p:sp>
+    </p:spTree>
+    <p:extLst>
+      <p:ext uri="{BB962C8B-B14F-4D97-AF65-F5344CB8AC3E}">
+        <p14:creationId xmlns:p14="http://schemas.microsoft.com/office/powerpoint/2010/main" val="3109470819"/>
+      </p:ext>
+    </p:extLst>
+  </p:cSld>
+  <p:clrMapOvr>
+    <a:masterClrMapping/>
+  </p:clrMapOvr>
+  <p:timing>
+    <p:tnLst>
+      <p:par>
+        <p:cTn id="1" dur="indefinite" restart="never" nodeType="tmRoot"/>
+      </p:par>
+    </p:tnLst>
+  </p:timing>
+</p:sld>
+</file>
+
+<file path=ppt/slides/slide14.xml><?xml version="1.0" encoding="utf-8"?>
+<p:sld xmlns:a="http://schemas.openxmlformats.org/drawingml/2006/main" xmlns:r="http://schemas.openxmlformats.org/officeDocument/2006/relationships" xmlns:p="http://schemas.openxmlformats.org/presentationml/2006/main">
+  <p:cSld>
+    <p:spTree>
+      <p:nvGrpSpPr>
+        <p:cNvPr id="1" name=""/>
+        <p:cNvGrpSpPr/>
+        <p:nvPr/>
+      </p:nvGrpSpPr>
+      <p:grpSpPr>
+        <a:xfrm>
+          <a:off x="0" y="0"/>
+          <a:ext cx="0" cy="0"/>
+          <a:chOff x="0" y="0"/>
+          <a:chExt cx="0" cy="0"/>
+        </a:xfrm>
+      </p:grpSpPr>
+      <p:sp>
+        <p:nvSpPr>
+          <p:cNvPr id="2" name="タイトル 1"/>
+          <p:cNvSpPr>
+            <a:spLocks noGrp="1"/>
+          </p:cNvSpPr>
+          <p:nvPr>
+            <p:ph type="title"/>
+          </p:nvPr>
+        </p:nvSpPr>
+        <p:spPr/>
+        <p:txBody>
+          <a:bodyPr/>
+          <a:lstStyle/>
+          <a:p>
+            <a:r>
               <a:rPr lang="ja-JP" altLang="en-US" dirty="0"/>
               <a:t>ソース</a:t>
             </a:r>
@@ -5565,7 +5799,7 @@
 </p:sld>
 </file>
 
-<file path=ppt/slides/slide14.xml><?xml version="1.0" encoding="utf-8"?>
+<file path=ppt/slides/slide15.xml><?xml version="1.0" encoding="utf-8"?>
 <p:sld xmlns:a="http://schemas.openxmlformats.org/drawingml/2006/main" xmlns:r="http://schemas.openxmlformats.org/officeDocument/2006/relationships" xmlns:p="http://schemas.openxmlformats.org/presentationml/2006/main">
   <p:cSld>
     <p:spTree>
@@ -6219,7 +6453,15 @@
           <a:p>
             <a:r>
               <a:rPr kumimoji="1" lang="ja-JP" altLang="en-US" dirty="0" smtClean="0"/>
-              <a:t>数値データよりは、意味を把握しやすくなったが、やはり味気ない。</a:t>
+              <a:t>数値データよりは、意味を把握しやすくなったが、</a:t>
+            </a:r>
+            <a:r>
+              <a:rPr kumimoji="1" lang="ja-JP" altLang="en-US" dirty="0" smtClean="0"/>
+              <a:t>やはりまだ味気ない</a:t>
+            </a:r>
+            <a:r>
+              <a:rPr kumimoji="1" lang="ja-JP" altLang="en-US" dirty="0" smtClean="0"/>
+              <a:t>。</a:t>
             </a:r>
             <a:endParaRPr kumimoji="1" lang="en-US" altLang="ja-JP" dirty="0" smtClean="0"/>
           </a:p>
@@ -6322,6 +6564,113 @@
         </p:nvSpPr>
         <p:spPr/>
         <p:txBody>
+          <a:bodyPr/>
+          <a:lstStyle/>
+          <a:p>
+            <a:r>
+              <a:rPr kumimoji="1" lang="ja-JP" altLang="en-US" dirty="0" smtClean="0"/>
+              <a:t>波動関数と電子密度の可視化</a:t>
+            </a:r>
+            <a:endParaRPr kumimoji="1" lang="ja-JP" altLang="en-US" dirty="0"/>
+          </a:p>
+        </p:txBody>
+      </p:sp>
+      <p:sp>
+        <p:nvSpPr>
+          <p:cNvPr id="3" name="コンテンツ プレースホルダー 2"/>
+          <p:cNvSpPr>
+            <a:spLocks noGrp="1"/>
+          </p:cNvSpPr>
+          <p:nvPr>
+            <p:ph sz="quarter" idx="1"/>
+          </p:nvPr>
+        </p:nvSpPr>
+        <p:spPr/>
+        <p:txBody>
+          <a:bodyPr/>
+          <a:lstStyle/>
+          <a:p>
+            <a:r>
+              <a:rPr kumimoji="1" lang="ja-JP" altLang="en-US" dirty="0" smtClean="0"/>
+              <a:t>波動関数と電子密度を三次元的に把握するには、動径波動関数</a:t>
+            </a:r>
+            <a:r>
+              <a:rPr kumimoji="1" lang="en-US" altLang="ja-JP" dirty="0" smtClean="0"/>
+              <a:t>R</a:t>
+            </a:r>
+            <a:r>
+              <a:rPr kumimoji="1" lang="en-US" altLang="ja-JP" baseline="-25000" dirty="0" smtClean="0"/>
+              <a:t>nl</a:t>
+            </a:r>
+            <a:r>
+              <a:rPr kumimoji="1" lang="en-US" altLang="ja-JP" dirty="0" smtClean="0"/>
+              <a:t>(r)</a:t>
+            </a:r>
+            <a:r>
+              <a:rPr kumimoji="1" lang="ja-JP" altLang="en-US" dirty="0" err="1" smtClean="0"/>
+              <a:t>だけ</a:t>
+            </a:r>
+            <a:r>
+              <a:rPr kumimoji="1" lang="ja-JP" altLang="en-US" dirty="0" smtClean="0"/>
+              <a:t>では不十分である。</a:t>
+            </a:r>
+            <a:endParaRPr kumimoji="1" lang="en-US" altLang="ja-JP" smtClean="0"/>
+          </a:p>
+          <a:p>
+            <a:r>
+              <a:rPr kumimoji="1" lang="ja-JP" altLang="en-US" smtClean="0"/>
+              <a:t>変数分</a:t>
+            </a:r>
+            <a:r>
+              <a:rPr kumimoji="1" lang="ja-JP" altLang="en-US" dirty="0" smtClean="0"/>
+              <a:t>離した、</a:t>
+            </a:r>
+            <a:endParaRPr kumimoji="1" lang="ja-JP" altLang="en-US" dirty="0"/>
+          </a:p>
+        </p:txBody>
+      </p:sp>
+    </p:spTree>
+    <p:extLst>
+      <p:ext uri="{BB962C8B-B14F-4D97-AF65-F5344CB8AC3E}">
+        <p14:creationId xmlns:p14="http://schemas.microsoft.com/office/powerpoint/2010/main" val="3277496340"/>
+      </p:ext>
+    </p:extLst>
+  </p:cSld>
+  <p:clrMapOvr>
+    <a:masterClrMapping/>
+  </p:clrMapOvr>
+</p:sld>
+</file>
+
+<file path=ppt/slides/slide7.xml><?xml version="1.0" encoding="utf-8"?>
+<p:sld xmlns:a="http://schemas.openxmlformats.org/drawingml/2006/main" xmlns:r="http://schemas.openxmlformats.org/officeDocument/2006/relationships" xmlns:p="http://schemas.openxmlformats.org/presentationml/2006/main">
+  <p:cSld>
+    <p:spTree>
+      <p:nvGrpSpPr>
+        <p:cNvPr id="1" name=""/>
+        <p:cNvGrpSpPr/>
+        <p:nvPr/>
+      </p:nvGrpSpPr>
+      <p:grpSpPr>
+        <a:xfrm>
+          <a:off x="0" y="0"/>
+          <a:ext cx="0" cy="0"/>
+          <a:chOff x="0" y="0"/>
+          <a:chExt cx="0" cy="0"/>
+        </a:xfrm>
+      </p:grpSpPr>
+      <p:sp>
+        <p:nvSpPr>
+          <p:cNvPr id="2" name="タイトル 1"/>
+          <p:cNvSpPr>
+            <a:spLocks noGrp="1"/>
+          </p:cNvSpPr>
+          <p:nvPr>
+            <p:ph type="title"/>
+          </p:nvPr>
+        </p:nvSpPr>
+        <p:spPr/>
+        <p:txBody>
           <a:bodyPr>
             <a:normAutofit/>
           </a:bodyPr>
@@ -6329,11 +6678,7 @@
           <a:p>
             <a:r>
               <a:rPr kumimoji="1" lang="ja-JP" altLang="en-US" dirty="0" smtClean="0"/>
-              <a:t>波動</a:t>
-            </a:r>
-            <a:r>
-              <a:rPr kumimoji="1" lang="ja-JP" altLang="en-US" dirty="0" smtClean="0"/>
-              <a:t>関数の構成</a:t>
+              <a:t>波動関数の構成</a:t>
             </a:r>
             <a:endParaRPr kumimoji="1" lang="ja-JP" altLang="en-US" dirty="0"/>
           </a:p>
@@ -6391,11 +6736,7 @@
             </a:r>
             <a:r>
               <a:rPr lang="ja-JP" altLang="en-US" dirty="0" smtClean="0"/>
-              <a:t>を構成する</a:t>
-            </a:r>
-            <a:r>
-              <a:rPr lang="ja-JP" altLang="en-US" dirty="0" smtClean="0"/>
-              <a:t>ことを考えよう。</a:t>
+              <a:t>を構成することを考えよう。</a:t>
             </a:r>
             <a:endParaRPr lang="en-US" altLang="ja-JP" dirty="0" smtClean="0"/>
           </a:p>
@@ -6510,11 +6851,7 @@
             </a:r>
             <a:r>
               <a:rPr lang="ja-JP" altLang="en-US" dirty="0" smtClean="0"/>
-              <a:t>は、ルジャンドル陪関数である</a:t>
-            </a:r>
-            <a:r>
-              <a:rPr lang="ja-JP" altLang="en-US" dirty="0" smtClean="0"/>
-              <a:t>。</a:t>
+              <a:t>は、ルジャンドル陪関数である。</a:t>
             </a:r>
             <a:endParaRPr lang="en-US" altLang="ja-JP" dirty="0" smtClean="0"/>
           </a:p>
@@ -6587,7 +6924,7 @@
 </p:sld>
 </file>
 
-<file path=ppt/slides/slide7.xml><?xml version="1.0" encoding="utf-8"?>
+<file path=ppt/slides/slide8.xml><?xml version="1.0" encoding="utf-8"?>
 <p:sld xmlns:a="http://schemas.openxmlformats.org/drawingml/2006/main" xmlns:r="http://schemas.openxmlformats.org/officeDocument/2006/relationships" xmlns:p="http://schemas.openxmlformats.org/presentationml/2006/main">
   <p:cSld>
     <p:spTree>
@@ -6623,11 +6960,7 @@
           <a:p>
             <a:r>
               <a:rPr kumimoji="1" lang="ja-JP" altLang="en-US" dirty="0" smtClean="0"/>
-              <a:t>電子密度</a:t>
-            </a:r>
-            <a:r>
-              <a:rPr kumimoji="1" lang="ja-JP" altLang="en-US" dirty="0" smtClean="0"/>
-              <a:t>の構成</a:t>
+              <a:t>電子密度の構成</a:t>
             </a:r>
             <a:endParaRPr kumimoji="1" lang="ja-JP" altLang="en-US" dirty="0"/>
           </a:p>
@@ -6657,11 +6990,7 @@
           <a:p>
             <a:r>
               <a:rPr lang="ja-JP" altLang="en-US" dirty="0" smtClean="0"/>
-              <a:t>電子</a:t>
-            </a:r>
-            <a:r>
-              <a:rPr lang="ja-JP" altLang="en-US" dirty="0" smtClean="0"/>
-              <a:t>密度は、波動関数</a:t>
+              <a:t>電子密度は、波動関数</a:t>
             </a:r>
             <a:r>
               <a:rPr lang="en-US" altLang="ja-JP" dirty="0" smtClean="0"/>
@@ -6677,15 +7006,7 @@
                   <a:srgbClr val="FF0000"/>
                 </a:solidFill>
               </a:rPr>
-              <a:t>絶対値の</a:t>
-            </a:r>
-            <a:r>
-              <a:rPr lang="ja-JP" altLang="en-US" dirty="0" smtClean="0">
-                <a:solidFill>
-                  <a:srgbClr val="FF0000"/>
-                </a:solidFill>
-              </a:rPr>
-              <a:t>二乗</a:t>
+              <a:t>絶対値の二乗</a:t>
             </a:r>
             <a:r>
               <a:rPr lang="ja-JP" altLang="en-US" dirty="0" smtClean="0"/>
@@ -6697,22 +7018,14 @@
             </a:r>
             <a:r>
               <a:rPr lang="ja-JP" altLang="en-US" dirty="0" smtClean="0"/>
-              <a:t>は複素数である）で</a:t>
-            </a:r>
-            <a:r>
-              <a:rPr lang="ja-JP" altLang="en-US" dirty="0" smtClean="0"/>
-              <a:t>表される。</a:t>
+              <a:t>は複素数である）で表される。</a:t>
             </a:r>
             <a:endParaRPr lang="en-US" altLang="ja-JP" dirty="0"/>
           </a:p>
           <a:p>
             <a:r>
               <a:rPr kumimoji="1" lang="ja-JP" altLang="en-US" dirty="0" smtClean="0"/>
-              <a:t>つまり</a:t>
-            </a:r>
-            <a:r>
-              <a:rPr kumimoji="1" lang="ja-JP" altLang="en-US" dirty="0" smtClean="0"/>
-              <a:t>、                                       である。</a:t>
+              <a:t>つまり、                                       である。</a:t>
             </a:r>
             <a:endParaRPr kumimoji="1" lang="en-US" altLang="ja-JP" dirty="0" smtClean="0"/>
           </a:p>
@@ -6775,136 +7088,6 @@
 </p:sld>
 </file>
 
-<file path=ppt/slides/slide8.xml><?xml version="1.0" encoding="utf-8"?>
-<p:sld xmlns:a="http://schemas.openxmlformats.org/drawingml/2006/main" xmlns:r="http://schemas.openxmlformats.org/officeDocument/2006/relationships" xmlns:p="http://schemas.openxmlformats.org/presentationml/2006/main">
-  <p:cSld>
-    <p:spTree>
-      <p:nvGrpSpPr>
-        <p:cNvPr id="1" name=""/>
-        <p:cNvGrpSpPr/>
-        <p:nvPr/>
-      </p:nvGrpSpPr>
-      <p:grpSpPr>
-        <a:xfrm>
-          <a:off x="0" y="0"/>
-          <a:ext cx="0" cy="0"/>
-          <a:chOff x="0" y="0"/>
-          <a:chExt cx="0" cy="0"/>
-        </a:xfrm>
-      </p:grpSpPr>
-      <p:sp>
-        <p:nvSpPr>
-          <p:cNvPr id="2" name="タイトル 1"/>
-          <p:cNvSpPr>
-            <a:spLocks noGrp="1"/>
-          </p:cNvSpPr>
-          <p:nvPr>
-            <p:ph type="title"/>
-          </p:nvPr>
-        </p:nvSpPr>
-        <p:spPr/>
-        <p:txBody>
-          <a:bodyPr>
-            <a:normAutofit fontScale="90000"/>
-          </a:bodyPr>
-          <a:lstStyle/>
-          <a:p>
-            <a:r>
-              <a:rPr lang="ja-JP" altLang="en-US" smtClean="0"/>
-              <a:t>波動関数と電子密度の可視化の考え方</a:t>
-            </a:r>
-            <a:endParaRPr lang="ja-JP" altLang="en-US" dirty="0"/>
-          </a:p>
-        </p:txBody>
-      </p:sp>
-      <p:sp>
-        <p:nvSpPr>
-          <p:cNvPr id="3" name="コンテンツ プレースホルダー 2"/>
-          <p:cNvSpPr>
-            <a:spLocks noGrp="1"/>
-          </p:cNvSpPr>
-          <p:nvPr>
-            <p:ph sz="quarter" idx="1"/>
-          </p:nvPr>
-        </p:nvSpPr>
-        <p:spPr/>
-        <p:txBody>
-          <a:bodyPr/>
-          <a:lstStyle/>
-          <a:p>
-            <a:r>
-              <a:rPr lang="ja-JP" altLang="en-US" dirty="0" smtClean="0"/>
-              <a:t>波動関数</a:t>
-            </a:r>
-            <a:r>
-              <a:rPr lang="en-US" altLang="ja-JP" dirty="0" smtClean="0"/>
-              <a:t>ψ(r,θ,φ) </a:t>
-            </a:r>
-            <a:r>
-              <a:rPr lang="ja-JP" altLang="en-US" dirty="0" smtClean="0"/>
-              <a:t>及び電子密度</a:t>
-            </a:r>
-            <a:r>
-              <a:rPr lang="en-US" altLang="ja-JP" dirty="0" smtClean="0"/>
-              <a:t>ρ(r,θ,φ)</a:t>
-            </a:r>
-            <a:r>
-              <a:rPr lang="ja-JP" altLang="en-US" dirty="0" smtClean="0"/>
-              <a:t>のいずれも、三次元の変数を持つので、表示には</a:t>
-            </a:r>
-            <a:r>
-              <a:rPr lang="ja-JP" altLang="en-US" dirty="0" smtClean="0">
-                <a:solidFill>
-                  <a:srgbClr val="FF0000"/>
-                </a:solidFill>
-              </a:rPr>
-              <a:t>四次元が必要</a:t>
-            </a:r>
-            <a:r>
-              <a:rPr lang="ja-JP" altLang="en-US" dirty="0" smtClean="0"/>
-              <a:t>である。</a:t>
-            </a:r>
-            <a:endParaRPr lang="en-US" altLang="ja-JP" dirty="0" smtClean="0"/>
-          </a:p>
-          <a:p>
-            <a:r>
-              <a:rPr lang="ja-JP" altLang="en-US" dirty="0" smtClean="0"/>
-              <a:t>四次元（の関数）は、単純にはグラフ化できないので、可視化には工夫が必要である。</a:t>
-            </a:r>
-            <a:endParaRPr lang="en-US" altLang="ja-JP" dirty="0" smtClean="0"/>
-          </a:p>
-          <a:p>
-            <a:r>
-              <a:rPr lang="ja-JP" altLang="en-US" dirty="0" smtClean="0"/>
-              <a:t>工夫には色々な方法があるだろうが、ここでは乱数を用いて、四次元の関数を可視化することを考える。</a:t>
-            </a:r>
-            <a:endParaRPr lang="en-US" altLang="ja-JP" dirty="0" smtClean="0"/>
-          </a:p>
-          <a:p>
-            <a:endParaRPr lang="en-US" altLang="ja-JP" dirty="0" smtClean="0"/>
-          </a:p>
-        </p:txBody>
-      </p:sp>
-    </p:spTree>
-    <p:extLst>
-      <p:ext uri="{BB962C8B-B14F-4D97-AF65-F5344CB8AC3E}">
-        <p14:creationId xmlns:p14="http://schemas.microsoft.com/office/powerpoint/2010/main" val="2009118836"/>
-      </p:ext>
-    </p:extLst>
-  </p:cSld>
-  <p:clrMapOvr>
-    <a:masterClrMapping/>
-  </p:clrMapOvr>
-  <p:timing>
-    <p:tnLst>
-      <p:par>
-        <p:cTn id="1" dur="indefinite" restart="never" nodeType="tmRoot"/>
-      </p:par>
-    </p:tnLst>
-  </p:timing>
-</p:sld>
-</file>
-
 <file path=ppt/slides/slide9.xml><?xml version="1.0" encoding="utf-8"?>
 <p:sld xmlns:a="http://schemas.openxmlformats.org/drawingml/2006/main" xmlns:r="http://schemas.openxmlformats.org/officeDocument/2006/relationships" xmlns:p="http://schemas.openxmlformats.org/presentationml/2006/main">
   <p:cSld>
@@ -6935,15 +7118,15 @@
         <p:spPr/>
         <p:txBody>
           <a:bodyPr>
-            <a:normAutofit/>
+            <a:normAutofit fontScale="90000"/>
           </a:bodyPr>
           <a:lstStyle/>
           <a:p>
             <a:r>
-              <a:rPr kumimoji="1" lang="ja-JP" altLang="en-US" dirty="0" smtClean="0"/>
-              <a:t>波動関数の可視化の考え方</a:t>
-            </a:r>
-            <a:endParaRPr kumimoji="1" lang="ja-JP" altLang="en-US" dirty="0"/>
+              <a:rPr lang="ja-JP" altLang="en-US" smtClean="0"/>
+              <a:t>波動関数と電子密度の可視化の考え方</a:t>
+            </a:r>
+            <a:endParaRPr lang="ja-JP" altLang="en-US" dirty="0"/>
           </a:p>
         </p:txBody>
       </p:sp>
@@ -6963,157 +7146,54 @@
           <a:lstStyle/>
           <a:p>
             <a:r>
-              <a:rPr lang="ja-JP" altLang="en-US" dirty="0"/>
-              <a:t>波動関数の</a:t>
-            </a:r>
-            <a:r>
-              <a:rPr lang="ja-JP" altLang="en-US" dirty="0" smtClean="0"/>
-              <a:t>可視化の手順は、以下のようになる。</a:t>
+              <a:rPr lang="ja-JP" altLang="en-US" dirty="0" smtClean="0"/>
+              <a:t>波動関数</a:t>
+            </a:r>
+            <a:r>
+              <a:rPr lang="en-US" altLang="ja-JP" dirty="0" smtClean="0"/>
+              <a:t>ψ(r,θ,φ) </a:t>
+            </a:r>
+            <a:r>
+              <a:rPr lang="ja-JP" altLang="en-US" dirty="0" smtClean="0"/>
+              <a:t>及び電子密度</a:t>
+            </a:r>
+            <a:r>
+              <a:rPr lang="en-US" altLang="ja-JP" dirty="0" smtClean="0"/>
+              <a:t>ρ(r,θ,φ)</a:t>
+            </a:r>
+            <a:r>
+              <a:rPr lang="ja-JP" altLang="en-US" dirty="0" smtClean="0"/>
+              <a:t>のいずれも、三次元の変数を持つので、表示には</a:t>
+            </a:r>
+            <a:r>
+              <a:rPr lang="ja-JP" altLang="en-US" dirty="0" smtClean="0">
+                <a:solidFill>
+                  <a:srgbClr val="FF0000"/>
+                </a:solidFill>
+              </a:rPr>
+              <a:t>四次元が必要</a:t>
+            </a:r>
+            <a:r>
+              <a:rPr lang="ja-JP" altLang="en-US" dirty="0" smtClean="0"/>
+              <a:t>である。</a:t>
             </a:r>
             <a:endParaRPr lang="en-US" altLang="ja-JP" dirty="0" smtClean="0"/>
           </a:p>
           <a:p>
-            <a:pPr lvl="1"/>
-            <a:r>
-              <a:rPr lang="en-US" altLang="ja-JP" dirty="0" smtClean="0"/>
-              <a:t>(1) </a:t>
-            </a:r>
-            <a:r>
-              <a:rPr lang="ja-JP" altLang="en-US" dirty="0" smtClean="0"/>
-              <a:t>主量子数</a:t>
-            </a:r>
-            <a:r>
-              <a:rPr lang="en-US" altLang="ja-JP" dirty="0" smtClean="0"/>
-              <a:t>n</a:t>
-            </a:r>
-            <a:r>
-              <a:rPr lang="ja-JP" altLang="en-US" dirty="0" err="1" smtClean="0"/>
-              <a:t>、</a:t>
-            </a:r>
-            <a:r>
-              <a:rPr lang="ja-JP" altLang="en-US" dirty="0" smtClean="0"/>
-              <a:t>方位量子数</a:t>
-            </a:r>
-            <a:r>
-              <a:rPr lang="en-US" altLang="ja-JP" dirty="0" smtClean="0"/>
-              <a:t>l</a:t>
-            </a:r>
-            <a:r>
-              <a:rPr lang="ja-JP" altLang="en-US" dirty="0" err="1" smtClean="0"/>
-              <a:t>、</a:t>
-            </a:r>
-            <a:r>
-              <a:rPr lang="ja-JP" altLang="en-US" dirty="0" smtClean="0"/>
-              <a:t>磁気量子数</a:t>
-            </a:r>
-            <a:r>
-              <a:rPr lang="en-US" altLang="ja-JP" dirty="0" smtClean="0"/>
-              <a:t>m</a:t>
-            </a:r>
-            <a:r>
-              <a:rPr lang="ja-JP" altLang="en-US" dirty="0" smtClean="0"/>
-              <a:t>を決める。→動径分布関数と、球面調和関数が決まる</a:t>
+            <a:r>
+              <a:rPr lang="ja-JP" altLang="en-US" dirty="0" smtClean="0"/>
+              <a:t>四次元（の関数）は、単純にはグラフ化できないので、可視化には工夫が必要である。</a:t>
             </a:r>
             <a:endParaRPr lang="en-US" altLang="ja-JP" dirty="0" smtClean="0"/>
           </a:p>
           <a:p>
-            <a:pPr lvl="1"/>
-            <a:r>
-              <a:rPr lang="en-US" altLang="ja-JP" dirty="0" smtClean="0"/>
-              <a:t>(2) </a:t>
-            </a:r>
-            <a:r>
-              <a:rPr lang="ja-JP" altLang="en-US" dirty="0" smtClean="0"/>
-              <a:t>波動関数を観測する回数を決める、観測回数だけ</a:t>
-            </a:r>
-            <a:r>
-              <a:rPr lang="en-US" altLang="ja-JP" dirty="0" smtClean="0"/>
-              <a:t>(3)</a:t>
-            </a:r>
-            <a:r>
-              <a:rPr lang="ja-JP" altLang="en-US" dirty="0" smtClean="0"/>
-              <a:t>～</a:t>
-            </a:r>
-            <a:r>
-              <a:rPr lang="en-US" altLang="ja-JP" dirty="0" smtClean="0"/>
-              <a:t>(4)</a:t>
-            </a:r>
-            <a:r>
-              <a:rPr lang="ja-JP" altLang="en-US" dirty="0" smtClean="0"/>
-              <a:t>を繰り返す。</a:t>
+            <a:r>
+              <a:rPr lang="ja-JP" altLang="en-US" dirty="0" smtClean="0"/>
+              <a:t>工夫には色々な方法があるだろうが、ここでは乱数を用いて、四次元の関数を可視化することを考える。</a:t>
             </a:r>
             <a:endParaRPr lang="en-US" altLang="ja-JP" dirty="0" smtClean="0"/>
           </a:p>
           <a:p>
-            <a:pPr lvl="1"/>
-            <a:r>
-              <a:rPr lang="en-US" altLang="ja-JP" dirty="0" smtClean="0"/>
-              <a:t>(3) </a:t>
-            </a:r>
-            <a:r>
-              <a:rPr lang="ja-JP" altLang="en-US" dirty="0" smtClean="0"/>
-              <a:t>動径</a:t>
-            </a:r>
-            <a:r>
-              <a:rPr lang="ja-JP" altLang="en-US" dirty="0"/>
-              <a:t>分布関数</a:t>
-            </a:r>
-            <a:r>
-              <a:rPr lang="ja-JP" altLang="en-US" dirty="0" smtClean="0"/>
-              <a:t>と球面</a:t>
-            </a:r>
-            <a:r>
-              <a:rPr lang="ja-JP" altLang="en-US" dirty="0"/>
-              <a:t>調和</a:t>
-            </a:r>
-            <a:r>
-              <a:rPr lang="ja-JP" altLang="en-US" dirty="0" smtClean="0"/>
-              <a:t>関数の積に従う乱数を発生させ、</a:t>
-            </a:r>
-            <a:r>
-              <a:rPr lang="en-US" altLang="ja-JP" dirty="0"/>
-              <a:t> </a:t>
-            </a:r>
-            <a:r>
-              <a:rPr lang="ja-JP" altLang="en-US" dirty="0" smtClean="0"/>
-              <a:t>電子の位置</a:t>
-            </a:r>
-            <a:r>
-              <a:rPr lang="en-US" altLang="ja-JP" dirty="0" smtClean="0"/>
-              <a:t>(x, y, z)</a:t>
-            </a:r>
-            <a:r>
-              <a:rPr lang="ja-JP" altLang="en-US" dirty="0" smtClean="0"/>
-              <a:t>の値を決める（ただし、球面調和関数の実部と虚部は、別々に表示する）。</a:t>
-            </a:r>
-            <a:endParaRPr lang="en-US" altLang="ja-JP" dirty="0" smtClean="0"/>
-          </a:p>
-          <a:p>
-            <a:pPr lvl="1"/>
-            <a:r>
-              <a:rPr lang="en-US" altLang="ja-JP" dirty="0" smtClean="0"/>
-              <a:t>(4) </a:t>
-            </a:r>
-            <a:r>
-              <a:rPr lang="ja-JP" altLang="en-US" dirty="0" smtClean="0"/>
-              <a:t>電子の位置</a:t>
-            </a:r>
-            <a:r>
-              <a:rPr lang="en-US" altLang="ja-JP" dirty="0" smtClean="0"/>
-              <a:t>(</a:t>
-            </a:r>
-            <a:r>
-              <a:rPr lang="en-US" altLang="ja-JP" dirty="0"/>
-              <a:t>x, y, z</a:t>
-            </a:r>
-            <a:r>
-              <a:rPr lang="en-US" altLang="ja-JP" dirty="0" smtClean="0"/>
-              <a:t>)</a:t>
-            </a:r>
-            <a:r>
-              <a:rPr lang="ja-JP" altLang="en-US" dirty="0" smtClean="0"/>
-              <a:t>に点をプロットする。</a:t>
-            </a:r>
             <a:endParaRPr lang="en-US" altLang="ja-JP" dirty="0" smtClean="0"/>
           </a:p>
         </p:txBody>
@@ -7121,7 +7201,7 @@
     </p:spTree>
     <p:extLst>
       <p:ext uri="{BB962C8B-B14F-4D97-AF65-F5344CB8AC3E}">
-        <p14:creationId xmlns:p14="http://schemas.microsoft.com/office/powerpoint/2010/main" val="519324423"/>
+        <p14:creationId xmlns:p14="http://schemas.microsoft.com/office/powerpoint/2010/main" val="2009118836"/>
       </p:ext>
     </p:extLst>
   </p:cSld>

--- a/福井技術者の集い その3 発表資料スライド.pptx
+++ b/福井技術者の集い その3 発表資料スライド.pptx
@@ -5,29 +5,31 @@
     <p:sldMasterId id="2147483744" r:id="rId1"/>
   </p:sldMasterIdLst>
   <p:notesMasterIdLst>
-    <p:notesMasterId r:id="rId17"/>
+    <p:notesMasterId r:id="rId19"/>
   </p:notesMasterIdLst>
   <p:sldIdLst>
     <p:sldId id="258" r:id="rId2"/>
     <p:sldId id="411" r:id="rId3"/>
     <p:sldId id="441" r:id="rId4"/>
-    <p:sldId id="470" r:id="rId5"/>
-    <p:sldId id="471" r:id="rId6"/>
-    <p:sldId id="479" r:id="rId7"/>
-    <p:sldId id="472" r:id="rId8"/>
-    <p:sldId id="473" r:id="rId9"/>
-    <p:sldId id="474" r:id="rId10"/>
-    <p:sldId id="475" r:id="rId11"/>
-    <p:sldId id="476" r:id="rId12"/>
-    <p:sldId id="477" r:id="rId13"/>
-    <p:sldId id="478" r:id="rId14"/>
-    <p:sldId id="467" r:id="rId15"/>
-    <p:sldId id="427" r:id="rId16"/>
+    <p:sldId id="481" r:id="rId5"/>
+    <p:sldId id="470" r:id="rId6"/>
+    <p:sldId id="471" r:id="rId7"/>
+    <p:sldId id="479" r:id="rId8"/>
+    <p:sldId id="472" r:id="rId9"/>
+    <p:sldId id="473" r:id="rId10"/>
+    <p:sldId id="474" r:id="rId11"/>
+    <p:sldId id="475" r:id="rId12"/>
+    <p:sldId id="476" r:id="rId13"/>
+    <p:sldId id="477" r:id="rId14"/>
+    <p:sldId id="478" r:id="rId15"/>
+    <p:sldId id="480" r:id="rId16"/>
+    <p:sldId id="482" r:id="rId17"/>
+    <p:sldId id="467" r:id="rId18"/>
   </p:sldIdLst>
   <p:sldSz cx="9144000" cy="6858000" type="screen4x3"/>
   <p:notesSz cx="6858000" cy="9144000"/>
   <p:custDataLst>
-    <p:tags r:id="rId18"/>
+    <p:tags r:id="rId20"/>
   </p:custDataLst>
   <p:defaultTextStyle>
     <a:defPPr>
@@ -225,7 +227,7 @@
           <a:p>
             <a:fld id="{132713B8-E49A-41D1-88B6-B310770581C8}" type="datetimeFigureOut">
               <a:rPr kumimoji="1" lang="ja-JP" altLang="en-US" smtClean="0"/>
-              <a:t>2015/4/10</a:t>
+              <a:t>2015/4/13</a:t>
             </a:fld>
             <a:endParaRPr kumimoji="1" lang="ja-JP" altLang="en-US"/>
           </a:p>
@@ -829,7 +831,7 @@
             <a:fld id="{C120A1B4-3412-4C96-ACAA-DBDB2A910CC9}" type="datetimeFigureOut">
               <a:rPr kumimoji="1" lang="ja-JP" altLang="en-US" smtClean="0"/>
               <a:pPr/>
-              <a:t>2015/4/10</a:t>
+              <a:t>2015/4/13</a:t>
             </a:fld>
             <a:endParaRPr kumimoji="1" lang="ja-JP" altLang="en-US"/>
           </a:p>
@@ -1075,7 +1077,7 @@
                 </a:solidFill>
               </a:rPr>
               <a:pPr/>
-              <a:t>2015/4/10</a:t>
+              <a:t>2015/4/13</a:t>
             </a:fld>
             <a:endParaRPr kumimoji="1" lang="ja-JP" altLang="en-US">
               <a:solidFill>
@@ -1311,7 +1313,7 @@
                 </a:solidFill>
               </a:rPr>
               <a:pPr/>
-              <a:t>2015/4/10</a:t>
+              <a:t>2015/4/13</a:t>
             </a:fld>
             <a:endParaRPr kumimoji="1" lang="ja-JP" altLang="en-US">
               <a:solidFill>
@@ -1605,7 +1607,7 @@
                 </a:solidFill>
               </a:rPr>
               <a:pPr/>
-              <a:t>2015/4/10</a:t>
+              <a:t>2015/4/13</a:t>
             </a:fld>
             <a:endParaRPr kumimoji="1" lang="ja-JP" altLang="en-US">
               <a:solidFill>
@@ -2084,7 +2086,7 @@
                 </a:solidFill>
               </a:rPr>
               <a:pPr/>
-              <a:t>2015/4/10</a:t>
+              <a:t>2015/4/13</a:t>
             </a:fld>
             <a:endParaRPr kumimoji="1" lang="ja-JP" altLang="en-US">
               <a:solidFill>
@@ -2409,7 +2411,7 @@
                 </a:solidFill>
               </a:rPr>
               <a:pPr/>
-              <a:t>2015/4/10</a:t>
+              <a:t>2015/4/13</a:t>
             </a:fld>
             <a:endParaRPr kumimoji="1" lang="ja-JP" altLang="en-US">
               <a:solidFill>
@@ -2728,7 +2730,7 @@
                 </a:solidFill>
               </a:rPr>
               <a:pPr/>
-              <a:t>2015/4/10</a:t>
+              <a:t>2015/4/13</a:t>
             </a:fld>
             <a:endParaRPr kumimoji="1" lang="ja-JP" altLang="en-US">
               <a:solidFill>
@@ -2942,7 +2944,7 @@
                 </a:solidFill>
               </a:rPr>
               <a:pPr/>
-              <a:t>2015/4/10</a:t>
+              <a:t>2015/4/13</a:t>
             </a:fld>
             <a:endParaRPr kumimoji="1" lang="ja-JP" altLang="en-US">
               <a:solidFill>
@@ -3059,7 +3061,7 @@
                 </a:solidFill>
               </a:rPr>
               <a:pPr/>
-              <a:t>2015/4/10</a:t>
+              <a:t>2015/4/13</a:t>
             </a:fld>
             <a:endParaRPr kumimoji="1" lang="ja-JP" altLang="en-US">
               <a:solidFill>
@@ -3222,7 +3224,7 @@
                 </a:solidFill>
               </a:rPr>
               <a:pPr/>
-              <a:t>2015/4/10</a:t>
+              <a:t>2015/4/13</a:t>
             </a:fld>
             <a:endParaRPr kumimoji="1" lang="ja-JP" altLang="en-US">
               <a:solidFill>
@@ -3807,7 +3809,7 @@
                 </a:solidFill>
               </a:rPr>
               <a:pPr/>
-              <a:t>2015/4/10</a:t>
+              <a:t>2015/4/13</a:t>
             </a:fld>
             <a:endParaRPr kumimoji="1" lang="ja-JP" altLang="en-US">
               <a:solidFill>
@@ -4119,7 +4121,7 @@
                 </a:solidFill>
               </a:rPr>
               <a:pPr/>
-              <a:t>2015/4/10</a:t>
+              <a:t>2015/4/13</a:t>
             </a:fld>
             <a:endParaRPr kumimoji="1" lang="ja-JP" altLang="en-US">
               <a:solidFill>
@@ -4790,15 +4792,15 @@
         <p:spPr/>
         <p:txBody>
           <a:bodyPr>
-            <a:normAutofit/>
+            <a:normAutofit fontScale="90000"/>
           </a:bodyPr>
           <a:lstStyle/>
           <a:p>
             <a:r>
-              <a:rPr kumimoji="1" lang="ja-JP" altLang="en-US" dirty="0" smtClean="0"/>
-              <a:t>波動関数の可視化の考え方</a:t>
-            </a:r>
-            <a:endParaRPr kumimoji="1" lang="ja-JP" altLang="en-US" dirty="0"/>
+              <a:rPr lang="ja-JP" altLang="en-US" smtClean="0"/>
+              <a:t>波動関数と電子密度の可視化の考え方</a:t>
+            </a:r>
+            <a:endParaRPr lang="ja-JP" altLang="en-US" dirty="0"/>
           </a:p>
         </p:txBody>
       </p:sp>
@@ -4818,157 +4820,54 @@
           <a:lstStyle/>
           <a:p>
             <a:r>
-              <a:rPr lang="ja-JP" altLang="en-US" dirty="0"/>
-              <a:t>波動関数の</a:t>
-            </a:r>
-            <a:r>
-              <a:rPr lang="ja-JP" altLang="en-US" dirty="0" smtClean="0"/>
-              <a:t>可視化の手順は、以下のようになる。</a:t>
+              <a:rPr lang="ja-JP" altLang="en-US" dirty="0" smtClean="0"/>
+              <a:t>波動関数</a:t>
+            </a:r>
+            <a:r>
+              <a:rPr lang="en-US" altLang="ja-JP" dirty="0" smtClean="0"/>
+              <a:t>ψ(r,θ,φ)</a:t>
+            </a:r>
+            <a:r>
+              <a:rPr lang="ja-JP" altLang="en-US" dirty="0" smtClean="0"/>
+              <a:t>及び電子密度</a:t>
+            </a:r>
+            <a:r>
+              <a:rPr lang="en-US" altLang="ja-JP" dirty="0" smtClean="0"/>
+              <a:t>ρ(r,θ,φ)</a:t>
+            </a:r>
+            <a:r>
+              <a:rPr lang="ja-JP" altLang="en-US" dirty="0" smtClean="0"/>
+              <a:t>のいずれも、三次元の変数を持つので、表示には</a:t>
+            </a:r>
+            <a:r>
+              <a:rPr lang="ja-JP" altLang="en-US" dirty="0" smtClean="0">
+                <a:solidFill>
+                  <a:srgbClr val="FF0000"/>
+                </a:solidFill>
+              </a:rPr>
+              <a:t>四次元が必要</a:t>
+            </a:r>
+            <a:r>
+              <a:rPr lang="ja-JP" altLang="en-US" dirty="0" smtClean="0"/>
+              <a:t>である。</a:t>
             </a:r>
             <a:endParaRPr lang="en-US" altLang="ja-JP" dirty="0" smtClean="0"/>
           </a:p>
           <a:p>
-            <a:pPr lvl="1"/>
-            <a:r>
-              <a:rPr lang="en-US" altLang="ja-JP" dirty="0" smtClean="0"/>
-              <a:t>(1) </a:t>
-            </a:r>
-            <a:r>
-              <a:rPr lang="ja-JP" altLang="en-US" dirty="0" smtClean="0"/>
-              <a:t>主量子数</a:t>
-            </a:r>
-            <a:r>
-              <a:rPr lang="en-US" altLang="ja-JP" dirty="0" smtClean="0"/>
-              <a:t>n</a:t>
-            </a:r>
-            <a:r>
-              <a:rPr lang="ja-JP" altLang="en-US" dirty="0" err="1" smtClean="0"/>
-              <a:t>、</a:t>
-            </a:r>
-            <a:r>
-              <a:rPr lang="ja-JP" altLang="en-US" dirty="0" smtClean="0"/>
-              <a:t>方位量子数</a:t>
-            </a:r>
-            <a:r>
-              <a:rPr lang="en-US" altLang="ja-JP" dirty="0" smtClean="0"/>
-              <a:t>l</a:t>
-            </a:r>
-            <a:r>
-              <a:rPr lang="ja-JP" altLang="en-US" dirty="0" err="1" smtClean="0"/>
-              <a:t>、</a:t>
-            </a:r>
-            <a:r>
-              <a:rPr lang="ja-JP" altLang="en-US" dirty="0" smtClean="0"/>
-              <a:t>磁気量子数</a:t>
-            </a:r>
-            <a:r>
-              <a:rPr lang="en-US" altLang="ja-JP" dirty="0" smtClean="0"/>
-              <a:t>m</a:t>
-            </a:r>
-            <a:r>
-              <a:rPr lang="ja-JP" altLang="en-US" dirty="0" smtClean="0"/>
-              <a:t>を決める。→動径分布関数と、球面調和関数が決まる</a:t>
+            <a:r>
+              <a:rPr lang="ja-JP" altLang="en-US" dirty="0" smtClean="0"/>
+              <a:t>四次元（の関数）は、単純にはグラフ化できないので、可視化には工夫が必要である。</a:t>
             </a:r>
             <a:endParaRPr lang="en-US" altLang="ja-JP" dirty="0" smtClean="0"/>
           </a:p>
           <a:p>
-            <a:pPr lvl="1"/>
-            <a:r>
-              <a:rPr lang="en-US" altLang="ja-JP" dirty="0" smtClean="0"/>
-              <a:t>(2) </a:t>
-            </a:r>
-            <a:r>
-              <a:rPr lang="ja-JP" altLang="en-US" dirty="0" smtClean="0"/>
-              <a:t>波動関数を観測する回数を決める、観測回数だけ</a:t>
-            </a:r>
-            <a:r>
-              <a:rPr lang="en-US" altLang="ja-JP" dirty="0" smtClean="0"/>
-              <a:t>(3)</a:t>
-            </a:r>
-            <a:r>
-              <a:rPr lang="ja-JP" altLang="en-US" dirty="0" smtClean="0"/>
-              <a:t>～</a:t>
-            </a:r>
-            <a:r>
-              <a:rPr lang="en-US" altLang="ja-JP" dirty="0" smtClean="0"/>
-              <a:t>(4)</a:t>
-            </a:r>
-            <a:r>
-              <a:rPr lang="ja-JP" altLang="en-US" dirty="0" smtClean="0"/>
-              <a:t>を繰り返す。</a:t>
+            <a:r>
+              <a:rPr lang="ja-JP" altLang="en-US" dirty="0" smtClean="0"/>
+              <a:t>工夫には色々な方法があるだろうが、ここでは乱数を用いて、四次元の関数を可視化することを考える。</a:t>
             </a:r>
             <a:endParaRPr lang="en-US" altLang="ja-JP" dirty="0" smtClean="0"/>
           </a:p>
           <a:p>
-            <a:pPr lvl="1"/>
-            <a:r>
-              <a:rPr lang="en-US" altLang="ja-JP" dirty="0" smtClean="0"/>
-              <a:t>(3) </a:t>
-            </a:r>
-            <a:r>
-              <a:rPr lang="ja-JP" altLang="en-US" dirty="0" smtClean="0"/>
-              <a:t>動径</a:t>
-            </a:r>
-            <a:r>
-              <a:rPr lang="ja-JP" altLang="en-US" dirty="0"/>
-              <a:t>分布関数</a:t>
-            </a:r>
-            <a:r>
-              <a:rPr lang="ja-JP" altLang="en-US" dirty="0" smtClean="0"/>
-              <a:t>と球面</a:t>
-            </a:r>
-            <a:r>
-              <a:rPr lang="ja-JP" altLang="en-US" dirty="0"/>
-              <a:t>調和</a:t>
-            </a:r>
-            <a:r>
-              <a:rPr lang="ja-JP" altLang="en-US" dirty="0" smtClean="0"/>
-              <a:t>関数の積に従う乱数を発生させ、</a:t>
-            </a:r>
-            <a:r>
-              <a:rPr lang="en-US" altLang="ja-JP" dirty="0"/>
-              <a:t> </a:t>
-            </a:r>
-            <a:r>
-              <a:rPr lang="ja-JP" altLang="en-US" dirty="0" smtClean="0"/>
-              <a:t>電子の位置</a:t>
-            </a:r>
-            <a:r>
-              <a:rPr lang="en-US" altLang="ja-JP" dirty="0" smtClean="0"/>
-              <a:t>(x, y, z)</a:t>
-            </a:r>
-            <a:r>
-              <a:rPr lang="ja-JP" altLang="en-US" dirty="0" smtClean="0"/>
-              <a:t>の値を決める（ただし、球面調和関数の実部と虚部は、別々に表示する）。</a:t>
-            </a:r>
-            <a:endParaRPr lang="en-US" altLang="ja-JP" dirty="0" smtClean="0"/>
-          </a:p>
-          <a:p>
-            <a:pPr lvl="1"/>
-            <a:r>
-              <a:rPr lang="en-US" altLang="ja-JP" dirty="0" smtClean="0"/>
-              <a:t>(4) </a:t>
-            </a:r>
-            <a:r>
-              <a:rPr lang="ja-JP" altLang="en-US" dirty="0" smtClean="0"/>
-              <a:t>電子の位置</a:t>
-            </a:r>
-            <a:r>
-              <a:rPr lang="en-US" altLang="ja-JP" dirty="0" smtClean="0"/>
-              <a:t>(</a:t>
-            </a:r>
-            <a:r>
-              <a:rPr lang="en-US" altLang="ja-JP" dirty="0"/>
-              <a:t>x, y, z</a:t>
-            </a:r>
-            <a:r>
-              <a:rPr lang="en-US" altLang="ja-JP" dirty="0" smtClean="0"/>
-              <a:t>)</a:t>
-            </a:r>
-            <a:r>
-              <a:rPr lang="ja-JP" altLang="en-US" dirty="0" smtClean="0"/>
-              <a:t>に点をプロットする。</a:t>
-            </a:r>
             <a:endParaRPr lang="en-US" altLang="ja-JP" dirty="0" smtClean="0"/>
           </a:p>
         </p:txBody>
@@ -4976,7 +4875,7 @@
     </p:spTree>
     <p:extLst>
       <p:ext uri="{BB962C8B-B14F-4D97-AF65-F5344CB8AC3E}">
-        <p14:creationId xmlns:p14="http://schemas.microsoft.com/office/powerpoint/2010/main" val="519324423"/>
+        <p14:creationId xmlns:p14="http://schemas.microsoft.com/office/powerpoint/2010/main" val="2009118836"/>
       </p:ext>
     </p:extLst>
   </p:cSld>
@@ -5029,7 +4928,7 @@
           <a:p>
             <a:r>
               <a:rPr kumimoji="1" lang="ja-JP" altLang="en-US" dirty="0" smtClean="0"/>
-              <a:t>電子密度の可視化の考え方</a:t>
+              <a:t>波動関数の可視化の考え方</a:t>
             </a:r>
             <a:endParaRPr kumimoji="1" lang="ja-JP" altLang="en-US" dirty="0"/>
           </a:p>
@@ -5051,8 +4950,12 @@
           <a:lstStyle/>
           <a:p>
             <a:r>
-              <a:rPr lang="ja-JP" altLang="en-US" dirty="0" smtClean="0"/>
-              <a:t>電子密度の可視化の手順は、以下のようになる。</a:t>
+              <a:rPr lang="ja-JP" altLang="en-US" dirty="0"/>
+              <a:t>波動関数の</a:t>
+            </a:r>
+            <a:r>
+              <a:rPr lang="ja-JP" altLang="en-US" dirty="0" smtClean="0"/>
+              <a:t>可視化の手順は、以下のようになる。</a:t>
             </a:r>
             <a:endParaRPr lang="en-US" altLang="ja-JP" dirty="0" smtClean="0"/>
           </a:p>
@@ -5108,7 +5011,7 @@
             </a:r>
             <a:r>
               <a:rPr lang="ja-JP" altLang="en-US" dirty="0" smtClean="0"/>
-              <a:t>電子雲を観測する回数を決める、観測回数だけ</a:t>
+              <a:t>波動関数を観測する回数を決める、観測回数だけ</a:t>
             </a:r>
             <a:r>
               <a:rPr lang="en-US" altLang="ja-JP" dirty="0" smtClean="0"/>
@@ -5152,7 +5055,7 @@
             </a:r>
             <a:r>
               <a:rPr lang="ja-JP" altLang="en-US" dirty="0" smtClean="0"/>
-              <a:t>関数の積の絶対値の二乗に従う乱数を発生させ、</a:t>
+              <a:t>関数の積に従う乱数を発生させ、</a:t>
             </a:r>
             <a:r>
               <a:rPr lang="en-US" altLang="ja-JP" dirty="0"/>
@@ -5168,7 +5071,7 @@
             </a:r>
             <a:r>
               <a:rPr lang="ja-JP" altLang="en-US" dirty="0" smtClean="0"/>
-              <a:t>の値を決める。</a:t>
+              <a:t>の値を決める（ただし、球面調和関数の実部と虚部は、別々に表示する）。</a:t>
             </a:r>
             <a:endParaRPr lang="en-US" altLang="ja-JP" dirty="0" smtClean="0"/>
           </a:p>
@@ -5205,7 +5108,7 @@
     </p:spTree>
     <p:extLst>
       <p:ext uri="{BB962C8B-B14F-4D97-AF65-F5344CB8AC3E}">
-        <p14:creationId xmlns:p14="http://schemas.microsoft.com/office/powerpoint/2010/main" val="2827975956"/>
+        <p14:creationId xmlns:p14="http://schemas.microsoft.com/office/powerpoint/2010/main" val="519324423"/>
       </p:ext>
     </p:extLst>
   </p:cSld>
@@ -5251,74 +5154,190 @@
         </p:nvSpPr>
         <p:spPr/>
         <p:txBody>
+          <a:bodyPr>
+            <a:normAutofit/>
+          </a:bodyPr>
+          <a:lstStyle/>
+          <a:p>
+            <a:r>
+              <a:rPr kumimoji="1" lang="ja-JP" altLang="en-US" dirty="0" smtClean="0"/>
+              <a:t>電子密度の可視化の考え方</a:t>
+            </a:r>
+            <a:endParaRPr kumimoji="1" lang="ja-JP" altLang="en-US" dirty="0"/>
+          </a:p>
+        </p:txBody>
+      </p:sp>
+      <p:sp>
+        <p:nvSpPr>
+          <p:cNvPr id="3" name="コンテンツ プレースホルダー 2"/>
+          <p:cNvSpPr>
+            <a:spLocks noGrp="1"/>
+          </p:cNvSpPr>
+          <p:nvPr>
+            <p:ph sz="quarter" idx="1"/>
+          </p:nvPr>
+        </p:nvSpPr>
+        <p:spPr/>
+        <p:txBody>
           <a:bodyPr/>
           <a:lstStyle/>
           <a:p>
             <a:r>
+              <a:rPr lang="ja-JP" altLang="en-US" dirty="0" smtClean="0"/>
+              <a:t>電子密度の可視化の手順は、以下のようになる。</a:t>
+            </a:r>
+            <a:endParaRPr lang="en-US" altLang="ja-JP" dirty="0" smtClean="0"/>
+          </a:p>
+          <a:p>
+            <a:pPr lvl="1"/>
+            <a:r>
+              <a:rPr lang="en-US" altLang="ja-JP" dirty="0" smtClean="0"/>
+              <a:t>(1) </a:t>
+            </a:r>
+            <a:r>
+              <a:rPr lang="ja-JP" altLang="en-US" dirty="0" smtClean="0"/>
+              <a:t>主量子数</a:t>
+            </a:r>
+            <a:r>
+              <a:rPr lang="en-US" altLang="ja-JP" dirty="0" smtClean="0"/>
+              <a:t>n</a:t>
+            </a:r>
+            <a:r>
+              <a:rPr lang="ja-JP" altLang="en-US" dirty="0" err="1" smtClean="0"/>
+              <a:t>、</a:t>
+            </a:r>
+            <a:r>
+              <a:rPr lang="ja-JP" altLang="en-US" dirty="0" smtClean="0"/>
+              <a:t>方位量子数</a:t>
+            </a:r>
+            <a:r>
+              <a:rPr lang="en-US" altLang="ja-JP" dirty="0" smtClean="0"/>
+              <a:t>l</a:t>
+            </a:r>
+            <a:r>
+              <a:rPr lang="ja-JP" altLang="en-US" dirty="0" err="1" smtClean="0"/>
+              <a:t>、</a:t>
+            </a:r>
+            <a:r>
+              <a:rPr lang="ja-JP" altLang="en-US" dirty="0" smtClean="0"/>
+              <a:t>磁気量子数</a:t>
+            </a:r>
+            <a:r>
+              <a:rPr lang="en-US" altLang="ja-JP" dirty="0" smtClean="0"/>
+              <a:t>m</a:t>
+            </a:r>
+            <a:r>
+              <a:rPr lang="ja-JP" altLang="en-US" dirty="0" smtClean="0"/>
+              <a:t>を決める。→動径分布関数と、球面調和関数が決まる</a:t>
+            </a:r>
+            <a:endParaRPr lang="en-US" altLang="ja-JP" dirty="0" smtClean="0"/>
+          </a:p>
+          <a:p>
+            <a:pPr lvl="1"/>
+            <a:r>
+              <a:rPr lang="en-US" altLang="ja-JP" dirty="0" smtClean="0"/>
+              <a:t>(2) </a:t>
+            </a:r>
+            <a:r>
+              <a:rPr lang="ja-JP" altLang="en-US" dirty="0" smtClean="0"/>
+              <a:t>電子雲を観測する回数を決める、観測回数だけ</a:t>
+            </a:r>
+            <a:r>
+              <a:rPr lang="en-US" altLang="ja-JP" dirty="0" smtClean="0"/>
+              <a:t>(3)</a:t>
+            </a:r>
+            <a:r>
+              <a:rPr lang="ja-JP" altLang="en-US" dirty="0" smtClean="0"/>
+              <a:t>～</a:t>
+            </a:r>
+            <a:r>
+              <a:rPr lang="en-US" altLang="ja-JP" dirty="0" smtClean="0"/>
+              <a:t>(4)</a:t>
+            </a:r>
+            <a:r>
+              <a:rPr lang="ja-JP" altLang="en-US" dirty="0" smtClean="0"/>
+              <a:t>を繰り返す。</a:t>
+            </a:r>
+            <a:endParaRPr lang="en-US" altLang="ja-JP" dirty="0" smtClean="0"/>
+          </a:p>
+          <a:p>
+            <a:pPr lvl="1"/>
+            <a:r>
+              <a:rPr lang="en-US" altLang="ja-JP" dirty="0" smtClean="0"/>
+              <a:t>(3) </a:t>
+            </a:r>
+            <a:r>
+              <a:rPr lang="ja-JP" altLang="en-US" dirty="0" smtClean="0"/>
+              <a:t>動径</a:t>
+            </a:r>
+            <a:r>
+              <a:rPr lang="ja-JP" altLang="en-US" dirty="0"/>
+              <a:t>分布関数</a:t>
+            </a:r>
+            <a:r>
+              <a:rPr lang="ja-JP" altLang="en-US" dirty="0" smtClean="0"/>
+              <a:t>と球面</a:t>
+            </a:r>
+            <a:r>
+              <a:rPr lang="ja-JP" altLang="en-US" dirty="0"/>
+              <a:t>調和</a:t>
+            </a:r>
+            <a:r>
+              <a:rPr lang="ja-JP" altLang="en-US" dirty="0" smtClean="0"/>
+              <a:t>関数の積の絶対値の二乗に従う乱数を発生させ、</a:t>
+            </a:r>
+            <a:r>
               <a:rPr lang="en-US" altLang="ja-JP" dirty="0"/>
-              <a:t>von Neumann</a:t>
-            </a:r>
-            <a:r>
-              <a:rPr lang="ja-JP" altLang="en-US" dirty="0"/>
-              <a:t>の棄却法</a:t>
-            </a:r>
-            <a:endParaRPr kumimoji="1" lang="ja-JP" altLang="en-US" dirty="0"/>
-          </a:p>
-        </p:txBody>
-      </p:sp>
-      <p:sp>
-        <p:nvSpPr>
-          <p:cNvPr id="3" name="コンテンツ プレースホルダー 2"/>
-          <p:cNvSpPr>
-            <a:spLocks noGrp="1"/>
-          </p:cNvSpPr>
-          <p:nvPr>
-            <p:ph sz="quarter" idx="1"/>
-          </p:nvPr>
-        </p:nvSpPr>
-        <p:spPr/>
-        <p:txBody>
-          <a:bodyPr/>
-          <a:lstStyle/>
-          <a:p>
-            <a:r>
-              <a:rPr kumimoji="1" lang="ja-JP" altLang="en-US" dirty="0" smtClean="0"/>
-              <a:t>「原子の波動関数と電子密度を乱数を用いて描く」という問題は、「どうすれば分布関数に従う乱数を発生させることができるか？」という問題に帰着する。</a:t>
-            </a:r>
-            <a:endParaRPr kumimoji="1" lang="en-US" altLang="ja-JP" dirty="0" smtClean="0"/>
-          </a:p>
-          <a:p>
-            <a:r>
-              <a:rPr kumimoji="1" lang="ja-JP" altLang="en-US" dirty="0" smtClean="0"/>
-              <a:t>任意の分布に従う乱数を発生させる方法として、よく知られている方法に、「</a:t>
+              <a:t> </a:t>
+            </a:r>
+            <a:r>
+              <a:rPr lang="ja-JP" altLang="en-US" dirty="0" smtClean="0"/>
+              <a:t>電子の位置</a:t>
+            </a:r>
+            <a:r>
+              <a:rPr lang="en-US" altLang="ja-JP" dirty="0" smtClean="0"/>
+              <a:t>(x, y, z)</a:t>
+            </a:r>
+            <a:r>
+              <a:rPr lang="ja-JP" altLang="en-US" dirty="0" smtClean="0"/>
+              <a:t>の値を決める。</a:t>
+            </a:r>
+            <a:endParaRPr lang="en-US" altLang="ja-JP" dirty="0" smtClean="0"/>
+          </a:p>
+          <a:p>
+            <a:pPr lvl="1"/>
+            <a:r>
+              <a:rPr lang="en-US" altLang="ja-JP" dirty="0" smtClean="0"/>
+              <a:t>(4) </a:t>
+            </a:r>
+            <a:r>
+              <a:rPr lang="ja-JP" altLang="en-US" dirty="0" smtClean="0"/>
+              <a:t>電子の位置</a:t>
+            </a:r>
+            <a:r>
+              <a:rPr lang="en-US" altLang="ja-JP" dirty="0" smtClean="0"/>
+              <a:t>(</a:t>
             </a:r>
             <a:r>
               <a:rPr lang="en-US" altLang="ja-JP" dirty="0"/>
-              <a:t>von Neumann</a:t>
-            </a:r>
-            <a:r>
-              <a:rPr lang="ja-JP" altLang="en-US" dirty="0"/>
-              <a:t>の</a:t>
-            </a:r>
-            <a:r>
-              <a:rPr lang="ja-JP" altLang="en-US" dirty="0" smtClean="0"/>
-              <a:t>棄却法」がある。</a:t>
+              <a:t>x, y, z</a:t>
+            </a:r>
+            <a:r>
+              <a:rPr lang="en-US" altLang="ja-JP" dirty="0" smtClean="0"/>
+              <a:t>)</a:t>
+            </a:r>
+            <a:r>
+              <a:rPr lang="ja-JP" altLang="en-US" dirty="0" smtClean="0"/>
+              <a:t>に点をプロットする。</a:t>
             </a:r>
             <a:endParaRPr lang="en-US" altLang="ja-JP" dirty="0" smtClean="0"/>
-          </a:p>
-          <a:p>
-            <a:r>
-              <a:rPr lang="ja-JP" altLang="en-US" dirty="0" smtClean="0"/>
-              <a:t>次ページでこれを詳しく説明する。</a:t>
-            </a:r>
-            <a:endParaRPr lang="ja-JP" altLang="en-US" dirty="0"/>
           </a:p>
         </p:txBody>
       </p:sp>
     </p:spTree>
     <p:extLst>
       <p:ext uri="{BB962C8B-B14F-4D97-AF65-F5344CB8AC3E}">
-        <p14:creationId xmlns:p14="http://schemas.microsoft.com/office/powerpoint/2010/main" val="1090346442"/>
+        <p14:creationId xmlns:p14="http://schemas.microsoft.com/office/powerpoint/2010/main" val="2827975956"/>
       </p:ext>
     </p:extLst>
   </p:cSld>
@@ -5391,11 +5410,20 @@
         </p:nvSpPr>
         <p:spPr/>
         <p:txBody>
-          <a:bodyPr>
-            <a:normAutofit lnSpcReduction="10000"/>
-          </a:bodyPr>
-          <a:lstStyle/>
-          <a:p>
+          <a:bodyPr/>
+          <a:lstStyle/>
+          <a:p>
+            <a:r>
+              <a:rPr kumimoji="1" lang="ja-JP" altLang="en-US" dirty="0" smtClean="0"/>
+              <a:t>「原子の波動関数と電子密度を乱数を用いて描く」という問題は、「どうすれば分布関数に従う乱数を発生させることができるか？」という問題に帰着する。</a:t>
+            </a:r>
+            <a:endParaRPr kumimoji="1" lang="en-US" altLang="ja-JP" dirty="0" smtClean="0"/>
+          </a:p>
+          <a:p>
+            <a:r>
+              <a:rPr kumimoji="1" lang="ja-JP" altLang="en-US" dirty="0" smtClean="0"/>
+              <a:t>任意の分布に従う乱数を発生させる方法として、よく知られている方法に、「</a:t>
+            </a:r>
             <a:r>
               <a:rPr lang="en-US" altLang="ja-JP" dirty="0"/>
               <a:t>von Neumann</a:t>
@@ -5406,255 +5434,23 @@
             </a:r>
             <a:r>
               <a:rPr lang="ja-JP" altLang="en-US" dirty="0" smtClean="0"/>
-              <a:t>棄却法の手順は以下のようになる。</a:t>
+              <a:t>棄却法」がある。</a:t>
             </a:r>
             <a:endParaRPr lang="en-US" altLang="ja-JP" dirty="0" smtClean="0"/>
           </a:p>
           <a:p>
-            <a:pPr lvl="1"/>
-            <a:r>
-              <a:rPr lang="en-US" altLang="ja-JP" dirty="0" smtClean="0"/>
-              <a:t>(1) </a:t>
-            </a:r>
-            <a:r>
-              <a:rPr lang="ja-JP" altLang="en-US" dirty="0" smtClean="0"/>
-              <a:t>確率密度関数</a:t>
-            </a:r>
-            <a:r>
-              <a:rPr lang="en-US" altLang="ja-JP" dirty="0" smtClean="0"/>
-              <a:t>f(x)</a:t>
-            </a:r>
-            <a:r>
-              <a:rPr lang="ja-JP" altLang="en-US" dirty="0" smtClean="0"/>
-              <a:t>の変数</a:t>
-            </a:r>
-            <a:r>
-              <a:rPr lang="en-US" altLang="ja-JP" dirty="0" smtClean="0"/>
-              <a:t>x</a:t>
-            </a:r>
-            <a:r>
-              <a:rPr lang="ja-JP" altLang="en-US" dirty="0" smtClean="0"/>
-              <a:t>の変域を区間</a:t>
-            </a:r>
-            <a:r>
-              <a:rPr lang="en-US" altLang="ja-JP" dirty="0" smtClean="0"/>
-              <a:t>[0, x</a:t>
-            </a:r>
-            <a:r>
-              <a:rPr lang="en-US" altLang="ja-JP" baseline="-25000" dirty="0" smtClean="0"/>
-              <a:t>0</a:t>
-            </a:r>
-            <a:r>
-              <a:rPr lang="en-US" altLang="ja-JP" dirty="0" smtClean="0"/>
-              <a:t>]</a:t>
-            </a:r>
-            <a:r>
-              <a:rPr lang="ja-JP" altLang="en-US" dirty="0" smtClean="0"/>
-              <a:t>とする。変域内での</a:t>
-            </a:r>
-            <a:r>
-              <a:rPr lang="en-US" altLang="ja-JP" dirty="0" smtClean="0"/>
-              <a:t>f(x)</a:t>
-            </a:r>
-            <a:r>
-              <a:rPr lang="ja-JP" altLang="en-US" dirty="0" smtClean="0"/>
-              <a:t>の最大値を</a:t>
-            </a:r>
-            <a:r>
-              <a:rPr lang="en-US" altLang="ja-JP" dirty="0" smtClean="0"/>
-              <a:t>M</a:t>
-            </a:r>
-            <a:r>
-              <a:rPr lang="ja-JP" altLang="en-US" dirty="0" smtClean="0"/>
-              <a:t>とする。</a:t>
-            </a:r>
-            <a:endParaRPr lang="en-US" altLang="ja-JP" dirty="0" smtClean="0"/>
-          </a:p>
-          <a:p>
-            <a:pPr lvl="1"/>
-            <a:r>
-              <a:rPr kumimoji="1" lang="en-US" altLang="ja-JP" dirty="0" smtClean="0"/>
-              <a:t>(2) </a:t>
-            </a:r>
-            <a:r>
-              <a:rPr kumimoji="1" lang="ja-JP" altLang="en-US" dirty="0" smtClean="0"/>
-              <a:t>区間</a:t>
-            </a:r>
-            <a:r>
-              <a:rPr lang="en-US" altLang="ja-JP" dirty="0"/>
-              <a:t>[0, x</a:t>
-            </a:r>
-            <a:r>
-              <a:rPr lang="en-US" altLang="ja-JP" baseline="-25000" dirty="0"/>
-              <a:t>0</a:t>
-            </a:r>
-            <a:r>
-              <a:rPr lang="en-US" altLang="ja-JP" dirty="0" smtClean="0"/>
-              <a:t>]</a:t>
-            </a:r>
-            <a:r>
-              <a:rPr lang="ja-JP" altLang="en-US" dirty="0" err="1" smtClean="0"/>
-              <a:t>での</a:t>
-            </a:r>
-            <a:r>
-              <a:rPr lang="ja-JP" altLang="en-US" dirty="0" smtClean="0"/>
-              <a:t>一様乱数</a:t>
-            </a:r>
-            <a:r>
-              <a:rPr lang="en-US" altLang="ja-JP" dirty="0" smtClean="0"/>
-              <a:t>x</a:t>
-            </a:r>
-            <a:r>
-              <a:rPr lang="en-US" altLang="ja-JP" baseline="-25000" dirty="0" smtClean="0"/>
-              <a:t>i</a:t>
-            </a:r>
-            <a:r>
-              <a:rPr lang="ja-JP" altLang="en-US" dirty="0" smtClean="0"/>
-              <a:t>を発生させる。</a:t>
-            </a:r>
-            <a:endParaRPr lang="en-US" altLang="ja-JP" dirty="0" smtClean="0"/>
-          </a:p>
-          <a:p>
-            <a:pPr lvl="1"/>
-            <a:r>
-              <a:rPr kumimoji="1" lang="en-US" altLang="ja-JP" dirty="0" smtClean="0"/>
-              <a:t>(3) </a:t>
-            </a:r>
-            <a:r>
-              <a:rPr kumimoji="1" lang="ja-JP" altLang="en-US" dirty="0" smtClean="0"/>
-              <a:t>区間</a:t>
-            </a:r>
-            <a:r>
-              <a:rPr kumimoji="1" lang="en-US" altLang="ja-JP" dirty="0" smtClean="0"/>
-              <a:t>[0, M]</a:t>
-            </a:r>
-            <a:r>
-              <a:rPr kumimoji="1" lang="ja-JP" altLang="en-US" dirty="0" err="1" smtClean="0"/>
-              <a:t>での</a:t>
-            </a:r>
-            <a:r>
-              <a:rPr lang="ja-JP" altLang="en-US" dirty="0"/>
-              <a:t>一様</a:t>
-            </a:r>
-            <a:r>
-              <a:rPr lang="ja-JP" altLang="en-US" dirty="0" smtClean="0"/>
-              <a:t>乱数</a:t>
-            </a:r>
-            <a:r>
-              <a:rPr lang="en-US" altLang="ja-JP" dirty="0" smtClean="0"/>
-              <a:t>y</a:t>
-            </a:r>
-            <a:r>
-              <a:rPr lang="en-US" altLang="ja-JP" baseline="-25000" dirty="0" smtClean="0"/>
-              <a:t>i</a:t>
-            </a:r>
-            <a:r>
-              <a:rPr lang="ja-JP" altLang="en-US" dirty="0"/>
-              <a:t>を発生させる</a:t>
-            </a:r>
-            <a:r>
-              <a:rPr lang="ja-JP" altLang="en-US" dirty="0" smtClean="0"/>
-              <a:t>。</a:t>
-            </a:r>
-            <a:endParaRPr lang="en-US" altLang="ja-JP" dirty="0" smtClean="0"/>
-          </a:p>
-          <a:p>
-            <a:pPr lvl="1"/>
-            <a:r>
-              <a:rPr lang="en-US" altLang="ja-JP" dirty="0" smtClean="0"/>
-              <a:t>(4) x</a:t>
-            </a:r>
-            <a:r>
-              <a:rPr lang="en-US" altLang="ja-JP" baseline="-25000" dirty="0" smtClean="0"/>
-              <a:t>i</a:t>
-            </a:r>
-            <a:r>
-              <a:rPr lang="en-US" altLang="ja-JP" dirty="0" smtClean="0"/>
-              <a:t>, y</a:t>
-            </a:r>
-            <a:r>
-              <a:rPr lang="en-US" altLang="ja-JP" baseline="-25000" dirty="0" smtClean="0"/>
-              <a:t>i</a:t>
-            </a:r>
-            <a:r>
-              <a:rPr lang="ja-JP" altLang="en-US" dirty="0" smtClean="0"/>
-              <a:t>が、</a:t>
-            </a:r>
-            <a:r>
-              <a:rPr lang="en-US" altLang="ja-JP" dirty="0" smtClean="0"/>
-              <a:t>f(x</a:t>
-            </a:r>
-            <a:r>
-              <a:rPr lang="en-US" altLang="ja-JP" baseline="-25000" dirty="0" smtClean="0"/>
-              <a:t>i</a:t>
-            </a:r>
-            <a:r>
-              <a:rPr lang="en-US" altLang="ja-JP" dirty="0" smtClean="0"/>
-              <a:t>) &gt; y</a:t>
-            </a:r>
-            <a:r>
-              <a:rPr lang="en-US" altLang="ja-JP" baseline="-25000" dirty="0" smtClean="0"/>
-              <a:t>i</a:t>
-            </a:r>
-            <a:r>
-              <a:rPr lang="ja-JP" altLang="en-US" dirty="0" smtClean="0"/>
-              <a:t>を満足する場合のみ、</a:t>
-            </a:r>
-            <a:r>
-              <a:rPr lang="ja-JP" altLang="en-US" dirty="0"/>
-              <a:t>乱数</a:t>
-            </a:r>
-            <a:r>
-              <a:rPr lang="en-US" altLang="ja-JP" dirty="0" smtClean="0"/>
-              <a:t>x</a:t>
-            </a:r>
-            <a:r>
-              <a:rPr lang="en-US" altLang="ja-JP" baseline="-25000" dirty="0" smtClean="0"/>
-              <a:t>i</a:t>
-            </a:r>
-            <a:r>
-              <a:rPr lang="ja-JP" altLang="en-US" dirty="0" smtClean="0"/>
-              <a:t>は与えられた</a:t>
-            </a:r>
-            <a:r>
-              <a:rPr lang="en-US" altLang="ja-JP" dirty="0" smtClean="0"/>
-              <a:t>f(x)</a:t>
-            </a:r>
-            <a:r>
-              <a:rPr lang="ja-JP" altLang="en-US" dirty="0" smtClean="0"/>
-              <a:t>に従うものとして採用し、満足しなければ捨てる。</a:t>
-            </a:r>
-            <a:endParaRPr lang="en-US" altLang="ja-JP" dirty="0" smtClean="0"/>
-          </a:p>
-          <a:p>
-            <a:pPr lvl="1"/>
-            <a:r>
-              <a:rPr lang="en-US" altLang="ja-JP" dirty="0" smtClean="0"/>
-              <a:t>(5) (2)</a:t>
-            </a:r>
-            <a:r>
-              <a:rPr lang="ja-JP" altLang="en-US" dirty="0" smtClean="0"/>
-              <a:t>～</a:t>
-            </a:r>
-            <a:r>
-              <a:rPr lang="en-US" altLang="ja-JP" dirty="0" smtClean="0"/>
-              <a:t>(4)</a:t>
-            </a:r>
-            <a:r>
-              <a:rPr lang="ja-JP" altLang="en-US" dirty="0" smtClean="0"/>
-              <a:t>を繰り返して乱数列を得る。</a:t>
-            </a:r>
-            <a:endParaRPr lang="en-US" altLang="ja-JP" dirty="0"/>
-          </a:p>
-          <a:p>
-            <a:endParaRPr kumimoji="1" lang="ja-JP" altLang="en-US" dirty="0"/>
+            <a:r>
+              <a:rPr lang="ja-JP" altLang="en-US" dirty="0" smtClean="0"/>
+              <a:t>次ページでこれを詳しく説明する。</a:t>
+            </a:r>
+            <a:endParaRPr lang="ja-JP" altLang="en-US" dirty="0"/>
           </a:p>
         </p:txBody>
       </p:sp>
     </p:spTree>
     <p:extLst>
       <p:ext uri="{BB962C8B-B14F-4D97-AF65-F5344CB8AC3E}">
-        <p14:creationId xmlns:p14="http://schemas.microsoft.com/office/powerpoint/2010/main" val="3109470819"/>
+        <p14:creationId xmlns:p14="http://schemas.microsoft.com/office/powerpoint/2010/main" val="1090346442"/>
       </p:ext>
     </p:extLst>
   </p:cSld>
@@ -5704,85 +5500,293 @@
           <a:lstStyle/>
           <a:p>
             <a:r>
+              <a:rPr lang="en-US" altLang="ja-JP" dirty="0"/>
+              <a:t>von Neumann</a:t>
+            </a:r>
+            <a:r>
               <a:rPr lang="ja-JP" altLang="en-US" dirty="0"/>
-              <a:t>ソース</a:t>
+              <a:t>の棄却法</a:t>
+            </a:r>
+            <a:endParaRPr kumimoji="1" lang="ja-JP" altLang="en-US" dirty="0"/>
+          </a:p>
+        </p:txBody>
+      </p:sp>
+      <p:sp>
+        <p:nvSpPr>
+          <p:cNvPr id="3" name="コンテンツ プレースホルダー 2"/>
+          <p:cNvSpPr>
+            <a:spLocks noGrp="1"/>
+          </p:cNvSpPr>
+          <p:nvPr>
+            <p:ph sz="quarter" idx="1"/>
+          </p:nvPr>
+        </p:nvSpPr>
+        <p:spPr/>
+        <p:txBody>
+          <a:bodyPr>
+            <a:normAutofit lnSpcReduction="10000"/>
+          </a:bodyPr>
+          <a:lstStyle/>
+          <a:p>
+            <a:r>
+              <a:rPr lang="en-US" altLang="ja-JP" dirty="0"/>
+              <a:t>von Neumann</a:t>
+            </a:r>
+            <a:r>
+              <a:rPr lang="ja-JP" altLang="en-US" dirty="0"/>
+              <a:t>の</a:t>
+            </a:r>
+            <a:r>
+              <a:rPr lang="ja-JP" altLang="en-US" dirty="0" smtClean="0"/>
+              <a:t>棄却法の手順は以下のようになる。</a:t>
+            </a:r>
+            <a:endParaRPr lang="en-US" altLang="ja-JP" dirty="0" smtClean="0"/>
+          </a:p>
+          <a:p>
+            <a:pPr lvl="1"/>
+            <a:r>
+              <a:rPr lang="en-US" altLang="ja-JP" dirty="0" smtClean="0"/>
+              <a:t>(1) </a:t>
+            </a:r>
+            <a:r>
+              <a:rPr lang="ja-JP" altLang="en-US" dirty="0" smtClean="0"/>
+              <a:t>確率密度関数</a:t>
+            </a:r>
+            <a:r>
+              <a:rPr lang="en-US" altLang="ja-JP" dirty="0" smtClean="0"/>
+              <a:t>f(x)</a:t>
+            </a:r>
+            <a:r>
+              <a:rPr lang="ja-JP" altLang="en-US" dirty="0" smtClean="0"/>
+              <a:t>の変数</a:t>
+            </a:r>
+            <a:r>
+              <a:rPr lang="en-US" altLang="ja-JP" dirty="0" smtClean="0"/>
+              <a:t>x</a:t>
+            </a:r>
+            <a:r>
+              <a:rPr lang="ja-JP" altLang="en-US" dirty="0" smtClean="0"/>
+              <a:t>の変域を区間</a:t>
+            </a:r>
+            <a:r>
+              <a:rPr lang="en-US" altLang="ja-JP" dirty="0" smtClean="0"/>
+              <a:t>[0, x</a:t>
+            </a:r>
+            <a:r>
+              <a:rPr lang="en-US" altLang="ja-JP" baseline="-25000" dirty="0" smtClean="0"/>
+              <a:t>0</a:t>
+            </a:r>
+            <a:r>
+              <a:rPr lang="en-US" altLang="ja-JP" dirty="0" smtClean="0"/>
+              <a:t>]</a:t>
+            </a:r>
+            <a:r>
+              <a:rPr lang="ja-JP" altLang="en-US" dirty="0" smtClean="0"/>
+              <a:t>とする。変域内での</a:t>
+            </a:r>
+            <a:r>
+              <a:rPr lang="en-US" altLang="ja-JP" dirty="0" smtClean="0"/>
+              <a:t>f(x)</a:t>
+            </a:r>
+            <a:r>
+              <a:rPr lang="ja-JP" altLang="en-US" dirty="0" smtClean="0"/>
+              <a:t>の最大値を</a:t>
+            </a:r>
+            <a:r>
+              <a:rPr lang="en-US" altLang="ja-JP" dirty="0" smtClean="0"/>
+              <a:t>M</a:t>
+            </a:r>
+            <a:r>
+              <a:rPr lang="ja-JP" altLang="en-US" dirty="0" smtClean="0"/>
+              <a:t>とする。</a:t>
+            </a:r>
+            <a:endParaRPr lang="en-US" altLang="ja-JP" dirty="0" smtClean="0"/>
+          </a:p>
+          <a:p>
+            <a:pPr lvl="1"/>
+            <a:r>
+              <a:rPr kumimoji="1" lang="en-US" altLang="ja-JP" dirty="0" smtClean="0"/>
+              <a:t>(2) </a:t>
             </a:r>
             <a:r>
               <a:rPr kumimoji="1" lang="ja-JP" altLang="en-US" dirty="0" smtClean="0"/>
-              <a:t>コードへのリンク</a:t>
-            </a:r>
+              <a:t>区間</a:t>
+            </a:r>
+            <a:r>
+              <a:rPr lang="en-US" altLang="ja-JP" dirty="0"/>
+              <a:t>[0, x</a:t>
+            </a:r>
+            <a:r>
+              <a:rPr lang="en-US" altLang="ja-JP" baseline="-25000" dirty="0"/>
+              <a:t>0</a:t>
+            </a:r>
+            <a:r>
+              <a:rPr lang="en-US" altLang="ja-JP" dirty="0" smtClean="0"/>
+              <a:t>]</a:t>
+            </a:r>
+            <a:r>
+              <a:rPr lang="ja-JP" altLang="en-US" dirty="0" err="1" smtClean="0"/>
+              <a:t>での</a:t>
+            </a:r>
+            <a:r>
+              <a:rPr lang="ja-JP" altLang="en-US" dirty="0" smtClean="0"/>
+              <a:t>一様乱数</a:t>
+            </a:r>
+            <a:r>
+              <a:rPr lang="en-US" altLang="ja-JP" dirty="0" smtClean="0"/>
+              <a:t>x</a:t>
+            </a:r>
+            <a:r>
+              <a:rPr lang="en-US" altLang="ja-JP" baseline="-25000" dirty="0" smtClean="0"/>
+              <a:t>i</a:t>
+            </a:r>
+            <a:r>
+              <a:rPr lang="ja-JP" altLang="en-US" dirty="0" smtClean="0"/>
+              <a:t>を発生させる。</a:t>
+            </a:r>
+            <a:endParaRPr lang="en-US" altLang="ja-JP" dirty="0" smtClean="0"/>
+          </a:p>
+          <a:p>
+            <a:pPr lvl="1"/>
+            <a:r>
+              <a:rPr kumimoji="1" lang="en-US" altLang="ja-JP" dirty="0" smtClean="0"/>
+              <a:t>(3) </a:t>
+            </a:r>
+            <a:r>
+              <a:rPr kumimoji="1" lang="ja-JP" altLang="en-US" dirty="0" smtClean="0"/>
+              <a:t>区間</a:t>
+            </a:r>
+            <a:r>
+              <a:rPr kumimoji="1" lang="en-US" altLang="ja-JP" dirty="0" smtClean="0"/>
+              <a:t>[0, M]</a:t>
+            </a:r>
+            <a:r>
+              <a:rPr kumimoji="1" lang="ja-JP" altLang="en-US" dirty="0" err="1" smtClean="0"/>
+              <a:t>での</a:t>
+            </a:r>
+            <a:r>
+              <a:rPr lang="ja-JP" altLang="en-US" dirty="0"/>
+              <a:t>一様</a:t>
+            </a:r>
+            <a:r>
+              <a:rPr lang="ja-JP" altLang="en-US" dirty="0" smtClean="0"/>
+              <a:t>乱数</a:t>
+            </a:r>
+            <a:r>
+              <a:rPr lang="en-US" altLang="ja-JP" dirty="0" smtClean="0"/>
+              <a:t>y</a:t>
+            </a:r>
+            <a:r>
+              <a:rPr lang="en-US" altLang="ja-JP" baseline="-25000" dirty="0" smtClean="0"/>
+              <a:t>i</a:t>
+            </a:r>
+            <a:r>
+              <a:rPr lang="ja-JP" altLang="en-US" dirty="0"/>
+              <a:t>を発生させる</a:t>
+            </a:r>
+            <a:r>
+              <a:rPr lang="ja-JP" altLang="en-US" dirty="0" smtClean="0"/>
+              <a:t>。</a:t>
+            </a:r>
+            <a:endParaRPr lang="en-US" altLang="ja-JP" dirty="0" smtClean="0"/>
+          </a:p>
+          <a:p>
+            <a:pPr lvl="1"/>
+            <a:r>
+              <a:rPr lang="en-US" altLang="ja-JP" dirty="0" smtClean="0"/>
+              <a:t>(4) x</a:t>
+            </a:r>
+            <a:r>
+              <a:rPr lang="en-US" altLang="ja-JP" baseline="-25000" dirty="0" smtClean="0"/>
+              <a:t>i</a:t>
+            </a:r>
+            <a:r>
+              <a:rPr lang="en-US" altLang="ja-JP" dirty="0" smtClean="0"/>
+              <a:t>, y</a:t>
+            </a:r>
+            <a:r>
+              <a:rPr lang="en-US" altLang="ja-JP" baseline="-25000" dirty="0" smtClean="0"/>
+              <a:t>i</a:t>
+            </a:r>
+            <a:r>
+              <a:rPr lang="ja-JP" altLang="en-US" dirty="0" smtClean="0"/>
+              <a:t>が、</a:t>
+            </a:r>
+            <a:r>
+              <a:rPr lang="en-US" altLang="ja-JP" dirty="0" smtClean="0"/>
+              <a:t>f(x</a:t>
+            </a:r>
+            <a:r>
+              <a:rPr lang="en-US" altLang="ja-JP" baseline="-25000" dirty="0" smtClean="0"/>
+              <a:t>i</a:t>
+            </a:r>
+            <a:r>
+              <a:rPr lang="en-US" altLang="ja-JP" dirty="0" smtClean="0"/>
+              <a:t>) &gt; y</a:t>
+            </a:r>
+            <a:r>
+              <a:rPr lang="en-US" altLang="ja-JP" baseline="-25000" dirty="0" smtClean="0"/>
+              <a:t>i</a:t>
+            </a:r>
+            <a:r>
+              <a:rPr lang="ja-JP" altLang="en-US" dirty="0" smtClean="0"/>
+              <a:t>を満足する場合のみ、</a:t>
+            </a:r>
+            <a:r>
+              <a:rPr lang="ja-JP" altLang="en-US" dirty="0"/>
+              <a:t>乱数</a:t>
+            </a:r>
+            <a:r>
+              <a:rPr lang="en-US" altLang="ja-JP" dirty="0" smtClean="0"/>
+              <a:t>x</a:t>
+            </a:r>
+            <a:r>
+              <a:rPr lang="en-US" altLang="ja-JP" baseline="-25000" dirty="0" smtClean="0"/>
+              <a:t>i</a:t>
+            </a:r>
+            <a:r>
+              <a:rPr lang="ja-JP" altLang="en-US" dirty="0" smtClean="0"/>
+              <a:t>は与えられた</a:t>
+            </a:r>
+            <a:r>
+              <a:rPr lang="en-US" altLang="ja-JP" dirty="0" smtClean="0"/>
+              <a:t>f(x)</a:t>
+            </a:r>
+            <a:r>
+              <a:rPr lang="ja-JP" altLang="en-US" dirty="0" smtClean="0"/>
+              <a:t>に従うものとして採用し、満足しなければ捨てる。</a:t>
+            </a:r>
+            <a:endParaRPr lang="en-US" altLang="ja-JP" dirty="0" smtClean="0"/>
+          </a:p>
+          <a:p>
+            <a:pPr lvl="1"/>
+            <a:r>
+              <a:rPr lang="en-US" altLang="ja-JP" dirty="0" smtClean="0"/>
+              <a:t>(5) (2)</a:t>
+            </a:r>
+            <a:r>
+              <a:rPr lang="ja-JP" altLang="en-US" dirty="0" smtClean="0"/>
+              <a:t>～</a:t>
+            </a:r>
+            <a:r>
+              <a:rPr lang="en-US" altLang="ja-JP" dirty="0" smtClean="0"/>
+              <a:t>(4)</a:t>
+            </a:r>
+            <a:r>
+              <a:rPr lang="ja-JP" altLang="en-US" dirty="0" smtClean="0"/>
+              <a:t>を繰り返して乱数列を得る。</a:t>
+            </a:r>
+            <a:endParaRPr lang="en-US" altLang="ja-JP" dirty="0"/>
+          </a:p>
+          <a:p>
             <a:endParaRPr kumimoji="1" lang="ja-JP" altLang="en-US" dirty="0"/>
-          </a:p>
-        </p:txBody>
-      </p:sp>
-      <p:sp>
-        <p:nvSpPr>
-          <p:cNvPr id="3" name="コンテンツ プレースホルダー 2"/>
-          <p:cNvSpPr>
-            <a:spLocks noGrp="1"/>
-          </p:cNvSpPr>
-          <p:nvPr>
-            <p:ph sz="quarter" idx="1"/>
-          </p:nvPr>
-        </p:nvSpPr>
-        <p:spPr/>
-        <p:txBody>
-          <a:bodyPr/>
-          <a:lstStyle/>
-          <a:p>
-            <a:r>
-              <a:rPr kumimoji="1" lang="ja-JP" altLang="en-US" dirty="0" smtClean="0"/>
-              <a:t>このプログラムのソースコードは、</a:t>
-            </a:r>
-            <a:r>
-              <a:rPr kumimoji="1" lang="en-US" altLang="ja-JP" dirty="0" smtClean="0"/>
-              <a:t>GitHub</a:t>
-            </a:r>
-            <a:r>
-              <a:rPr kumimoji="1" lang="ja-JP" altLang="en-US" dirty="0" smtClean="0"/>
-              <a:t>上で公開しています</a:t>
-            </a:r>
-            <a:endParaRPr kumimoji="1" lang="en-US" altLang="ja-JP" dirty="0" smtClean="0"/>
-          </a:p>
-          <a:p>
-            <a:r>
-              <a:rPr lang="en-US" altLang="ja-JP" dirty="0" smtClean="0"/>
-              <a:t>https</a:t>
-            </a:r>
-            <a:r>
-              <a:rPr lang="en-US" altLang="ja-JP" dirty="0"/>
-              <a:t>://</a:t>
-            </a:r>
-            <a:r>
-              <a:rPr lang="en-US" altLang="ja-JP" dirty="0" smtClean="0"/>
-              <a:t>github.com/dc1394/schrac</a:t>
-            </a:r>
-          </a:p>
-          <a:p>
-            <a:r>
-              <a:rPr lang="ja-JP" altLang="en-US" dirty="0"/>
-              <a:t>ライセンス</a:t>
-            </a:r>
-            <a:r>
-              <a:rPr lang="ja-JP" altLang="en-US" dirty="0" smtClean="0"/>
-              <a:t>は修正</a:t>
-            </a:r>
-            <a:r>
-              <a:rPr lang="en-US" altLang="ja-JP" dirty="0" smtClean="0"/>
-              <a:t>BSD</a:t>
-            </a:r>
-            <a:r>
-              <a:rPr lang="ja-JP" altLang="en-US" dirty="0" smtClean="0"/>
-              <a:t>ライセンスとします。</a:t>
-            </a:r>
-            <a:endParaRPr lang="en-US" altLang="ja-JP" dirty="0" smtClean="0"/>
           </a:p>
         </p:txBody>
       </p:sp>
     </p:spTree>
     <p:extLst>
       <p:ext uri="{BB962C8B-B14F-4D97-AF65-F5344CB8AC3E}">
-        <p14:creationId xmlns:p14="http://schemas.microsoft.com/office/powerpoint/2010/main" val="3991096573"/>
+        <p14:creationId xmlns:p14="http://schemas.microsoft.com/office/powerpoint/2010/main" val="3109470819"/>
       </p:ext>
     </p:extLst>
   </p:cSld>
@@ -5832,10 +5836,14 @@
           <a:lstStyle/>
           <a:p>
             <a:r>
-              <a:rPr lang="ja-JP" altLang="en-US" smtClean="0"/>
-              <a:t>まとめ</a:t>
-            </a:r>
-            <a:endParaRPr lang="ja-JP" altLang="en-US" dirty="0"/>
+              <a:rPr kumimoji="1" lang="en-US" altLang="ja-JP" dirty="0" smtClean="0"/>
+              <a:t>SchracVisualize</a:t>
+            </a:r>
+            <a:r>
+              <a:rPr kumimoji="1" lang="ja-JP" altLang="en-US" dirty="0" smtClean="0"/>
+              <a:t>の特徴</a:t>
+            </a:r>
+            <a:endParaRPr kumimoji="1" lang="ja-JP" altLang="en-US" dirty="0"/>
           </a:p>
         </p:txBody>
       </p:sp>
@@ -5855,42 +5863,259 @@
           <a:lstStyle/>
           <a:p>
             <a:r>
-              <a:rPr lang="en-US" altLang="ja-JP" dirty="0" err="1" smtClean="0"/>
-              <a:t>Sch</a:t>
-            </a:r>
-            <a:r>
-              <a:rPr lang="ja-JP" altLang="en-US" dirty="0" smtClean="0"/>
-              <a:t>方程式を、原点付近と原点から十分遠い点から数値的に解いた。</a:t>
+              <a:rPr kumimoji="1" lang="ja-JP" altLang="en-US" dirty="0" smtClean="0"/>
+              <a:t>前ページの方法で得られた乱数列を用いて、波動関数と電子密度を描画する。</a:t>
+            </a:r>
+            <a:endParaRPr kumimoji="1" lang="en-US" altLang="ja-JP" dirty="0" smtClean="0"/>
+          </a:p>
+          <a:p>
+            <a:r>
+              <a:rPr lang="en-US" altLang="ja-JP" dirty="0" smtClean="0"/>
+              <a:t>SchracVisualize</a:t>
+            </a:r>
+            <a:r>
+              <a:rPr lang="ja-JP" altLang="en-US" dirty="0" smtClean="0"/>
+              <a:t>では、描画に</a:t>
+            </a:r>
+            <a:r>
+              <a:rPr lang="en-US" altLang="ja-JP" dirty="0" smtClean="0"/>
+              <a:t>Microsoft DirectX 10</a:t>
+            </a:r>
+            <a:r>
+              <a:rPr lang="ja-JP" altLang="en-US" dirty="0" smtClean="0"/>
+              <a:t>を用いている。</a:t>
             </a:r>
             <a:endParaRPr lang="en-US" altLang="ja-JP" dirty="0" smtClean="0"/>
           </a:p>
           <a:p>
             <a:r>
-              <a:rPr lang="ja-JP" altLang="en-US" dirty="0" smtClean="0"/>
-              <a:t>それぞれの解を接合することにより、固有値及び波動関数を得た。</a:t>
-            </a:r>
-            <a:endParaRPr lang="en-US" altLang="ja-JP" dirty="0" smtClean="0"/>
-          </a:p>
-          <a:p>
-            <a:r>
-              <a:rPr lang="ja-JP" altLang="en-US" dirty="0" smtClean="0"/>
-              <a:t>計算によって得られた波動関数から、運動エネルギー及びポテンシャルエネルギーを計算した。</a:t>
-            </a:r>
-            <a:endParaRPr lang="en-US" altLang="ja-JP" dirty="0" smtClean="0"/>
-          </a:p>
-          <a:p>
-            <a:r>
-              <a:rPr lang="ja-JP" altLang="en-US" dirty="0" smtClean="0"/>
-              <a:t>計算で求めた固有値及び波動関数のいずれも、解析的に求められる値とほとんど完全に一致していた。</a:t>
-            </a:r>
-            <a:endParaRPr lang="en-US" altLang="ja-JP" dirty="0" smtClean="0"/>
+              <a:rPr kumimoji="1" lang="ja-JP" altLang="en-US" dirty="0" smtClean="0"/>
+              <a:t>また、計算に時間がかかるので、描画スレッドと計算スレッドを分離している。</a:t>
+            </a:r>
+            <a:endParaRPr kumimoji="1" lang="en-US" altLang="ja-JP" dirty="0" smtClean="0"/>
+          </a:p>
+          <a:p>
+            <a:r>
+              <a:rPr kumimoji="1" lang="ja-JP" altLang="en-US" dirty="0" smtClean="0"/>
+              <a:t>計算スレッドはさらに、実行環境の</a:t>
+            </a:r>
+            <a:r>
+              <a:rPr kumimoji="1" lang="en-US" altLang="ja-JP" dirty="0" smtClean="0"/>
+              <a:t>CPU</a:t>
+            </a:r>
+            <a:r>
+              <a:rPr kumimoji="1" lang="ja-JP" altLang="en-US" dirty="0" smtClean="0"/>
+              <a:t>コア数に応じた孫スレッドを生成し、それを並列計算に用いる（</a:t>
+            </a:r>
+            <a:r>
+              <a:rPr kumimoji="1" lang="en-US" altLang="ja-JP" dirty="0" smtClean="0"/>
+              <a:t>TBB</a:t>
+            </a:r>
+            <a:r>
+              <a:rPr kumimoji="1" lang="ja-JP" altLang="en-US" dirty="0" smtClean="0"/>
+              <a:t>ライブラリを用いている）。</a:t>
+            </a:r>
+            <a:endParaRPr kumimoji="1" lang="ja-JP" altLang="en-US" dirty="0"/>
           </a:p>
         </p:txBody>
       </p:sp>
     </p:spTree>
     <p:extLst>
       <p:ext uri="{BB962C8B-B14F-4D97-AF65-F5344CB8AC3E}">
-        <p14:creationId xmlns:p14="http://schemas.microsoft.com/office/powerpoint/2010/main" val="4033363336"/>
+        <p14:creationId xmlns:p14="http://schemas.microsoft.com/office/powerpoint/2010/main" val="3465289069"/>
+      </p:ext>
+    </p:extLst>
+  </p:cSld>
+  <p:clrMapOvr>
+    <a:masterClrMapping/>
+  </p:clrMapOvr>
+</p:sld>
+</file>
+
+<file path=ppt/slides/slide16.xml><?xml version="1.0" encoding="utf-8"?>
+<p:sld xmlns:a="http://schemas.openxmlformats.org/drawingml/2006/main" xmlns:r="http://schemas.openxmlformats.org/officeDocument/2006/relationships" xmlns:p="http://schemas.openxmlformats.org/presentationml/2006/main">
+  <p:cSld>
+    <p:spTree>
+      <p:nvGrpSpPr>
+        <p:cNvPr id="1" name=""/>
+        <p:cNvGrpSpPr/>
+        <p:nvPr/>
+      </p:nvGrpSpPr>
+      <p:grpSpPr>
+        <a:xfrm>
+          <a:off x="0" y="0"/>
+          <a:ext cx="0" cy="0"/>
+          <a:chOff x="0" y="0"/>
+          <a:chExt cx="0" cy="0"/>
+        </a:xfrm>
+      </p:grpSpPr>
+      <p:sp>
+        <p:nvSpPr>
+          <p:cNvPr id="2" name="タイトル 1"/>
+          <p:cNvSpPr>
+            <a:spLocks noGrp="1"/>
+          </p:cNvSpPr>
+          <p:nvPr>
+            <p:ph type="title"/>
+          </p:nvPr>
+        </p:nvSpPr>
+        <p:spPr/>
+        <p:txBody>
+          <a:bodyPr/>
+          <a:lstStyle/>
+          <a:p>
+            <a:r>
+              <a:rPr kumimoji="1" lang="en-US" altLang="ja-JP" dirty="0" smtClean="0"/>
+              <a:t>SchracVisualize</a:t>
+            </a:r>
+            <a:r>
+              <a:rPr kumimoji="1" lang="ja-JP" altLang="en-US" dirty="0" smtClean="0"/>
+              <a:t>の実演</a:t>
+            </a:r>
+            <a:endParaRPr kumimoji="1" lang="ja-JP" altLang="en-US" dirty="0"/>
+          </a:p>
+        </p:txBody>
+      </p:sp>
+      <p:sp>
+        <p:nvSpPr>
+          <p:cNvPr id="3" name="コンテンツ プレースホルダー 2"/>
+          <p:cNvSpPr>
+            <a:spLocks noGrp="1"/>
+          </p:cNvSpPr>
+          <p:nvPr>
+            <p:ph sz="quarter" idx="1"/>
+          </p:nvPr>
+        </p:nvSpPr>
+        <p:spPr/>
+        <p:txBody>
+          <a:bodyPr/>
+          <a:lstStyle/>
+          <a:p>
+            <a:endParaRPr kumimoji="1" lang="ja-JP" altLang="en-US" dirty="0"/>
+          </a:p>
+        </p:txBody>
+      </p:sp>
+    </p:spTree>
+    <p:extLst>
+      <p:ext uri="{BB962C8B-B14F-4D97-AF65-F5344CB8AC3E}">
+        <p14:creationId xmlns:p14="http://schemas.microsoft.com/office/powerpoint/2010/main" val="741567701"/>
+      </p:ext>
+    </p:extLst>
+  </p:cSld>
+  <p:clrMapOvr>
+    <a:masterClrMapping/>
+  </p:clrMapOvr>
+</p:sld>
+</file>
+
+<file path=ppt/slides/slide17.xml><?xml version="1.0" encoding="utf-8"?>
+<p:sld xmlns:a="http://schemas.openxmlformats.org/drawingml/2006/main" xmlns:r="http://schemas.openxmlformats.org/officeDocument/2006/relationships" xmlns:p="http://schemas.openxmlformats.org/presentationml/2006/main">
+  <p:cSld>
+    <p:spTree>
+      <p:nvGrpSpPr>
+        <p:cNvPr id="1" name=""/>
+        <p:cNvGrpSpPr/>
+        <p:nvPr/>
+      </p:nvGrpSpPr>
+      <p:grpSpPr>
+        <a:xfrm>
+          <a:off x="0" y="0"/>
+          <a:ext cx="0" cy="0"/>
+          <a:chOff x="0" y="0"/>
+          <a:chExt cx="0" cy="0"/>
+        </a:xfrm>
+      </p:grpSpPr>
+      <p:sp>
+        <p:nvSpPr>
+          <p:cNvPr id="2" name="タイトル 1"/>
+          <p:cNvSpPr>
+            <a:spLocks noGrp="1"/>
+          </p:cNvSpPr>
+          <p:nvPr>
+            <p:ph type="title"/>
+          </p:nvPr>
+        </p:nvSpPr>
+        <p:spPr/>
+        <p:txBody>
+          <a:bodyPr/>
+          <a:lstStyle/>
+          <a:p>
+            <a:r>
+              <a:rPr lang="ja-JP" altLang="en-US" dirty="0"/>
+              <a:t>ソース</a:t>
+            </a:r>
+            <a:r>
+              <a:rPr kumimoji="1" lang="ja-JP" altLang="en-US" dirty="0" smtClean="0"/>
+              <a:t>コードへのリンク</a:t>
+            </a:r>
+            <a:endParaRPr kumimoji="1" lang="ja-JP" altLang="en-US" dirty="0"/>
+          </a:p>
+        </p:txBody>
+      </p:sp>
+      <p:sp>
+        <p:nvSpPr>
+          <p:cNvPr id="3" name="コンテンツ プレースホルダー 2"/>
+          <p:cNvSpPr>
+            <a:spLocks noGrp="1"/>
+          </p:cNvSpPr>
+          <p:nvPr>
+            <p:ph sz="quarter" idx="1"/>
+          </p:nvPr>
+        </p:nvSpPr>
+        <p:spPr/>
+        <p:txBody>
+          <a:bodyPr/>
+          <a:lstStyle/>
+          <a:p>
+            <a:r>
+              <a:rPr kumimoji="1" lang="ja-JP" altLang="en-US" dirty="0" smtClean="0"/>
+              <a:t>このプログラムのソースコードは、</a:t>
+            </a:r>
+            <a:r>
+              <a:rPr kumimoji="1" lang="en-US" altLang="ja-JP" dirty="0" smtClean="0"/>
+              <a:t>GitHub</a:t>
+            </a:r>
+            <a:r>
+              <a:rPr kumimoji="1" lang="ja-JP" altLang="en-US" dirty="0" smtClean="0"/>
+              <a:t>上で公開して</a:t>
+            </a:r>
+            <a:r>
+              <a:rPr kumimoji="1" lang="ja-JP" altLang="en-US" dirty="0" smtClean="0"/>
+              <a:t>います。</a:t>
+            </a:r>
+            <a:endParaRPr kumimoji="1" lang="en-US" altLang="ja-JP" dirty="0" smtClean="0"/>
+          </a:p>
+          <a:p>
+            <a:r>
+              <a:rPr lang="en-US" altLang="ja-JP" dirty="0"/>
+              <a:t>https://github.com/dc1394/SchracVisualize</a:t>
+            </a:r>
+          </a:p>
+          <a:p>
+            <a:r>
+              <a:rPr lang="ja-JP" altLang="en-US" dirty="0" smtClean="0"/>
+              <a:t>ライセンス</a:t>
+            </a:r>
+            <a:r>
+              <a:rPr lang="ja-JP" altLang="en-US" dirty="0" smtClean="0"/>
+              <a:t>は修正</a:t>
+            </a:r>
+            <a:r>
+              <a:rPr lang="en-US" altLang="ja-JP" dirty="0" smtClean="0"/>
+              <a:t>BSD</a:t>
+            </a:r>
+            <a:r>
+              <a:rPr lang="ja-JP" altLang="en-US" dirty="0" smtClean="0"/>
+              <a:t>ライセンスとします。</a:t>
+            </a:r>
+            <a:endParaRPr lang="en-US" altLang="ja-JP" dirty="0" smtClean="0"/>
+          </a:p>
+        </p:txBody>
+      </p:sp>
+    </p:spTree>
+    <p:extLst>
+      <p:ext uri="{BB962C8B-B14F-4D97-AF65-F5344CB8AC3E}">
+        <p14:creationId xmlns:p14="http://schemas.microsoft.com/office/powerpoint/2010/main" val="3991096573"/>
       </p:ext>
     </p:extLst>
   </p:cSld>
@@ -6190,6 +6415,193 @@
 </file>
 
 <file path=ppt/slides/slide4.xml><?xml version="1.0" encoding="utf-8"?>
+<p:sld xmlns:a="http://schemas.openxmlformats.org/drawingml/2006/main" xmlns:r="http://schemas.openxmlformats.org/officeDocument/2006/relationships" xmlns:p="http://schemas.openxmlformats.org/presentationml/2006/main">
+  <p:cSld>
+    <p:spTree>
+      <p:nvGrpSpPr>
+        <p:cNvPr id="1" name=""/>
+        <p:cNvGrpSpPr/>
+        <p:nvPr/>
+      </p:nvGrpSpPr>
+      <p:grpSpPr>
+        <a:xfrm>
+          <a:off x="0" y="0"/>
+          <a:ext cx="0" cy="0"/>
+          <a:chOff x="0" y="0"/>
+          <a:chExt cx="0" cy="0"/>
+        </a:xfrm>
+      </p:grpSpPr>
+      <p:sp>
+        <p:nvSpPr>
+          <p:cNvPr id="2" name="タイトル 1"/>
+          <p:cNvSpPr>
+            <a:spLocks noGrp="1"/>
+          </p:cNvSpPr>
+          <p:nvPr>
+            <p:ph type="title"/>
+          </p:nvPr>
+        </p:nvSpPr>
+        <p:spPr/>
+        <p:txBody>
+          <a:bodyPr>
+            <a:normAutofit fontScale="90000"/>
+          </a:bodyPr>
+          <a:lstStyle/>
+          <a:p>
+            <a:r>
+              <a:rPr kumimoji="1" lang="ja-JP" altLang="en-US" dirty="0" smtClean="0"/>
+              <a:t>使用するプログラム言語、ライブラリ等</a:t>
+            </a:r>
+            <a:endParaRPr kumimoji="1" lang="ja-JP" altLang="en-US" dirty="0"/>
+          </a:p>
+        </p:txBody>
+      </p:sp>
+      <p:sp>
+        <p:nvSpPr>
+          <p:cNvPr id="3" name="コンテンツ プレースホルダー 2"/>
+          <p:cNvSpPr>
+            <a:spLocks noGrp="1"/>
+          </p:cNvSpPr>
+          <p:nvPr>
+            <p:ph sz="quarter" idx="1"/>
+          </p:nvPr>
+        </p:nvSpPr>
+        <p:spPr/>
+        <p:txBody>
+          <a:bodyPr/>
+          <a:lstStyle/>
+          <a:p>
+            <a:r>
+              <a:rPr kumimoji="1" lang="ja-JP" altLang="en-US" dirty="0" smtClean="0"/>
+              <a:t>プログラム言語は</a:t>
+            </a:r>
+            <a:r>
+              <a:rPr kumimoji="1" lang="en-US" altLang="ja-JP" dirty="0" smtClean="0"/>
+              <a:t>C++11</a:t>
+            </a:r>
+            <a:r>
+              <a:rPr kumimoji="1" lang="ja-JP" altLang="en-US" dirty="0" smtClean="0"/>
+              <a:t>を使用する。</a:t>
+            </a:r>
+            <a:endParaRPr kumimoji="1" lang="en-US" altLang="ja-JP" dirty="0" smtClean="0"/>
+          </a:p>
+          <a:p>
+            <a:r>
+              <a:rPr lang="en-US" altLang="ja-JP" dirty="0" smtClean="0"/>
+              <a:t>Boost</a:t>
+            </a:r>
+            <a:r>
+              <a:rPr lang="ja-JP" altLang="en-US" dirty="0"/>
+              <a:t> </a:t>
+            </a:r>
+            <a:r>
+              <a:rPr lang="en-US" altLang="ja-JP" dirty="0" smtClean="0"/>
+              <a:t>C++ Libraries</a:t>
+            </a:r>
+            <a:r>
+              <a:rPr lang="ja-JP" altLang="en-US" dirty="0" smtClean="0"/>
+              <a:t>を使用する</a:t>
+            </a:r>
+            <a:r>
+              <a:rPr lang="ja-JP" altLang="en-US" dirty="0" smtClean="0"/>
+              <a:t>。</a:t>
+            </a:r>
+            <a:endParaRPr lang="en-US" altLang="ja-JP" dirty="0" smtClean="0"/>
+          </a:p>
+          <a:p>
+            <a:r>
+              <a:rPr lang="ja-JP" altLang="en-US" dirty="0" smtClean="0"/>
+              <a:t>三次元の可視化のために、</a:t>
+            </a:r>
+            <a:r>
+              <a:rPr lang="en-US" altLang="ja-JP" dirty="0" smtClean="0"/>
+              <a:t>Microsoft DirectX 10</a:t>
+            </a:r>
+            <a:r>
+              <a:rPr lang="ja-JP" altLang="en-US" dirty="0" smtClean="0"/>
+              <a:t>を使用する。</a:t>
+            </a:r>
+            <a:endParaRPr lang="en-US" altLang="ja-JP" dirty="0" smtClean="0"/>
+          </a:p>
+          <a:p>
+            <a:r>
+              <a:rPr lang="en-US" altLang="ja-JP" dirty="0" smtClean="0"/>
+              <a:t>Spline</a:t>
+            </a:r>
+            <a:r>
+              <a:rPr lang="ja-JP" altLang="en-US" dirty="0" smtClean="0"/>
+              <a:t>補間のために、</a:t>
+            </a:r>
+            <a:r>
+              <a:rPr lang="en-US" altLang="ja-JP" dirty="0" smtClean="0"/>
+              <a:t>GNU </a:t>
+            </a:r>
+            <a:r>
+              <a:rPr lang="en-US" altLang="ja-JP" dirty="0"/>
+              <a:t>Scientific Library (GSL</a:t>
+            </a:r>
+            <a:r>
+              <a:rPr lang="en-US" altLang="ja-JP" dirty="0" smtClean="0"/>
+              <a:t>)</a:t>
+            </a:r>
+            <a:r>
+              <a:rPr lang="ja-JP" altLang="en-US" dirty="0" smtClean="0"/>
+              <a:t>に含まれているものを使用する。</a:t>
+            </a:r>
+            <a:endParaRPr lang="en-US" altLang="ja-JP" dirty="0" smtClean="0"/>
+          </a:p>
+          <a:p>
+            <a:r>
+              <a:rPr lang="ja-JP" altLang="en-US" dirty="0" smtClean="0"/>
+              <a:t>さらに、並列</a:t>
+            </a:r>
+            <a:r>
+              <a:rPr lang="ja-JP" altLang="en-US" dirty="0"/>
+              <a:t>計算のため</a:t>
+            </a:r>
+            <a:r>
+              <a:rPr lang="ja-JP" altLang="en-US" dirty="0" smtClean="0"/>
+              <a:t>に、</a:t>
+            </a:r>
+            <a:r>
+              <a:rPr lang="en-US" altLang="ja-JP" dirty="0" smtClean="0"/>
+              <a:t>Threading Building Blocks (TBB)</a:t>
+            </a:r>
+            <a:r>
+              <a:rPr lang="ja-JP" altLang="en-US" dirty="0" smtClean="0"/>
+              <a:t>を使用する。</a:t>
+            </a:r>
+            <a:endParaRPr lang="en-US" altLang="ja-JP" dirty="0" smtClean="0"/>
+          </a:p>
+          <a:p>
+            <a:endParaRPr kumimoji="1" lang="en-US" altLang="ja-JP" dirty="0" smtClean="0"/>
+          </a:p>
+          <a:p>
+            <a:endParaRPr kumimoji="1" lang="ja-JP" altLang="en-US" dirty="0"/>
+          </a:p>
+        </p:txBody>
+      </p:sp>
+    </p:spTree>
+    <p:extLst>
+      <p:ext uri="{BB962C8B-B14F-4D97-AF65-F5344CB8AC3E}">
+        <p14:creationId xmlns:p14="http://schemas.microsoft.com/office/powerpoint/2010/main" val="1927038782"/>
+      </p:ext>
+    </p:extLst>
+  </p:cSld>
+  <p:clrMapOvr>
+    <a:masterClrMapping/>
+  </p:clrMapOvr>
+  <p:timing>
+    <p:tnLst>
+      <p:par>
+        <p:cTn id="1" dur="indefinite" restart="never" nodeType="tmRoot"/>
+      </p:par>
+    </p:tnLst>
+  </p:timing>
+</p:sld>
+</file>
+
+<file path=ppt/slides/slide5.xml><?xml version="1.0" encoding="utf-8"?>
 <p:sld xmlns:a="http://schemas.openxmlformats.org/drawingml/2006/main" xmlns:r="http://schemas.openxmlformats.org/officeDocument/2006/relationships" xmlns:p="http://schemas.openxmlformats.org/presentationml/2006/main">
   <p:cSld>
     <p:spTree>
@@ -6350,7 +6762,7 @@
 </p:sld>
 </file>
 
-<file path=ppt/slides/slide5.xml><?xml version="1.0" encoding="utf-8"?>
+<file path=ppt/slides/slide6.xml><?xml version="1.0" encoding="utf-8"?>
 <p:sld xmlns:a="http://schemas.openxmlformats.org/drawingml/2006/main" xmlns:r="http://schemas.openxmlformats.org/officeDocument/2006/relationships" xmlns:p="http://schemas.openxmlformats.org/presentationml/2006/main">
   <p:cSld>
     <p:spTree>
@@ -6453,15 +6865,7 @@
           <a:p>
             <a:r>
               <a:rPr kumimoji="1" lang="ja-JP" altLang="en-US" dirty="0" smtClean="0"/>
-              <a:t>数値データよりは、意味を把握しやすくなったが、</a:t>
-            </a:r>
-            <a:r>
-              <a:rPr kumimoji="1" lang="ja-JP" altLang="en-US" dirty="0" smtClean="0"/>
-              <a:t>やはりまだ味気ない</a:t>
-            </a:r>
-            <a:r>
-              <a:rPr kumimoji="1" lang="ja-JP" altLang="en-US" dirty="0" smtClean="0"/>
-              <a:t>。</a:t>
+              <a:t>数値データよりは、意味を把握しやすくなったが、やはりまだ味気ない。</a:t>
             </a:r>
             <a:endParaRPr kumimoji="1" lang="en-US" altLang="ja-JP" dirty="0" smtClean="0"/>
           </a:p>
@@ -6535,113 +6939,6 @@
 </p:sld>
 </file>
 
-<file path=ppt/slides/slide6.xml><?xml version="1.0" encoding="utf-8"?>
-<p:sld xmlns:a="http://schemas.openxmlformats.org/drawingml/2006/main" xmlns:r="http://schemas.openxmlformats.org/officeDocument/2006/relationships" xmlns:p="http://schemas.openxmlformats.org/presentationml/2006/main">
-  <p:cSld>
-    <p:spTree>
-      <p:nvGrpSpPr>
-        <p:cNvPr id="1" name=""/>
-        <p:cNvGrpSpPr/>
-        <p:nvPr/>
-      </p:nvGrpSpPr>
-      <p:grpSpPr>
-        <a:xfrm>
-          <a:off x="0" y="0"/>
-          <a:ext cx="0" cy="0"/>
-          <a:chOff x="0" y="0"/>
-          <a:chExt cx="0" cy="0"/>
-        </a:xfrm>
-      </p:grpSpPr>
-      <p:sp>
-        <p:nvSpPr>
-          <p:cNvPr id="2" name="タイトル 1"/>
-          <p:cNvSpPr>
-            <a:spLocks noGrp="1"/>
-          </p:cNvSpPr>
-          <p:nvPr>
-            <p:ph type="title"/>
-          </p:nvPr>
-        </p:nvSpPr>
-        <p:spPr/>
-        <p:txBody>
-          <a:bodyPr/>
-          <a:lstStyle/>
-          <a:p>
-            <a:r>
-              <a:rPr kumimoji="1" lang="ja-JP" altLang="en-US" dirty="0" smtClean="0"/>
-              <a:t>波動関数と電子密度の可視化</a:t>
-            </a:r>
-            <a:endParaRPr kumimoji="1" lang="ja-JP" altLang="en-US" dirty="0"/>
-          </a:p>
-        </p:txBody>
-      </p:sp>
-      <p:sp>
-        <p:nvSpPr>
-          <p:cNvPr id="3" name="コンテンツ プレースホルダー 2"/>
-          <p:cNvSpPr>
-            <a:spLocks noGrp="1"/>
-          </p:cNvSpPr>
-          <p:nvPr>
-            <p:ph sz="quarter" idx="1"/>
-          </p:nvPr>
-        </p:nvSpPr>
-        <p:spPr/>
-        <p:txBody>
-          <a:bodyPr/>
-          <a:lstStyle/>
-          <a:p>
-            <a:r>
-              <a:rPr kumimoji="1" lang="ja-JP" altLang="en-US" dirty="0" smtClean="0"/>
-              <a:t>波動関数と電子密度を三次元的に把握するには、動径波動関数</a:t>
-            </a:r>
-            <a:r>
-              <a:rPr kumimoji="1" lang="en-US" altLang="ja-JP" dirty="0" smtClean="0"/>
-              <a:t>R</a:t>
-            </a:r>
-            <a:r>
-              <a:rPr kumimoji="1" lang="en-US" altLang="ja-JP" baseline="-25000" dirty="0" smtClean="0"/>
-              <a:t>nl</a:t>
-            </a:r>
-            <a:r>
-              <a:rPr kumimoji="1" lang="en-US" altLang="ja-JP" dirty="0" smtClean="0"/>
-              <a:t>(r)</a:t>
-            </a:r>
-            <a:r>
-              <a:rPr kumimoji="1" lang="ja-JP" altLang="en-US" dirty="0" err="1" smtClean="0"/>
-              <a:t>だけ</a:t>
-            </a:r>
-            <a:r>
-              <a:rPr kumimoji="1" lang="ja-JP" altLang="en-US" dirty="0" smtClean="0"/>
-              <a:t>では不十分である。</a:t>
-            </a:r>
-            <a:endParaRPr kumimoji="1" lang="en-US" altLang="ja-JP" smtClean="0"/>
-          </a:p>
-          <a:p>
-            <a:r>
-              <a:rPr kumimoji="1" lang="ja-JP" altLang="en-US" smtClean="0"/>
-              <a:t>変数分</a:t>
-            </a:r>
-            <a:r>
-              <a:rPr kumimoji="1" lang="ja-JP" altLang="en-US" dirty="0" smtClean="0"/>
-              <a:t>離した、</a:t>
-            </a:r>
-            <a:endParaRPr kumimoji="1" lang="ja-JP" altLang="en-US" dirty="0"/>
-          </a:p>
-        </p:txBody>
-      </p:sp>
-    </p:spTree>
-    <p:extLst>
-      <p:ext uri="{BB962C8B-B14F-4D97-AF65-F5344CB8AC3E}">
-        <p14:creationId xmlns:p14="http://schemas.microsoft.com/office/powerpoint/2010/main" val="3277496340"/>
-      </p:ext>
-    </p:extLst>
-  </p:cSld>
-  <p:clrMapOvr>
-    <a:masterClrMapping/>
-  </p:clrMapOvr>
-</p:sld>
-</file>
-
 <file path=ppt/slides/slide7.xml><?xml version="1.0" encoding="utf-8"?>
 <p:sld xmlns:a="http://schemas.openxmlformats.org/drawingml/2006/main" xmlns:r="http://schemas.openxmlformats.org/officeDocument/2006/relationships" xmlns:p="http://schemas.openxmlformats.org/presentationml/2006/main">
   <p:cSld>
@@ -6671,14 +6968,12 @@
         </p:nvSpPr>
         <p:spPr/>
         <p:txBody>
-          <a:bodyPr>
-            <a:normAutofit/>
-          </a:bodyPr>
+          <a:bodyPr/>
           <a:lstStyle/>
           <a:p>
             <a:r>
               <a:rPr kumimoji="1" lang="ja-JP" altLang="en-US" dirty="0" smtClean="0"/>
-              <a:t>波動関数の構成</a:t>
+              <a:t>波動関数と電子密度の可視化</a:t>
             </a:r>
             <a:endParaRPr kumimoji="1" lang="ja-JP" altLang="en-US" dirty="0"/>
           </a:p>
@@ -6694,21 +6989,38 @@
             <p:ph sz="quarter" idx="1"/>
           </p:nvPr>
         </p:nvSpPr>
-        <p:spPr>
-          <a:xfrm>
-            <a:off x="612648" y="1600200"/>
-            <a:ext cx="8153400" cy="5069160"/>
-          </a:xfrm>
-        </p:spPr>
-        <p:txBody>
-          <a:bodyPr>
-            <a:normAutofit/>
-          </a:bodyPr>
+        <p:spPr/>
+        <p:txBody>
+          <a:bodyPr/>
           <a:lstStyle/>
           <a:p>
             <a:r>
               <a:rPr kumimoji="1" lang="ja-JP" altLang="en-US" dirty="0" smtClean="0"/>
-              <a:t>ここで、動径波動関数</a:t>
+              <a:t>波動関数</a:t>
+            </a:r>
+            <a:r>
+              <a:rPr kumimoji="1" lang="en-US" altLang="ja-JP" dirty="0" smtClean="0"/>
+              <a:t>ψ(r,θ,φ)</a:t>
+            </a:r>
+            <a:r>
+              <a:rPr kumimoji="1" lang="ja-JP" altLang="en-US" dirty="0" smtClean="0"/>
+              <a:t>と電子密度</a:t>
+            </a:r>
+            <a:r>
+              <a:rPr kumimoji="1" lang="en-US" altLang="ja-JP" dirty="0" smtClean="0"/>
+              <a:t>ρ</a:t>
+            </a:r>
+            <a:r>
+              <a:rPr lang="en-US" altLang="ja-JP" dirty="0" smtClean="0"/>
+              <a:t>(r,θ,φ</a:t>
+            </a:r>
+            <a:r>
+              <a:rPr lang="en-US" altLang="ja-JP" dirty="0"/>
+              <a:t>)</a:t>
+            </a:r>
+            <a:r>
+              <a:rPr kumimoji="1" lang="ja-JP" altLang="en-US" dirty="0" smtClean="0"/>
+              <a:t>を三次元的に把握するには、動径波動関数</a:t>
             </a:r>
             <a:r>
               <a:rPr kumimoji="1" lang="en-US" altLang="ja-JP" dirty="0" smtClean="0"/>
@@ -6723,59 +7035,59 @@
               <a:t>(r)</a:t>
             </a:r>
             <a:r>
+              <a:rPr kumimoji="1" lang="ja-JP" altLang="en-US" dirty="0" err="1" smtClean="0"/>
+              <a:t>だけ</a:t>
+            </a:r>
+            <a:r>
               <a:rPr kumimoji="1" lang="ja-JP" altLang="en-US" dirty="0" smtClean="0"/>
-              <a:t>を用いて、波動関数</a:t>
+              <a:t>では不十分である。</a:t>
+            </a:r>
+            <a:endParaRPr kumimoji="1" lang="en-US" altLang="ja-JP" dirty="0" smtClean="0"/>
+          </a:p>
+          <a:p>
+            <a:r>
+              <a:rPr lang="en-US" altLang="ja-JP" dirty="0"/>
+              <a:t>ψ(r,θ,φ)</a:t>
+            </a:r>
+            <a:r>
+              <a:rPr lang="ja-JP" altLang="en-US" dirty="0" smtClean="0"/>
+              <a:t>は、</a:t>
+            </a:r>
+            <a:r>
+              <a:rPr lang="en-US" altLang="ja-JP" dirty="0" smtClean="0"/>
+              <a:t>R</a:t>
+            </a:r>
+            <a:r>
+              <a:rPr lang="en-US" altLang="ja-JP" baseline="-25000" dirty="0" smtClean="0"/>
+              <a:t>nl</a:t>
+            </a:r>
+            <a:r>
+              <a:rPr lang="en-US" altLang="ja-JP" dirty="0" smtClean="0"/>
+              <a:t>(r)</a:t>
+            </a:r>
+            <a:r>
+              <a:rPr lang="ja-JP" altLang="en-US" dirty="0" smtClean="0"/>
+              <a:t>と、</a:t>
+            </a:r>
+            <a:r>
+              <a:rPr kumimoji="1" lang="ja-JP" altLang="en-US" dirty="0" smtClean="0"/>
+              <a:t>球面調和関数</a:t>
             </a:r>
             <a:r>
               <a:rPr kumimoji="1" lang="en-US" altLang="ja-JP" dirty="0" smtClean="0"/>
-              <a:t>ψ</a:t>
-            </a:r>
-            <a:r>
-              <a:rPr lang="en-US" altLang="ja-JP" dirty="0" smtClean="0"/>
-              <a:t>(r,θ,φ)</a:t>
-            </a:r>
-            <a:r>
-              <a:rPr lang="ja-JP" altLang="en-US" dirty="0" smtClean="0"/>
-              <a:t>を構成することを考えよう。</a:t>
-            </a:r>
-            <a:endParaRPr lang="en-US" altLang="ja-JP" dirty="0" smtClean="0"/>
-          </a:p>
-          <a:p>
-            <a:r>
-              <a:rPr lang="ja-JP" altLang="en-US" dirty="0" smtClean="0"/>
-              <a:t>波動関数</a:t>
-            </a:r>
-            <a:r>
-              <a:rPr lang="en-US" altLang="ja-JP" dirty="0"/>
-              <a:t>ψ(r,θ,φ</a:t>
-            </a:r>
-            <a:r>
-              <a:rPr lang="en-US" altLang="ja-JP" dirty="0" smtClean="0"/>
-              <a:t>)</a:t>
-            </a:r>
-            <a:r>
-              <a:rPr lang="ja-JP" altLang="en-US" dirty="0" smtClean="0"/>
-              <a:t>は、動径波動関数</a:t>
-            </a:r>
-            <a:r>
-              <a:rPr lang="en-US" altLang="ja-JP" dirty="0"/>
-              <a:t>R</a:t>
-            </a:r>
-            <a:r>
-              <a:rPr lang="en-US" altLang="ja-JP" baseline="-25000" dirty="0"/>
-              <a:t>nl</a:t>
-            </a:r>
-            <a:r>
-              <a:rPr lang="en-US" altLang="ja-JP" dirty="0"/>
-              <a:t>(r</a:t>
-            </a:r>
-            <a:r>
-              <a:rPr lang="en-US" altLang="ja-JP" dirty="0" smtClean="0"/>
-              <a:t>)</a:t>
-            </a:r>
-            <a:r>
-              <a:rPr lang="ja-JP" altLang="en-US" dirty="0" smtClean="0"/>
-              <a:t>と球面調和関数</a:t>
+              <a:t>Y</a:t>
+            </a:r>
+            <a:r>
+              <a:rPr kumimoji="1" lang="en-US" altLang="ja-JP" baseline="-25000" dirty="0" smtClean="0"/>
+              <a:t>lm</a:t>
+            </a:r>
+            <a:r>
+              <a:rPr kumimoji="1" lang="en-US" altLang="ja-JP" dirty="0" smtClean="0"/>
+              <a:t>(θ,φ)</a:t>
+            </a:r>
+            <a:r>
+              <a:rPr kumimoji="1" lang="ja-JP" altLang="en-US" dirty="0" smtClean="0"/>
+              <a:t>の積であった。従って、</a:t>
             </a:r>
             <a:r>
               <a:rPr lang="en-US" altLang="ja-JP" dirty="0" smtClean="0"/>
@@ -6791,82 +7103,43 @@
             </a:r>
             <a:r>
               <a:rPr lang="ja-JP" altLang="en-US" dirty="0" smtClean="0"/>
-              <a:t>の積で表される。</a:t>
-            </a:r>
-            <a:endParaRPr lang="en-US" altLang="ja-JP" dirty="0" smtClean="0"/>
-          </a:p>
-          <a:p>
-            <a:r>
-              <a:rPr lang="ja-JP" altLang="en-US" dirty="0" smtClean="0"/>
-              <a:t>ここで、</a:t>
-            </a:r>
-            <a:r>
-              <a:rPr lang="ja-JP" altLang="en-US" dirty="0"/>
-              <a:t>球面調和関数</a:t>
-            </a:r>
-            <a:r>
-              <a:rPr lang="en-US" altLang="ja-JP" dirty="0"/>
+              <a:t>を求める必要がある</a:t>
+            </a:r>
+            <a:r>
+              <a:rPr kumimoji="1" lang="ja-JP" altLang="en-US" dirty="0" smtClean="0"/>
+              <a:t>。</a:t>
+            </a:r>
+            <a:endParaRPr kumimoji="1" lang="en-US" altLang="ja-JP" dirty="0" smtClean="0"/>
+          </a:p>
+          <a:p>
+            <a:r>
+              <a:rPr kumimoji="1" lang="ja-JP" altLang="en-US" dirty="0" smtClean="0"/>
+              <a:t>ここ</a:t>
+            </a:r>
+            <a:r>
+              <a:rPr lang="ja-JP" altLang="en-US" dirty="0" smtClean="0"/>
+              <a:t>で、</a:t>
+            </a:r>
+            <a:r>
+              <a:rPr lang="en-US" altLang="ja-JP" dirty="0" smtClean="0"/>
               <a:t>Y</a:t>
             </a:r>
             <a:r>
-              <a:rPr lang="en-US" altLang="ja-JP" baseline="-25000" dirty="0"/>
+              <a:rPr lang="en-US" altLang="ja-JP" baseline="-25000" dirty="0" smtClean="0"/>
               <a:t>lm</a:t>
             </a:r>
             <a:r>
-              <a:rPr lang="en-US" altLang="ja-JP" dirty="0"/>
-              <a:t>(θ,φ</a:t>
-            </a:r>
-            <a:r>
-              <a:rPr lang="en-US" altLang="ja-JP" dirty="0" smtClean="0"/>
-              <a:t>)</a:t>
-            </a:r>
-            <a:r>
-              <a:rPr lang="ja-JP" altLang="en-US" dirty="0" smtClean="0"/>
-              <a:t>は、以下で表される。</a:t>
-            </a:r>
-            <a:endParaRPr lang="en-US" altLang="ja-JP" dirty="0" smtClean="0"/>
-          </a:p>
-          <a:p>
-            <a:endParaRPr lang="en-US" altLang="ja-JP" dirty="0"/>
-          </a:p>
-          <a:p>
-            <a:endParaRPr lang="en-US" altLang="ja-JP" dirty="0" smtClean="0"/>
-          </a:p>
-          <a:p>
-            <a:r>
-              <a:rPr lang="ja-JP" altLang="en-US" dirty="0" smtClean="0"/>
-              <a:t>ここで、</a:t>
-            </a:r>
-            <a:r>
-              <a:rPr lang="en-US" altLang="ja-JP" dirty="0" smtClean="0"/>
-              <a:t>P</a:t>
-            </a:r>
-            <a:r>
-              <a:rPr lang="en-US" altLang="ja-JP" baseline="-25000" dirty="0" smtClean="0"/>
-              <a:t>l</a:t>
-            </a:r>
-            <a:r>
-              <a:rPr lang="en-US" altLang="ja-JP" baseline="30000" dirty="0" smtClean="0"/>
-              <a:t>m</a:t>
-            </a:r>
-            <a:r>
-              <a:rPr lang="ja-JP" altLang="en-US" dirty="0" smtClean="0"/>
-              <a:t>は、ルジャンドル陪関数である。</a:t>
-            </a:r>
-            <a:endParaRPr lang="en-US" altLang="ja-JP" dirty="0" smtClean="0"/>
-          </a:p>
-          <a:p>
-            <a:r>
-              <a:rPr lang="ja-JP" altLang="en-US" dirty="0" smtClean="0"/>
-              <a:t>なお、球面調和関数は複素関数であることに注意。</a:t>
-            </a:r>
-            <a:endParaRPr lang="en-US" altLang="ja-JP" dirty="0" smtClean="0"/>
-          </a:p>
-          <a:p>
-            <a:endParaRPr lang="en-US" altLang="ja-JP" dirty="0" smtClean="0"/>
-          </a:p>
-          <a:p>
-            <a:endParaRPr lang="en-US" altLang="ja-JP" dirty="0" smtClean="0"/>
+              <a:rPr lang="en-US" altLang="ja-JP" dirty="0" smtClean="0"/>
+              <a:t>(θ,φ)</a:t>
+            </a:r>
+            <a:r>
+              <a:rPr lang="ja-JP" altLang="en-US" dirty="0" smtClean="0"/>
+              <a:t>は、以下の偏微分方程式を満たす。</a:t>
+            </a:r>
+            <a:endParaRPr kumimoji="1" lang="en-US" altLang="ja-JP" dirty="0" smtClean="0"/>
+          </a:p>
+          <a:p>
+            <a:endParaRPr kumimoji="1" lang="ja-JP" altLang="en-US" dirty="0"/>
           </a:p>
         </p:txBody>
       </p:sp>
@@ -6896,8 +7169,8 @@
         </p:blipFill>
         <p:spPr>
           <a:xfrm>
-            <a:off x="1043608" y="4293096"/>
-            <a:ext cx="6752000" cy="760381"/>
+            <a:off x="1043608" y="5517232"/>
+            <a:ext cx="3436190" cy="304762"/>
           </a:xfrm>
           <a:prstGeom prst="rect">
             <a:avLst/>
@@ -6907,20 +7180,13 @@
     </p:spTree>
     <p:extLst>
       <p:ext uri="{BB962C8B-B14F-4D97-AF65-F5344CB8AC3E}">
-        <p14:creationId xmlns:p14="http://schemas.microsoft.com/office/powerpoint/2010/main" val="2517914523"/>
+        <p14:creationId xmlns:p14="http://schemas.microsoft.com/office/powerpoint/2010/main" val="3277496340"/>
       </p:ext>
     </p:extLst>
   </p:cSld>
   <p:clrMapOvr>
     <a:masterClrMapping/>
   </p:clrMapOvr>
-  <p:timing>
-    <p:tnLst>
-      <p:par>
-        <p:cTn id="1" dur="indefinite" restart="never" nodeType="tmRoot"/>
-      </p:par>
-    </p:tnLst>
-  </p:timing>
 </p:sld>
 </file>
 
@@ -6960,7 +7226,19 @@
           <a:p>
             <a:r>
               <a:rPr kumimoji="1" lang="ja-JP" altLang="en-US" dirty="0" smtClean="0"/>
-              <a:t>電子密度の構成</a:t>
+              <a:t>球面調和関数</a:t>
+            </a:r>
+            <a:r>
+              <a:rPr lang="en-US" altLang="ja-JP" dirty="0"/>
+              <a:t>Y</a:t>
+            </a:r>
+            <a:r>
+              <a:rPr lang="en-US" altLang="ja-JP" baseline="-25000" dirty="0"/>
+              <a:t>lm</a:t>
+            </a:r>
+            <a:r>
+              <a:rPr lang="en-US" altLang="ja-JP" dirty="0"/>
+              <a:t>(θ,φ)</a:t>
             </a:r>
             <a:endParaRPr kumimoji="1" lang="ja-JP" altLang="en-US" dirty="0"/>
           </a:p>
@@ -6976,61 +7254,124 @@
             <p:ph sz="quarter" idx="1"/>
           </p:nvPr>
         </p:nvSpPr>
-        <p:spPr/>
-        <p:txBody>
-          <a:bodyPr/>
-          <a:lstStyle/>
-          <a:p>
-            <a:r>
-              <a:rPr lang="ja-JP" altLang="en-US" dirty="0" smtClean="0"/>
-              <a:t>波動関数が構成できれば、電子密度を構成するのは簡単である。</a:t>
+        <p:spPr>
+          <a:xfrm>
+            <a:off x="612648" y="1600200"/>
+            <a:ext cx="8153400" cy="5069160"/>
+          </a:xfrm>
+        </p:spPr>
+        <p:txBody>
+          <a:bodyPr>
+            <a:normAutofit/>
+          </a:bodyPr>
+          <a:lstStyle/>
+          <a:p>
+            <a:r>
+              <a:rPr lang="ja-JP" altLang="en-US" dirty="0" smtClean="0"/>
+              <a:t>前ページの偏微分方程式を解くと、球面調和関数</a:t>
+            </a:r>
+            <a:r>
+              <a:rPr lang="en-US" altLang="ja-JP" dirty="0" smtClean="0"/>
+              <a:t>Y</a:t>
+            </a:r>
+            <a:r>
+              <a:rPr lang="en-US" altLang="ja-JP" baseline="-25000" dirty="0" smtClean="0"/>
+              <a:t>lm</a:t>
+            </a:r>
+            <a:r>
+              <a:rPr lang="en-US" altLang="ja-JP" dirty="0" smtClean="0"/>
+              <a:t>(θ,φ)</a:t>
+            </a:r>
+            <a:r>
+              <a:rPr lang="ja-JP" altLang="en-US" dirty="0" smtClean="0"/>
+              <a:t>として以下が得られる。</a:t>
             </a:r>
             <a:endParaRPr lang="en-US" altLang="ja-JP" dirty="0" smtClean="0"/>
           </a:p>
           <a:p>
-            <a:r>
-              <a:rPr lang="ja-JP" altLang="en-US" dirty="0" smtClean="0"/>
-              <a:t>電子密度は、波動関数</a:t>
-            </a:r>
-            <a:r>
-              <a:rPr lang="en-US" altLang="ja-JP" dirty="0" smtClean="0"/>
-              <a:t>ψ(r,θ,φ)</a:t>
-            </a:r>
-            <a:r>
-              <a:rPr lang="ja-JP" altLang="en-US" dirty="0" smtClean="0"/>
-              <a:t>の</a:t>
-            </a:r>
-            <a:r>
-              <a:rPr lang="ja-JP" altLang="en-US" dirty="0" smtClean="0">
-                <a:solidFill>
-                  <a:srgbClr val="FF0000"/>
-                </a:solidFill>
-              </a:rPr>
-              <a:t>絶対値の二乗</a:t>
-            </a:r>
-            <a:r>
-              <a:rPr lang="ja-JP" altLang="en-US" dirty="0" smtClean="0"/>
-              <a:t>（一般に波動関数</a:t>
-            </a:r>
-            <a:r>
-              <a:rPr lang="en-US" altLang="ja-JP" dirty="0" smtClean="0"/>
-              <a:t>ψ</a:t>
-            </a:r>
-            <a:r>
-              <a:rPr lang="ja-JP" altLang="en-US" dirty="0" smtClean="0"/>
-              <a:t>は複素数である）で表される。</a:t>
-            </a:r>
             <a:endParaRPr lang="en-US" altLang="ja-JP" dirty="0"/>
           </a:p>
           <a:p>
-            <a:r>
-              <a:rPr kumimoji="1" lang="ja-JP" altLang="en-US" dirty="0" smtClean="0"/>
-              <a:t>つまり、                                       である。</a:t>
-            </a:r>
-            <a:endParaRPr kumimoji="1" lang="en-US" altLang="ja-JP" dirty="0" smtClean="0"/>
-          </a:p>
-          <a:p>
-            <a:endParaRPr kumimoji="1" lang="ja-JP" altLang="en-US" dirty="0"/>
+            <a:endParaRPr lang="en-US" altLang="ja-JP" dirty="0" smtClean="0"/>
+          </a:p>
+          <a:p>
+            <a:r>
+              <a:rPr lang="ja-JP" altLang="en-US" dirty="0" smtClean="0"/>
+              <a:t>ここで、</a:t>
+            </a:r>
+            <a:r>
+              <a:rPr lang="en-US" altLang="ja-JP" dirty="0" smtClean="0"/>
+              <a:t>P</a:t>
+            </a:r>
+            <a:r>
+              <a:rPr lang="en-US" altLang="ja-JP" baseline="-25000" dirty="0" smtClean="0"/>
+              <a:t>l</a:t>
+            </a:r>
+            <a:r>
+              <a:rPr lang="en-US" altLang="ja-JP" baseline="30000" dirty="0" smtClean="0"/>
+              <a:t>m</a:t>
+            </a:r>
+            <a:r>
+              <a:rPr lang="ja-JP" altLang="en-US" dirty="0" smtClean="0"/>
+              <a:t>は、ルジャンドル陪関数である。</a:t>
+            </a:r>
+            <a:endParaRPr lang="en-US" altLang="ja-JP" dirty="0" smtClean="0"/>
+          </a:p>
+          <a:p>
+            <a:r>
+              <a:rPr lang="ja-JP" altLang="en-US" dirty="0" smtClean="0"/>
+              <a:t>複雑な式であるが、これは、</a:t>
+            </a:r>
+            <a:r>
+              <a:rPr lang="en-US" altLang="ja-JP" dirty="0" smtClean="0"/>
+              <a:t>Boost</a:t>
+            </a:r>
+            <a:r>
+              <a:rPr lang="ja-JP" altLang="en-US" dirty="0" smtClean="0"/>
+              <a:t>ライブラリの「</a:t>
+            </a:r>
+            <a:r>
+              <a:rPr lang="en-US" altLang="ja-JP" dirty="0" smtClean="0"/>
+              <a:t>spherical_harmonic</a:t>
+            </a:r>
+            <a:r>
+              <a:rPr lang="ja-JP" altLang="en-US" dirty="0" smtClean="0"/>
+              <a:t>」関数を用いれば、簡単に得られる。</a:t>
+            </a:r>
+            <a:endParaRPr lang="en-US" altLang="ja-JP" dirty="0" smtClean="0"/>
+          </a:p>
+          <a:p>
+            <a:r>
+              <a:rPr lang="ja-JP" altLang="en-US" dirty="0" smtClean="0"/>
+              <a:t>なお、</a:t>
+            </a:r>
+            <a:r>
+              <a:rPr lang="en-US" altLang="ja-JP" dirty="0" smtClean="0"/>
+              <a:t>Y</a:t>
+            </a:r>
+            <a:r>
+              <a:rPr lang="en-US" altLang="ja-JP" baseline="-25000" dirty="0" smtClean="0"/>
+              <a:t>lm</a:t>
+            </a:r>
+            <a:r>
+              <a:rPr lang="en-US" altLang="ja-JP" dirty="0" smtClean="0"/>
+              <a:t>(θ,φ</a:t>
+            </a:r>
+            <a:r>
+              <a:rPr lang="en-US" altLang="ja-JP" dirty="0"/>
+              <a:t>)</a:t>
+            </a:r>
+            <a:r>
+              <a:rPr lang="ja-JP" altLang="en-US" dirty="0" smtClean="0"/>
+              <a:t>は複素関数であることに注意。</a:t>
+            </a:r>
+            <a:endParaRPr lang="en-US" altLang="ja-JP" dirty="0" smtClean="0"/>
+          </a:p>
+          <a:p>
+            <a:endParaRPr lang="en-US" altLang="ja-JP" dirty="0" smtClean="0"/>
+          </a:p>
+          <a:p>
+            <a:endParaRPr lang="en-US" altLang="ja-JP" dirty="0" smtClean="0"/>
           </a:p>
         </p:txBody>
       </p:sp>
@@ -7060,8 +7401,8 @@
         </p:blipFill>
         <p:spPr>
           <a:xfrm>
-            <a:off x="2267744" y="4077072"/>
-            <a:ext cx="4211429" cy="386667"/>
+            <a:off x="1043608" y="2564904"/>
+            <a:ext cx="6752000" cy="760381"/>
           </a:xfrm>
           <a:prstGeom prst="rect">
             <a:avLst/>
@@ -7071,7 +7412,7 @@
     </p:spTree>
     <p:extLst>
       <p:ext uri="{BB962C8B-B14F-4D97-AF65-F5344CB8AC3E}">
-        <p14:creationId xmlns:p14="http://schemas.microsoft.com/office/powerpoint/2010/main" val="3317616633"/>
+        <p14:creationId xmlns:p14="http://schemas.microsoft.com/office/powerpoint/2010/main" val="2517914523"/>
       </p:ext>
     </p:extLst>
   </p:cSld>
@@ -7118,15 +7459,15 @@
         <p:spPr/>
         <p:txBody>
           <a:bodyPr>
-            <a:normAutofit fontScale="90000"/>
+            <a:normAutofit/>
           </a:bodyPr>
           <a:lstStyle/>
           <a:p>
             <a:r>
-              <a:rPr lang="ja-JP" altLang="en-US" smtClean="0"/>
-              <a:t>波動関数と電子密度の可視化の考え方</a:t>
-            </a:r>
-            <a:endParaRPr lang="ja-JP" altLang="en-US" dirty="0"/>
+              <a:rPr kumimoji="1" lang="ja-JP" altLang="en-US" dirty="0" smtClean="0"/>
+              <a:t>波動関数と電子密度の構成</a:t>
+            </a:r>
+            <a:endParaRPr kumimoji="1" lang="ja-JP" altLang="en-US" dirty="0"/>
           </a:p>
         </p:txBody>
       </p:sp>
@@ -7140,7 +7481,12 @@
             <p:ph sz="quarter" idx="1"/>
           </p:nvPr>
         </p:nvSpPr>
-        <p:spPr/>
+        <p:spPr>
+          <a:xfrm>
+            <a:off x="612648" y="1600200"/>
+            <a:ext cx="8153400" cy="5141168"/>
+          </a:xfrm>
+        </p:spPr>
         <p:txBody>
           <a:bodyPr/>
           <a:lstStyle/>
@@ -7151,57 +7497,203 @@
             </a:r>
             <a:r>
               <a:rPr lang="en-US" altLang="ja-JP" dirty="0" smtClean="0"/>
-              <a:t>ψ(r,θ,φ) </a:t>
-            </a:r>
-            <a:r>
-              <a:rPr lang="ja-JP" altLang="en-US" dirty="0" smtClean="0"/>
-              <a:t>及び電子密度</a:t>
-            </a:r>
-            <a:r>
-              <a:rPr lang="en-US" altLang="ja-JP" dirty="0" smtClean="0"/>
-              <a:t>ρ(r,θ,φ)</a:t>
-            </a:r>
-            <a:r>
-              <a:rPr lang="ja-JP" altLang="en-US" dirty="0" smtClean="0"/>
-              <a:t>のいずれも、三次元の変数を持つので、表示には</a:t>
-            </a:r>
-            <a:r>
-              <a:rPr lang="ja-JP" altLang="en-US" dirty="0" smtClean="0">
-                <a:solidFill>
-                  <a:srgbClr val="FF0000"/>
-                </a:solidFill>
-              </a:rPr>
-              <a:t>四次元が必要</a:t>
-            </a:r>
-            <a:r>
-              <a:rPr lang="ja-JP" altLang="en-US" dirty="0" smtClean="0"/>
-              <a:t>である。</a:t>
+              <a:t>ψ(r,θ,φ</a:t>
+            </a:r>
+            <a:r>
+              <a:rPr lang="en-US" altLang="ja-JP" dirty="0"/>
+              <a:t>)</a:t>
+            </a:r>
+            <a:r>
+              <a:rPr lang="ja-JP" altLang="en-US" dirty="0" smtClean="0"/>
+              <a:t>は、以下のように得られる。</a:t>
             </a:r>
             <a:endParaRPr lang="en-US" altLang="ja-JP" dirty="0" smtClean="0"/>
           </a:p>
           <a:p>
-            <a:r>
-              <a:rPr lang="ja-JP" altLang="en-US" dirty="0" smtClean="0"/>
-              <a:t>四次元（の関数）は、単純にはグラフ化できないので、可視化には工夫が必要である。</a:t>
-            </a:r>
             <a:endParaRPr lang="en-US" altLang="ja-JP" dirty="0" smtClean="0"/>
           </a:p>
           <a:p>
             <a:r>
               <a:rPr lang="ja-JP" altLang="en-US" dirty="0" smtClean="0"/>
-              <a:t>工夫には色々な方法があるだろうが、ここでは乱数を用いて、四次元の関数を可視化することを考える。</a:t>
+              <a:t>電子密度</a:t>
+            </a:r>
+            <a:r>
+              <a:rPr lang="en-US" altLang="ja-JP" dirty="0" smtClean="0"/>
+              <a:t>ρ(r,θ,φ</a:t>
+            </a:r>
+            <a:r>
+              <a:rPr lang="en-US" altLang="ja-JP" dirty="0"/>
+              <a:t>)</a:t>
+            </a:r>
+            <a:r>
+              <a:rPr lang="ja-JP" altLang="en-US" dirty="0" smtClean="0"/>
+              <a:t>は、</a:t>
+            </a:r>
+            <a:r>
+              <a:rPr lang="en-US" altLang="ja-JP" dirty="0" smtClean="0"/>
+              <a:t>ψ(r,θ,φ)</a:t>
+            </a:r>
+            <a:r>
+              <a:rPr lang="ja-JP" altLang="en-US" dirty="0" smtClean="0"/>
+              <a:t>の絶対値の二乗で表され、以下のように得られる。</a:t>
             </a:r>
             <a:endParaRPr lang="en-US" altLang="ja-JP" dirty="0" smtClean="0"/>
           </a:p>
           <a:p>
+            <a:endParaRPr lang="en-US" altLang="ja-JP" dirty="0"/>
+          </a:p>
+          <a:p>
+            <a:r>
+              <a:rPr lang="ja-JP" altLang="en-US" dirty="0" smtClean="0"/>
+              <a:t>ここで動径波動関数</a:t>
+            </a:r>
+            <a:r>
+              <a:rPr lang="en-US" altLang="ja-JP" dirty="0" smtClean="0"/>
+              <a:t>R</a:t>
+            </a:r>
+            <a:r>
+              <a:rPr lang="en-US" altLang="ja-JP" baseline="-25000" dirty="0" smtClean="0"/>
+              <a:t>nl</a:t>
+            </a:r>
+            <a:r>
+              <a:rPr lang="en-US" altLang="ja-JP" dirty="0" smtClean="0"/>
+              <a:t>(r)</a:t>
+            </a:r>
+            <a:r>
+              <a:rPr lang="ja-JP" altLang="en-US" dirty="0" smtClean="0"/>
+              <a:t>は、</a:t>
+            </a:r>
+            <a:r>
+              <a:rPr lang="en-US" altLang="ja-JP" dirty="0" smtClean="0"/>
+              <a:t>schrac</a:t>
+            </a:r>
+            <a:r>
+              <a:rPr lang="ja-JP" altLang="en-US" dirty="0" smtClean="0"/>
+              <a:t>の出力ファイルから読み込んだ（離散的な）数値データを、</a:t>
+            </a:r>
+            <a:r>
+              <a:rPr lang="en-US" altLang="ja-JP" dirty="0" smtClean="0"/>
+              <a:t>Spline</a:t>
+            </a:r>
+            <a:r>
+              <a:rPr lang="ja-JP" altLang="en-US" dirty="0" smtClean="0"/>
+              <a:t>補間して求める。</a:t>
+            </a:r>
             <a:endParaRPr lang="en-US" altLang="ja-JP" dirty="0" smtClean="0"/>
           </a:p>
-        </p:txBody>
-      </p:sp>
+          <a:p>
+            <a:r>
+              <a:rPr lang="en-US" altLang="ja-JP" dirty="0" smtClean="0"/>
+              <a:t>Spline</a:t>
+            </a:r>
+            <a:r>
+              <a:rPr lang="ja-JP" altLang="en-US" dirty="0" smtClean="0"/>
+              <a:t>補間には、</a:t>
+            </a:r>
+            <a:r>
+              <a:rPr lang="en-US" altLang="ja-JP" dirty="0" smtClean="0"/>
+              <a:t>GSL</a:t>
+            </a:r>
+            <a:r>
+              <a:rPr lang="ja-JP" altLang="en-US" dirty="0" smtClean="0"/>
+              <a:t>ライブラリの、</a:t>
+            </a:r>
+            <a:r>
+              <a:rPr lang="en-US" altLang="ja-JP" dirty="0" smtClean="0"/>
+              <a:t>gsl_spline</a:t>
+            </a:r>
+            <a:r>
+              <a:rPr lang="ja-JP" altLang="en-US" dirty="0" smtClean="0"/>
+              <a:t>関数を用いる。</a:t>
+            </a:r>
+            <a:endParaRPr lang="en-US" altLang="ja-JP" dirty="0" smtClean="0"/>
+          </a:p>
+          <a:p>
+            <a:endParaRPr lang="en-US" altLang="ja-JP" dirty="0"/>
+          </a:p>
+          <a:p>
+            <a:endParaRPr lang="en-US" altLang="ja-JP" dirty="0" smtClean="0"/>
+          </a:p>
+          <a:p>
+            <a:endParaRPr lang="en-US" altLang="ja-JP" dirty="0"/>
+          </a:p>
+          <a:p>
+            <a:endParaRPr kumimoji="1" lang="ja-JP" altLang="en-US" dirty="0"/>
+          </a:p>
+        </p:txBody>
+      </p:sp>
+      <p:pic>
+        <p:nvPicPr>
+          <p:cNvPr id="4" name="図 3"/>
+          <p:cNvPicPr>
+            <a:picLocks noChangeAspect="1"/>
+          </p:cNvPicPr>
+          <p:nvPr>
+            <p:custDataLst>
+              <p:tags r:id="rId1"/>
+            </p:custDataLst>
+          </p:nvPr>
+        </p:nvPicPr>
+        <p:blipFill>
+          <a:blip r:embed="rId4" cstate="print">
+            <a:extLst>
+              <a:ext uri="{28A0092B-C50C-407E-A947-70E740481C1C}">
+                <a14:useLocalDpi xmlns:a14="http://schemas.microsoft.com/office/drawing/2010/main" val="0"/>
+              </a:ext>
+            </a:extLst>
+          </a:blip>
+          <a:stretch>
+            <a:fillRect/>
+          </a:stretch>
+        </p:blipFill>
+        <p:spPr>
+          <a:xfrm>
+            <a:off x="1043608" y="3645024"/>
+            <a:ext cx="4211429" cy="386667"/>
+          </a:xfrm>
+          <a:prstGeom prst="rect">
+            <a:avLst/>
+          </a:prstGeom>
+        </p:spPr>
+      </p:pic>
+      <p:pic>
+        <p:nvPicPr>
+          <p:cNvPr id="5" name="図 4"/>
+          <p:cNvPicPr>
+            <a:picLocks noChangeAspect="1"/>
+          </p:cNvPicPr>
+          <p:nvPr>
+            <p:custDataLst>
+              <p:tags r:id="rId2"/>
+            </p:custDataLst>
+          </p:nvPr>
+        </p:nvPicPr>
+        <p:blipFill>
+          <a:blip r:embed="rId5" cstate="print">
+            <a:extLst>
+              <a:ext uri="{28A0092B-C50C-407E-A947-70E740481C1C}">
+                <a14:useLocalDpi xmlns:a14="http://schemas.microsoft.com/office/drawing/2010/main" val="0"/>
+              </a:ext>
+            </a:extLst>
+          </a:blip>
+          <a:stretch>
+            <a:fillRect/>
+          </a:stretch>
+        </p:blipFill>
+        <p:spPr>
+          <a:xfrm>
+            <a:off x="1063891" y="2204864"/>
+            <a:ext cx="3759347" cy="299514"/>
+          </a:xfrm>
+          <a:prstGeom prst="rect">
+            <a:avLst/>
+          </a:prstGeom>
+        </p:spPr>
+      </p:pic>
     </p:spTree>
     <p:extLst>
       <p:ext uri="{BB962C8B-B14F-4D97-AF65-F5344CB8AC3E}">
-        <p14:creationId xmlns:p14="http://schemas.microsoft.com/office/powerpoint/2010/main" val="2009118836"/>
+        <p14:creationId xmlns:p14="http://schemas.microsoft.com/office/powerpoint/2010/main" val="3317616633"/>
       </p:ext>
     </p:extLst>
   </p:cSld>
@@ -7229,6 +7721,16 @@
 
 <file path=ppt/tags/tag2.xml><?xml version="1.0" encoding="utf-8"?>
 <p:tagLst xmlns:a="http://schemas.openxmlformats.org/drawingml/2006/main" xmlns:r="http://schemas.openxmlformats.org/officeDocument/2006/relationships" xmlns:p="http://schemas.openxmlformats.org/presentationml/2006/main">
+  <p:tag name="ORIGINALHEIGHT" val="149.9813"/>
+  <p:tag name="ORIGINALWIDTH" val="1691.039"/>
+  <p:tag name="LATEXADDIN" val="\documentclass{article}&#10;\usepackage{amsmath}&#10;\pagestyle{empty}&#10;\begin{document}&#10;$\hat{l}^{2}Y_{lm}\left(  \theta,\phi\right)  =l\left(  l+1\right)&#10;Y_{lm}\left(  \theta,\phi\right)  $&#10;\end{document}"/>
+  <p:tag name="IGUANATEXSIZE" val="20"/>
+  <p:tag name="IGUANATEXCURSOR" val="182"/>
+</p:tagLst>
+</file>
+
+<file path=ppt/tags/tag3.xml><?xml version="1.0" encoding="utf-8"?>
+<p:tagLst xmlns:a="http://schemas.openxmlformats.org/drawingml/2006/main" xmlns:r="http://schemas.openxmlformats.org/officeDocument/2006/relationships" xmlns:p="http://schemas.openxmlformats.org/presentationml/2006/main">
   <p:tag name="ORIGINALHEIGHT" val="374.2032"/>
   <p:tag name="ORIGINALWIDTH" val="3322.835"/>
   <p:tag name="LATEXADDIN" val="\documentclass{article}&#10;\usepackage{amsmath}&#10;\pagestyle{empty}&#10;\begin{document}&#10;$Y_{lm}\left(  \theta,\phi\right)  =\left(  -1\right)  ^{\left(  m+\left\vert&#10;m\right\vert \right)  /2}\sqrt{\dfrac{2l+1}{4\pi}\dfrac{\left(  l-\left\vert&#10;m\right\vert \right)  !}{\left(  l+\left\vert m\right\vert \right)  !}}%&#10;P_{l}^{\left\vert m\right\vert }\left(  \cos\theta\right)  e^{im\phi}$&#10;\end{document}"/>
@@ -7237,13 +7739,23 @@
 </p:tagLst>
 </file>
 
-<file path=ppt/tags/tag3.xml><?xml version="1.0" encoding="utf-8"?>
+<file path=ppt/tags/tag4.xml><?xml version="1.0" encoding="utf-8"?>
 <p:tagLst xmlns:a="http://schemas.openxmlformats.org/drawingml/2006/main" xmlns:r="http://schemas.openxmlformats.org/officeDocument/2006/relationships" xmlns:p="http://schemas.openxmlformats.org/presentationml/2006/main">
   <p:tag name="ORIGINALHEIGHT" val="152.2309"/>
   <p:tag name="ORIGINALWIDTH" val="1658.043"/>
   <p:tag name="LATEXADDIN" val="\documentclass{article}&#10;\usepackage{amsmath}&#10;\pagestyle{empty}&#10;\begin{document}&#10;$\rho\left(  r,\theta,\phi\right)  =\left\vert R_{nl}\left(  r\right)&#10;Y_{lm}\left(  \theta,\phi\right)  \right\vert ^{2}$&#10;\end{document}"/>
   <p:tag name="IGUANATEXSIZE" val="20"/>
   <p:tag name="IGUANATEXCURSOR" val="201"/>
+</p:tagLst>
+</file>
+
+<file path=ppt/tags/tag5.xml><?xml version="1.0" encoding="utf-8"?>
+<p:tagLst xmlns:a="http://schemas.openxmlformats.org/drawingml/2006/main" xmlns:r="http://schemas.openxmlformats.org/officeDocument/2006/relationships" xmlns:p="http://schemas.openxmlformats.org/presentationml/2006/main">
+  <p:tag name="ORIGINALHEIGHT" val="123.7346"/>
+  <p:tag name="ORIGINALWIDTH" val="1553.056"/>
+  <p:tag name="LATEXADDIN" val="\documentclass{article}&#10;\usepackage{amsmath}&#10;\pagestyle{empty}&#10;\begin{document}&#10;$\psi\left(  r,\theta,\phi\right)  =R_{nl}\left(  r\right)  Y_{lm}\left(&#10;\theta,\phi\right)  $&#10;\end{document}"/>
+  <p:tag name="IGUANATEXSIZE" val="20"/>
+  <p:tag name="IGUANATEXCURSOR" val="174"/>
 </p:tagLst>
 </file>
 

--- a/福井技術者の集い その3 発表資料スライド.pptx
+++ b/福井技術者の集い その3 発表資料スライド.pptx
@@ -5,7 +5,7 @@
     <p:sldMasterId id="2147483744" r:id="rId1"/>
   </p:sldMasterIdLst>
   <p:notesMasterIdLst>
-    <p:notesMasterId r:id="rId19"/>
+    <p:notesMasterId r:id="rId20"/>
   </p:notesMasterIdLst>
   <p:sldIdLst>
     <p:sldId id="258" r:id="rId2"/>
@@ -25,11 +25,12 @@
     <p:sldId id="480" r:id="rId16"/>
     <p:sldId id="482" r:id="rId17"/>
     <p:sldId id="467" r:id="rId18"/>
+    <p:sldId id="483" r:id="rId19"/>
   </p:sldIdLst>
   <p:sldSz cx="9144000" cy="6858000" type="screen4x3"/>
   <p:notesSz cx="6858000" cy="9144000"/>
   <p:custDataLst>
-    <p:tags r:id="rId20"/>
+    <p:tags r:id="rId21"/>
   </p:custDataLst>
   <p:defaultTextStyle>
     <a:defPPr>
@@ -6077,11 +6078,7 @@
             </a:r>
             <a:r>
               <a:rPr kumimoji="1" lang="ja-JP" altLang="en-US" dirty="0" smtClean="0"/>
-              <a:t>上で公開して</a:t>
-            </a:r>
-            <a:r>
-              <a:rPr kumimoji="1" lang="ja-JP" altLang="en-US" dirty="0" smtClean="0"/>
-              <a:t>います。</a:t>
+              <a:t>上で公開しています。</a:t>
             </a:r>
             <a:endParaRPr kumimoji="1" lang="en-US" altLang="ja-JP" dirty="0" smtClean="0"/>
           </a:p>
@@ -6094,11 +6091,7 @@
           <a:p>
             <a:r>
               <a:rPr lang="ja-JP" altLang="en-US" dirty="0" smtClean="0"/>
-              <a:t>ライセンス</a:t>
-            </a:r>
-            <a:r>
-              <a:rPr lang="ja-JP" altLang="en-US" dirty="0" smtClean="0"/>
-              <a:t>は修正</a:t>
+              <a:t>ライセンスは修正</a:t>
             </a:r>
             <a:r>
               <a:rPr lang="en-US" altLang="ja-JP" dirty="0" smtClean="0"/>
@@ -6129,6 +6122,126 @@
       </p:par>
     </p:tnLst>
   </p:timing>
+</p:sld>
+</file>
+
+<file path=ppt/slides/slide18.xml><?xml version="1.0" encoding="utf-8"?>
+<p:sld xmlns:a="http://schemas.openxmlformats.org/drawingml/2006/main" xmlns:r="http://schemas.openxmlformats.org/officeDocument/2006/relationships" xmlns:p="http://schemas.openxmlformats.org/presentationml/2006/main">
+  <p:cSld>
+    <p:spTree>
+      <p:nvGrpSpPr>
+        <p:cNvPr id="1" name=""/>
+        <p:cNvGrpSpPr/>
+        <p:nvPr/>
+      </p:nvGrpSpPr>
+      <p:grpSpPr>
+        <a:xfrm>
+          <a:off x="0" y="0"/>
+          <a:ext cx="0" cy="0"/>
+          <a:chOff x="0" y="0"/>
+          <a:chExt cx="0" cy="0"/>
+        </a:xfrm>
+      </p:grpSpPr>
+      <p:sp>
+        <p:nvSpPr>
+          <p:cNvPr id="2" name="タイトル 1"/>
+          <p:cNvSpPr>
+            <a:spLocks noGrp="1"/>
+          </p:cNvSpPr>
+          <p:nvPr>
+            <p:ph type="title"/>
+          </p:nvPr>
+        </p:nvSpPr>
+        <p:spPr/>
+        <p:txBody>
+          <a:bodyPr/>
+          <a:lstStyle/>
+          <a:p>
+            <a:r>
+              <a:rPr kumimoji="1" lang="ja-JP" altLang="en-US" dirty="0" smtClean="0"/>
+              <a:t>参考文献</a:t>
+            </a:r>
+            <a:endParaRPr kumimoji="1" lang="ja-JP" altLang="en-US" dirty="0"/>
+          </a:p>
+        </p:txBody>
+      </p:sp>
+      <p:sp>
+        <p:nvSpPr>
+          <p:cNvPr id="3" name="コンテンツ プレースホルダー 2"/>
+          <p:cNvSpPr>
+            <a:spLocks noGrp="1"/>
+          </p:cNvSpPr>
+          <p:nvPr>
+            <p:ph sz="quarter" idx="1"/>
+          </p:nvPr>
+        </p:nvSpPr>
+        <p:spPr/>
+        <p:txBody>
+          <a:bodyPr/>
+          <a:lstStyle/>
+          <a:p>
+            <a:r>
+              <a:rPr kumimoji="1" lang="ja-JP" altLang="en-US" dirty="0" smtClean="0"/>
+              <a:t>桜町 晃生</a:t>
+            </a:r>
+            <a:r>
+              <a:rPr kumimoji="1" lang="en-US" altLang="ja-JP" dirty="0" smtClean="0"/>
+              <a:t>『</a:t>
+            </a:r>
+            <a:r>
+              <a:rPr lang="ja-JP" altLang="en-US" dirty="0" smtClean="0"/>
+              <a:t>パソコンで描く水素原子</a:t>
+            </a:r>
+            <a:r>
+              <a:rPr lang="en-US" altLang="ja-JP" dirty="0" smtClean="0"/>
+              <a:t>―</a:t>
+            </a:r>
+            <a:r>
+              <a:rPr lang="ja-JP" altLang="en-US" dirty="0" smtClean="0"/>
+              <a:t>シュレーディンガー方程式を「計算する」「プロットする」「眺める」</a:t>
+            </a:r>
+            <a:r>
+              <a:rPr lang="en-US" altLang="ja-JP" dirty="0"/>
+              <a:t>』I</a:t>
+            </a:r>
+            <a:r>
+              <a:rPr lang="ja-JP" altLang="en-US" dirty="0"/>
+              <a:t>・</a:t>
+            </a:r>
+            <a:r>
+              <a:rPr lang="en-US" altLang="ja-JP" dirty="0"/>
+              <a:t>O </a:t>
+            </a:r>
+            <a:r>
+              <a:rPr lang="en-US" altLang="ja-JP" dirty="0" smtClean="0"/>
+              <a:t>BOOKS</a:t>
+            </a:r>
+            <a:r>
+              <a:rPr lang="ja-JP" altLang="en-US" smtClean="0"/>
+              <a:t>（</a:t>
+            </a:r>
+            <a:r>
+              <a:rPr lang="en-US" altLang="ja-JP" smtClean="0"/>
+              <a:t>2004</a:t>
+            </a:r>
+            <a:r>
+              <a:rPr lang="ja-JP" altLang="en-US" dirty="0" smtClean="0"/>
+              <a:t>）</a:t>
+            </a:r>
+            <a:endParaRPr kumimoji="1" lang="ja-JP" altLang="en-US" dirty="0"/>
+          </a:p>
+        </p:txBody>
+      </p:sp>
+    </p:spTree>
+    <p:extLst>
+      <p:ext uri="{BB962C8B-B14F-4D97-AF65-F5344CB8AC3E}">
+        <p14:creationId xmlns:p14="http://schemas.microsoft.com/office/powerpoint/2010/main" val="471843951"/>
+      </p:ext>
+    </p:extLst>
+  </p:cSld>
+  <p:clrMapOvr>
+    <a:masterClrMapping/>
+  </p:clrMapOvr>
 </p:sld>
 </file>
 
@@ -6500,11 +6613,7 @@
             </a:r>
             <a:r>
               <a:rPr lang="ja-JP" altLang="en-US" dirty="0" smtClean="0"/>
-              <a:t>を使用する</a:t>
-            </a:r>
-            <a:r>
-              <a:rPr lang="ja-JP" altLang="en-US" dirty="0" smtClean="0"/>
-              <a:t>。</a:t>
+              <a:t>を使用する。</a:t>
             </a:r>
             <a:endParaRPr lang="en-US" altLang="ja-JP" dirty="0" smtClean="0"/>
           </a:p>

--- a/福井技術者の集い その3 発表資料スライド.pptx
+++ b/福井技術者の集い その3 発表資料スライド.pptx
@@ -5,7 +5,7 @@
     <p:sldMasterId id="2147483744" r:id="rId1"/>
   </p:sldMasterIdLst>
   <p:notesMasterIdLst>
-    <p:notesMasterId r:id="rId20"/>
+    <p:notesMasterId r:id="rId22"/>
   </p:notesMasterIdLst>
   <p:sldIdLst>
     <p:sldId id="258" r:id="rId2"/>
@@ -24,13 +24,15 @@
     <p:sldId id="478" r:id="rId15"/>
     <p:sldId id="480" r:id="rId16"/>
     <p:sldId id="482" r:id="rId17"/>
-    <p:sldId id="467" r:id="rId18"/>
-    <p:sldId id="483" r:id="rId19"/>
+    <p:sldId id="484" r:id="rId18"/>
+    <p:sldId id="485" r:id="rId19"/>
+    <p:sldId id="486" r:id="rId20"/>
+    <p:sldId id="483" r:id="rId21"/>
   </p:sldIdLst>
   <p:sldSz cx="9144000" cy="6858000" type="screen4x3"/>
   <p:notesSz cx="6858000" cy="9144000"/>
   <p:custDataLst>
-    <p:tags r:id="rId21"/>
+    <p:tags r:id="rId23"/>
   </p:custDataLst>
   <p:defaultTextStyle>
     <a:defPPr>
@@ -228,7 +230,7 @@
           <a:p>
             <a:fld id="{132713B8-E49A-41D1-88B6-B310770581C8}" type="datetimeFigureOut">
               <a:rPr kumimoji="1" lang="ja-JP" altLang="en-US" smtClean="0"/>
-              <a:t>2015/4/13</a:t>
+              <a:t>2015/4/15</a:t>
             </a:fld>
             <a:endParaRPr kumimoji="1" lang="ja-JP" altLang="en-US"/>
           </a:p>
@@ -832,7 +834,7 @@
             <a:fld id="{C120A1B4-3412-4C96-ACAA-DBDB2A910CC9}" type="datetimeFigureOut">
               <a:rPr kumimoji="1" lang="ja-JP" altLang="en-US" smtClean="0"/>
               <a:pPr/>
-              <a:t>2015/4/13</a:t>
+              <a:t>2015/4/15</a:t>
             </a:fld>
             <a:endParaRPr kumimoji="1" lang="ja-JP" altLang="en-US"/>
           </a:p>
@@ -1078,7 +1080,7 @@
                 </a:solidFill>
               </a:rPr>
               <a:pPr/>
-              <a:t>2015/4/13</a:t>
+              <a:t>2015/4/15</a:t>
             </a:fld>
             <a:endParaRPr kumimoji="1" lang="ja-JP" altLang="en-US">
               <a:solidFill>
@@ -1314,7 +1316,7 @@
                 </a:solidFill>
               </a:rPr>
               <a:pPr/>
-              <a:t>2015/4/13</a:t>
+              <a:t>2015/4/15</a:t>
             </a:fld>
             <a:endParaRPr kumimoji="1" lang="ja-JP" altLang="en-US">
               <a:solidFill>
@@ -1608,7 +1610,7 @@
                 </a:solidFill>
               </a:rPr>
               <a:pPr/>
-              <a:t>2015/4/13</a:t>
+              <a:t>2015/4/15</a:t>
             </a:fld>
             <a:endParaRPr kumimoji="1" lang="ja-JP" altLang="en-US">
               <a:solidFill>
@@ -2087,7 +2089,7 @@
                 </a:solidFill>
               </a:rPr>
               <a:pPr/>
-              <a:t>2015/4/13</a:t>
+              <a:t>2015/4/15</a:t>
             </a:fld>
             <a:endParaRPr kumimoji="1" lang="ja-JP" altLang="en-US">
               <a:solidFill>
@@ -2412,7 +2414,7 @@
                 </a:solidFill>
               </a:rPr>
               <a:pPr/>
-              <a:t>2015/4/13</a:t>
+              <a:t>2015/4/15</a:t>
             </a:fld>
             <a:endParaRPr kumimoji="1" lang="ja-JP" altLang="en-US">
               <a:solidFill>
@@ -2731,7 +2733,7 @@
                 </a:solidFill>
               </a:rPr>
               <a:pPr/>
-              <a:t>2015/4/13</a:t>
+              <a:t>2015/4/15</a:t>
             </a:fld>
             <a:endParaRPr kumimoji="1" lang="ja-JP" altLang="en-US">
               <a:solidFill>
@@ -2945,7 +2947,7 @@
                 </a:solidFill>
               </a:rPr>
               <a:pPr/>
-              <a:t>2015/4/13</a:t>
+              <a:t>2015/4/15</a:t>
             </a:fld>
             <a:endParaRPr kumimoji="1" lang="ja-JP" altLang="en-US">
               <a:solidFill>
@@ -3062,7 +3064,7 @@
                 </a:solidFill>
               </a:rPr>
               <a:pPr/>
-              <a:t>2015/4/13</a:t>
+              <a:t>2015/4/15</a:t>
             </a:fld>
             <a:endParaRPr kumimoji="1" lang="ja-JP" altLang="en-US">
               <a:solidFill>
@@ -3225,7 +3227,7 @@
                 </a:solidFill>
               </a:rPr>
               <a:pPr/>
-              <a:t>2015/4/13</a:t>
+              <a:t>2015/4/15</a:t>
             </a:fld>
             <a:endParaRPr kumimoji="1" lang="ja-JP" altLang="en-US">
               <a:solidFill>
@@ -3810,7 +3812,7 @@
                 </a:solidFill>
               </a:rPr>
               <a:pPr/>
-              <a:t>2015/4/13</a:t>
+              <a:t>2015/4/15</a:t>
             </a:fld>
             <a:endParaRPr kumimoji="1" lang="ja-JP" altLang="en-US">
               <a:solidFill>
@@ -4122,7 +4124,7 @@
                 </a:solidFill>
               </a:rPr>
               <a:pPr/>
-              <a:t>2015/4/13</a:t>
+              <a:t>2015/4/15</a:t>
             </a:fld>
             <a:endParaRPr kumimoji="1" lang="ja-JP" altLang="en-US">
               <a:solidFill>
@@ -4864,7 +4866,11 @@
           <a:p>
             <a:r>
               <a:rPr lang="ja-JP" altLang="en-US" dirty="0" smtClean="0"/>
-              <a:t>工夫には色々な方法があるだろうが、ここでは乱数を用いて、四次元の関数を可視化することを考える。</a:t>
+              <a:t>工夫としては色々</a:t>
+            </a:r>
+            <a:r>
+              <a:rPr lang="ja-JP" altLang="en-US" dirty="0" smtClean="0"/>
+              <a:t>な方法があるだろうが、ここでは乱数を用いて、四次元の関数を可視化することを考える。</a:t>
             </a:r>
             <a:endParaRPr lang="en-US" altLang="ja-JP" dirty="0" smtClean="0"/>
           </a:p>
@@ -6038,90 +6044,70 @@
         </p:nvSpPr>
         <p:spPr/>
         <p:txBody>
-          <a:bodyPr/>
-          <a:lstStyle/>
-          <a:p>
-            <a:r>
-              <a:rPr lang="ja-JP" altLang="en-US" dirty="0"/>
-              <a:t>ソース</a:t>
+          <a:bodyPr>
+            <a:normAutofit fontScale="90000"/>
+          </a:bodyPr>
+          <a:lstStyle/>
+          <a:p>
+            <a:r>
+              <a:rPr kumimoji="1" lang="en-US" altLang="ja-JP" dirty="0" smtClean="0"/>
+              <a:t>H</a:t>
             </a:r>
             <a:r>
               <a:rPr kumimoji="1" lang="ja-JP" altLang="en-US" dirty="0" smtClean="0"/>
-              <a:t>コードへのリンク</a:t>
+              <a:t>原子の波動関数と</a:t>
+            </a:r>
+            <a:r>
+              <a:rPr kumimoji="1" lang="en-US" altLang="ja-JP" dirty="0" smtClean="0"/>
+              <a:t>He</a:t>
+            </a:r>
+            <a:r>
+              <a:rPr kumimoji="1" lang="ja-JP" altLang="en-US" dirty="0" smtClean="0"/>
+              <a:t>原子の波動関数の比較</a:t>
             </a:r>
             <a:endParaRPr kumimoji="1" lang="ja-JP" altLang="en-US" dirty="0"/>
           </a:p>
         </p:txBody>
       </p:sp>
-      <p:sp>
-        <p:nvSpPr>
-          <p:cNvPr id="3" name="コンテンツ プレースホルダー 2"/>
-          <p:cNvSpPr>
-            <a:spLocks noGrp="1"/>
-          </p:cNvSpPr>
+      <p:pic>
+        <p:nvPicPr>
+          <p:cNvPr id="4" name="コンテンツ プレースホルダー 3"/>
+          <p:cNvPicPr>
+            <a:picLocks noGrp="1" noChangeAspect="1"/>
+          </p:cNvPicPr>
           <p:nvPr>
             <p:ph sz="quarter" idx="1"/>
           </p:nvPr>
-        </p:nvSpPr>
-        <p:spPr/>
-        <p:txBody>
-          <a:bodyPr/>
-          <a:lstStyle/>
-          <a:p>
-            <a:r>
-              <a:rPr kumimoji="1" lang="ja-JP" altLang="en-US" dirty="0" smtClean="0"/>
-              <a:t>このプログラムのソースコードは、</a:t>
-            </a:r>
-            <a:r>
-              <a:rPr kumimoji="1" lang="en-US" altLang="ja-JP" dirty="0" smtClean="0"/>
-              <a:t>GitHub</a:t>
-            </a:r>
-            <a:r>
-              <a:rPr kumimoji="1" lang="ja-JP" altLang="en-US" dirty="0" smtClean="0"/>
-              <a:t>上で公開しています。</a:t>
-            </a:r>
-            <a:endParaRPr kumimoji="1" lang="en-US" altLang="ja-JP" dirty="0" smtClean="0"/>
-          </a:p>
-          <a:p>
-            <a:r>
-              <a:rPr lang="en-US" altLang="ja-JP" dirty="0"/>
-              <a:t>https://github.com/dc1394/SchracVisualize</a:t>
-            </a:r>
-          </a:p>
-          <a:p>
-            <a:r>
-              <a:rPr lang="ja-JP" altLang="en-US" dirty="0" smtClean="0"/>
-              <a:t>ライセンスは修正</a:t>
-            </a:r>
-            <a:r>
-              <a:rPr lang="en-US" altLang="ja-JP" dirty="0" smtClean="0"/>
-              <a:t>BSD</a:t>
-            </a:r>
-            <a:r>
-              <a:rPr lang="ja-JP" altLang="en-US" dirty="0" smtClean="0"/>
-              <a:t>ライセンスとします。</a:t>
-            </a:r>
-            <a:endParaRPr lang="en-US" altLang="ja-JP" dirty="0" smtClean="0"/>
-          </a:p>
-        </p:txBody>
-      </p:sp>
+        </p:nvPicPr>
+        <p:blipFill>
+          <a:blip r:embed="rId2" cstate="print">
+            <a:extLst>
+              <a:ext uri="{28A0092B-C50C-407E-A947-70E740481C1C}">
+                <a14:useLocalDpi xmlns:a14="http://schemas.microsoft.com/office/drawing/2010/main" val="0"/>
+              </a:ext>
+            </a:extLst>
+          </a:blip>
+          <a:stretch>
+            <a:fillRect/>
+          </a:stretch>
+        </p:blipFill>
+        <p:spPr>
+          <a:xfrm>
+            <a:off x="612775" y="2276872"/>
+            <a:ext cx="8153400" cy="3142456"/>
+          </a:xfrm>
+        </p:spPr>
+      </p:pic>
     </p:spTree>
     <p:extLst>
       <p:ext uri="{BB962C8B-B14F-4D97-AF65-F5344CB8AC3E}">
-        <p14:creationId xmlns:p14="http://schemas.microsoft.com/office/powerpoint/2010/main" val="3991096573"/>
+        <p14:creationId xmlns:p14="http://schemas.microsoft.com/office/powerpoint/2010/main" val="3685986043"/>
       </p:ext>
     </p:extLst>
   </p:cSld>
   <p:clrMapOvr>
     <a:masterClrMapping/>
   </p:clrMapOvr>
-  <p:timing>
-    <p:tnLst>
-      <p:par>
-        <p:cTn id="1" dur="indefinite" restart="never" nodeType="tmRoot"/>
-      </p:par>
-    </p:tnLst>
-  </p:timing>
 </p:sld>
 </file>
 
@@ -6154,94 +6140,218 @@
         </p:nvSpPr>
         <p:spPr/>
         <p:txBody>
-          <a:bodyPr/>
-          <a:lstStyle/>
-          <a:p>
-            <a:r>
-              <a:rPr kumimoji="1" lang="ja-JP" altLang="en-US" dirty="0" smtClean="0"/>
-              <a:t>参考文献</a:t>
+          <a:bodyPr>
+            <a:normAutofit fontScale="90000"/>
+          </a:bodyPr>
+          <a:lstStyle/>
+          <a:p>
+            <a:r>
+              <a:rPr lang="en-US" altLang="ja-JP" dirty="0"/>
+              <a:t>H</a:t>
+            </a:r>
+            <a:r>
+              <a:rPr lang="ja-JP" altLang="en-US" dirty="0"/>
+              <a:t>原子</a:t>
+            </a:r>
+            <a:r>
+              <a:rPr lang="ja-JP" altLang="en-US" dirty="0" smtClean="0"/>
+              <a:t>の電子密度と</a:t>
+            </a:r>
+            <a:r>
+              <a:rPr lang="en-US" altLang="ja-JP" dirty="0"/>
+              <a:t>He</a:t>
+            </a:r>
+            <a:r>
+              <a:rPr lang="ja-JP" altLang="en-US" dirty="0"/>
+              <a:t>原子</a:t>
+            </a:r>
+            <a:r>
+              <a:rPr lang="ja-JP" altLang="en-US" dirty="0" smtClean="0"/>
+              <a:t>の電子密度の</a:t>
+            </a:r>
+            <a:r>
+              <a:rPr lang="ja-JP" altLang="en-US" dirty="0"/>
+              <a:t>比較</a:t>
             </a:r>
             <a:endParaRPr kumimoji="1" lang="ja-JP" altLang="en-US" dirty="0"/>
           </a:p>
         </p:txBody>
       </p:sp>
-      <p:sp>
-        <p:nvSpPr>
-          <p:cNvPr id="3" name="コンテンツ プレースホルダー 2"/>
-          <p:cNvSpPr>
-            <a:spLocks noGrp="1"/>
-          </p:cNvSpPr>
+      <p:pic>
+        <p:nvPicPr>
+          <p:cNvPr id="4" name="コンテンツ プレースホルダー 3"/>
+          <p:cNvPicPr>
+            <a:picLocks noGrp="1" noChangeAspect="1"/>
+          </p:cNvPicPr>
           <p:nvPr>
             <p:ph sz="quarter" idx="1"/>
           </p:nvPr>
-        </p:nvSpPr>
-        <p:spPr/>
-        <p:txBody>
-          <a:bodyPr/>
-          <a:lstStyle/>
-          <a:p>
-            <a:r>
-              <a:rPr kumimoji="1" lang="ja-JP" altLang="en-US" dirty="0" smtClean="0"/>
-              <a:t>桜町 晃生</a:t>
-            </a:r>
-            <a:r>
-              <a:rPr kumimoji="1" lang="en-US" altLang="ja-JP" dirty="0" smtClean="0"/>
-              <a:t>『</a:t>
-            </a:r>
-            <a:r>
-              <a:rPr lang="ja-JP" altLang="en-US" dirty="0" smtClean="0"/>
-              <a:t>パソコンで描く水素原子</a:t>
-            </a:r>
-            <a:r>
-              <a:rPr lang="en-US" altLang="ja-JP" dirty="0" smtClean="0"/>
-              <a:t>―</a:t>
-            </a:r>
-            <a:r>
-              <a:rPr lang="ja-JP" altLang="en-US" dirty="0" smtClean="0"/>
-              <a:t>シュレーディンガー方程式を「計算する」「プロットする」「眺める」</a:t>
-            </a:r>
-            <a:r>
-              <a:rPr lang="en-US" altLang="ja-JP" dirty="0"/>
-              <a:t>』I</a:t>
-            </a:r>
-            <a:r>
-              <a:rPr lang="ja-JP" altLang="en-US" dirty="0"/>
-              <a:t>・</a:t>
-            </a:r>
-            <a:r>
-              <a:rPr lang="en-US" altLang="ja-JP" dirty="0"/>
-              <a:t>O </a:t>
-            </a:r>
-            <a:r>
-              <a:rPr lang="en-US" altLang="ja-JP" dirty="0" smtClean="0"/>
-              <a:t>BOOKS</a:t>
-            </a:r>
-            <a:r>
-              <a:rPr lang="ja-JP" altLang="en-US" smtClean="0"/>
-              <a:t>（</a:t>
-            </a:r>
-            <a:r>
-              <a:rPr lang="en-US" altLang="ja-JP" smtClean="0"/>
-              <a:t>2004</a:t>
-            </a:r>
-            <a:r>
-              <a:rPr lang="ja-JP" altLang="en-US" dirty="0" smtClean="0"/>
-              <a:t>）</a:t>
-            </a:r>
-            <a:endParaRPr kumimoji="1" lang="ja-JP" altLang="en-US" dirty="0"/>
-          </a:p>
-        </p:txBody>
-      </p:sp>
+        </p:nvPicPr>
+        <p:blipFill>
+          <a:blip r:embed="rId2" cstate="print">
+            <a:extLst>
+              <a:ext uri="{28A0092B-C50C-407E-A947-70E740481C1C}">
+                <a14:useLocalDpi xmlns:a14="http://schemas.microsoft.com/office/drawing/2010/main" val="0"/>
+              </a:ext>
+            </a:extLst>
+          </a:blip>
+          <a:stretch>
+            <a:fillRect/>
+          </a:stretch>
+        </p:blipFill>
+        <p:spPr>
+          <a:xfrm>
+            <a:off x="612775" y="2276872"/>
+            <a:ext cx="8153400" cy="3142456"/>
+          </a:xfrm>
+        </p:spPr>
+      </p:pic>
     </p:spTree>
     <p:extLst>
       <p:ext uri="{BB962C8B-B14F-4D97-AF65-F5344CB8AC3E}">
-        <p14:creationId xmlns:p14="http://schemas.microsoft.com/office/powerpoint/2010/main" val="471843951"/>
+        <p14:creationId xmlns:p14="http://schemas.microsoft.com/office/powerpoint/2010/main" val="2828865261"/>
       </p:ext>
     </p:extLst>
   </p:cSld>
   <p:clrMapOvr>
     <a:masterClrMapping/>
   </p:clrMapOvr>
+</p:sld>
+</file>
+
+<file path=ppt/slides/slide19.xml><?xml version="1.0" encoding="utf-8"?>
+<p:sld xmlns:a="http://schemas.openxmlformats.org/drawingml/2006/main" xmlns:r="http://schemas.openxmlformats.org/officeDocument/2006/relationships" xmlns:p="http://schemas.openxmlformats.org/presentationml/2006/main">
+  <p:cSld>
+    <p:spTree>
+      <p:nvGrpSpPr>
+        <p:cNvPr id="1" name=""/>
+        <p:cNvGrpSpPr/>
+        <p:nvPr/>
+      </p:nvGrpSpPr>
+      <p:grpSpPr>
+        <a:xfrm>
+          <a:off x="0" y="0"/>
+          <a:ext cx="0" cy="0"/>
+          <a:chOff x="0" y="0"/>
+          <a:chExt cx="0" cy="0"/>
+        </a:xfrm>
+      </p:grpSpPr>
+      <p:sp>
+        <p:nvSpPr>
+          <p:cNvPr id="2" name="タイトル 1"/>
+          <p:cNvSpPr>
+            <a:spLocks noGrp="1"/>
+          </p:cNvSpPr>
+          <p:nvPr>
+            <p:ph type="title"/>
+          </p:nvPr>
+        </p:nvSpPr>
+        <p:spPr/>
+        <p:txBody>
+          <a:bodyPr/>
+          <a:lstStyle/>
+          <a:p>
+            <a:r>
+              <a:rPr lang="ja-JP" altLang="en-US" dirty="0"/>
+              <a:t>ソース</a:t>
+            </a:r>
+            <a:r>
+              <a:rPr kumimoji="1" lang="ja-JP" altLang="en-US" dirty="0" smtClean="0"/>
+              <a:t>コードへのリンク</a:t>
+            </a:r>
+            <a:endParaRPr kumimoji="1" lang="ja-JP" altLang="en-US" dirty="0"/>
+          </a:p>
+        </p:txBody>
+      </p:sp>
+      <p:sp>
+        <p:nvSpPr>
+          <p:cNvPr id="3" name="コンテンツ プレースホルダー 2"/>
+          <p:cNvSpPr>
+            <a:spLocks noGrp="1"/>
+          </p:cNvSpPr>
+          <p:nvPr>
+            <p:ph sz="quarter" idx="1"/>
+          </p:nvPr>
+        </p:nvSpPr>
+        <p:spPr/>
+        <p:txBody>
+          <a:bodyPr/>
+          <a:lstStyle/>
+          <a:p>
+            <a:r>
+              <a:rPr kumimoji="1" lang="ja-JP" altLang="en-US" dirty="0" smtClean="0"/>
+              <a:t>このプログラムのソースコードは、</a:t>
+            </a:r>
+            <a:r>
+              <a:rPr kumimoji="1" lang="en-US" altLang="ja-JP" dirty="0" smtClean="0"/>
+              <a:t>GitHub</a:t>
+            </a:r>
+            <a:r>
+              <a:rPr kumimoji="1" lang="ja-JP" altLang="en-US" dirty="0" smtClean="0"/>
+              <a:t>上で公開しています。</a:t>
+            </a:r>
+            <a:endParaRPr kumimoji="1" lang="en-US" altLang="ja-JP" dirty="0" smtClean="0"/>
+          </a:p>
+          <a:p>
+            <a:r>
+              <a:rPr lang="en-US" altLang="ja-JP" dirty="0"/>
+              <a:t>https://github.com/dc1394/SchracVisualize</a:t>
+            </a:r>
+          </a:p>
+          <a:p>
+            <a:r>
+              <a:rPr lang="ja-JP" altLang="en-US" dirty="0" smtClean="0"/>
+              <a:t>また、バイナリも以下で公開しています。</a:t>
+            </a:r>
+            <a:endParaRPr lang="en-US" altLang="ja-JP" dirty="0" smtClean="0"/>
+          </a:p>
+          <a:p>
+            <a:r>
+              <a:rPr lang="en-US" altLang="ja-JP" dirty="0"/>
+              <a:t>https://</a:t>
+            </a:r>
+            <a:r>
+              <a:rPr lang="en-US" altLang="ja-JP" dirty="0" smtClean="0"/>
+              <a:t>github.com/dc1394/SchracVisualize/releases/tag/v0.2</a:t>
+            </a:r>
+          </a:p>
+          <a:p>
+            <a:r>
+              <a:rPr lang="ja-JP" altLang="en-US" dirty="0"/>
+              <a:t>ライセンスは修正</a:t>
+            </a:r>
+            <a:r>
+              <a:rPr lang="en-US" altLang="ja-JP" dirty="0"/>
+              <a:t>BSD</a:t>
+            </a:r>
+            <a:r>
+              <a:rPr lang="ja-JP" altLang="en-US" dirty="0"/>
+              <a:t>ライセンスとします。</a:t>
+            </a:r>
+            <a:endParaRPr lang="en-US" altLang="ja-JP" dirty="0"/>
+          </a:p>
+          <a:p>
+            <a:endParaRPr lang="en-US" altLang="ja-JP" dirty="0" smtClean="0"/>
+          </a:p>
+        </p:txBody>
+      </p:sp>
+    </p:spTree>
+    <p:extLst>
+      <p:ext uri="{BB962C8B-B14F-4D97-AF65-F5344CB8AC3E}">
+        <p14:creationId xmlns:p14="http://schemas.microsoft.com/office/powerpoint/2010/main" val="179640877"/>
+      </p:ext>
+    </p:extLst>
+  </p:cSld>
+  <p:clrMapOvr>
+    <a:masterClrMapping/>
+  </p:clrMapOvr>
+  <p:timing>
+    <p:tnLst>
+      <p:par>
+        <p:cTn id="1" dur="indefinite" restart="never" nodeType="tmRoot"/>
+      </p:par>
+    </p:tnLst>
+  </p:timing>
 </p:sld>
 </file>
 
@@ -6407,6 +6517,126 @@
       </p:par>
     </p:tnLst>
   </p:timing>
+</p:sld>
+</file>
+
+<file path=ppt/slides/slide20.xml><?xml version="1.0" encoding="utf-8"?>
+<p:sld xmlns:a="http://schemas.openxmlformats.org/drawingml/2006/main" xmlns:r="http://schemas.openxmlformats.org/officeDocument/2006/relationships" xmlns:p="http://schemas.openxmlformats.org/presentationml/2006/main">
+  <p:cSld>
+    <p:spTree>
+      <p:nvGrpSpPr>
+        <p:cNvPr id="1" name=""/>
+        <p:cNvGrpSpPr/>
+        <p:nvPr/>
+      </p:nvGrpSpPr>
+      <p:grpSpPr>
+        <a:xfrm>
+          <a:off x="0" y="0"/>
+          <a:ext cx="0" cy="0"/>
+          <a:chOff x="0" y="0"/>
+          <a:chExt cx="0" cy="0"/>
+        </a:xfrm>
+      </p:grpSpPr>
+      <p:sp>
+        <p:nvSpPr>
+          <p:cNvPr id="2" name="タイトル 1"/>
+          <p:cNvSpPr>
+            <a:spLocks noGrp="1"/>
+          </p:cNvSpPr>
+          <p:nvPr>
+            <p:ph type="title"/>
+          </p:nvPr>
+        </p:nvSpPr>
+        <p:spPr/>
+        <p:txBody>
+          <a:bodyPr/>
+          <a:lstStyle/>
+          <a:p>
+            <a:r>
+              <a:rPr kumimoji="1" lang="ja-JP" altLang="en-US" dirty="0" smtClean="0"/>
+              <a:t>参考文献</a:t>
+            </a:r>
+            <a:endParaRPr kumimoji="1" lang="ja-JP" altLang="en-US" dirty="0"/>
+          </a:p>
+        </p:txBody>
+      </p:sp>
+      <p:sp>
+        <p:nvSpPr>
+          <p:cNvPr id="3" name="コンテンツ プレースホルダー 2"/>
+          <p:cNvSpPr>
+            <a:spLocks noGrp="1"/>
+          </p:cNvSpPr>
+          <p:nvPr>
+            <p:ph sz="quarter" idx="1"/>
+          </p:nvPr>
+        </p:nvSpPr>
+        <p:spPr/>
+        <p:txBody>
+          <a:bodyPr/>
+          <a:lstStyle/>
+          <a:p>
+            <a:r>
+              <a:rPr kumimoji="1" lang="ja-JP" altLang="en-US" dirty="0" smtClean="0"/>
+              <a:t>桜町 晃生</a:t>
+            </a:r>
+            <a:r>
+              <a:rPr kumimoji="1" lang="en-US" altLang="ja-JP" dirty="0" smtClean="0"/>
+              <a:t>『</a:t>
+            </a:r>
+            <a:r>
+              <a:rPr lang="ja-JP" altLang="en-US" dirty="0" smtClean="0"/>
+              <a:t>パソコンで描く水素原子</a:t>
+            </a:r>
+            <a:r>
+              <a:rPr lang="en-US" altLang="ja-JP" dirty="0" smtClean="0"/>
+              <a:t>―</a:t>
+            </a:r>
+            <a:r>
+              <a:rPr lang="ja-JP" altLang="en-US" dirty="0" smtClean="0"/>
+              <a:t>シュレーディンガー方程式を「計算する」「プロットする」「眺める」</a:t>
+            </a:r>
+            <a:r>
+              <a:rPr lang="en-US" altLang="ja-JP" dirty="0"/>
+              <a:t>』I</a:t>
+            </a:r>
+            <a:r>
+              <a:rPr lang="ja-JP" altLang="en-US" dirty="0"/>
+              <a:t>・</a:t>
+            </a:r>
+            <a:r>
+              <a:rPr lang="en-US" altLang="ja-JP" dirty="0"/>
+              <a:t>O </a:t>
+            </a:r>
+            <a:r>
+              <a:rPr lang="en-US" altLang="ja-JP" dirty="0" smtClean="0"/>
+              <a:t>BOOKS</a:t>
+            </a:r>
+            <a:r>
+              <a:rPr lang="ja-JP" altLang="en-US" smtClean="0"/>
+              <a:t>（</a:t>
+            </a:r>
+            <a:r>
+              <a:rPr lang="en-US" altLang="ja-JP" smtClean="0"/>
+              <a:t>2004</a:t>
+            </a:r>
+            <a:r>
+              <a:rPr lang="ja-JP" altLang="en-US" dirty="0" smtClean="0"/>
+              <a:t>）</a:t>
+            </a:r>
+            <a:endParaRPr kumimoji="1" lang="ja-JP" altLang="en-US" dirty="0"/>
+          </a:p>
+        </p:txBody>
+      </p:sp>
+    </p:spTree>
+    <p:extLst>
+      <p:ext uri="{BB962C8B-B14F-4D97-AF65-F5344CB8AC3E}">
+        <p14:creationId xmlns:p14="http://schemas.microsoft.com/office/powerpoint/2010/main" val="471843951"/>
+      </p:ext>
+    </p:extLst>
+  </p:cSld>
+  <p:clrMapOvr>
+    <a:masterClrMapping/>
+  </p:clrMapOvr>
 </p:sld>
 </file>
 
@@ -6620,7 +6850,11 @@
           <a:p>
             <a:r>
               <a:rPr lang="ja-JP" altLang="en-US" dirty="0" smtClean="0"/>
-              <a:t>三次元の可視化のために、</a:t>
+              <a:t>三次元可視化</a:t>
+            </a:r>
+            <a:r>
+              <a:rPr lang="ja-JP" altLang="en-US" dirty="0" smtClean="0"/>
+              <a:t>のために、</a:t>
             </a:r>
             <a:r>
               <a:rPr lang="en-US" altLang="ja-JP" dirty="0" smtClean="0"/>
@@ -6647,15 +6881,23 @@
             </a:r>
             <a:r>
               <a:rPr lang="en-US" altLang="ja-JP" dirty="0"/>
-              <a:t>Scientific Library (GSL</a:t>
-            </a:r>
-            <a:r>
-              <a:rPr lang="en-US" altLang="ja-JP" dirty="0" smtClean="0"/>
+              <a:t>Scientific Library (</a:t>
+            </a:r>
+            <a:r>
+              <a:rPr lang="en-US" altLang="ja-JP"/>
+              <a:t>GSL</a:t>
+            </a:r>
+            <a:r>
+              <a:rPr lang="en-US" altLang="ja-JP" smtClean="0"/>
               <a:t>)</a:t>
             </a:r>
             <a:r>
-              <a:rPr lang="ja-JP" altLang="en-US" dirty="0" smtClean="0"/>
-              <a:t>に含まれているものを使用する。</a:t>
+              <a:rPr lang="ja-JP" altLang="en-US" smtClean="0"/>
+              <a:t>を</a:t>
+            </a:r>
+            <a:r>
+              <a:rPr lang="ja-JP" altLang="en-US" dirty="0" smtClean="0"/>
+              <a:t>使用する。</a:t>
             </a:r>
             <a:endParaRPr lang="en-US" altLang="ja-JP" dirty="0" smtClean="0"/>
           </a:p>
@@ -7472,7 +7714,19 @@
             </a:r>
             <a:r>
               <a:rPr lang="ja-JP" altLang="en-US" dirty="0" smtClean="0"/>
-              <a:t>は複素関数であることに注意。</a:t>
+              <a:t>は</a:t>
+            </a:r>
+            <a:r>
+              <a:rPr lang="ja-JP" altLang="en-US" dirty="0" smtClean="0">
+                <a:solidFill>
+                  <a:srgbClr val="FF0000"/>
+                </a:solidFill>
+              </a:rPr>
+              <a:t>複素関数</a:t>
+            </a:r>
+            <a:r>
+              <a:rPr lang="ja-JP" altLang="en-US" dirty="0" smtClean="0"/>
+              <a:t>であることに注意。</a:t>
             </a:r>
             <a:endParaRPr lang="en-US" altLang="ja-JP" dirty="0" smtClean="0"/>
           </a:p>
@@ -7644,7 +7898,19 @@
             </a:r>
             <a:r>
               <a:rPr lang="ja-JP" altLang="en-US" dirty="0" smtClean="0"/>
-              <a:t>の絶対値の二乗で表され、以下のように得られる。</a:t>
+              <a:t>の</a:t>
+            </a:r>
+            <a:r>
+              <a:rPr lang="ja-JP" altLang="en-US" dirty="0" smtClean="0">
+                <a:solidFill>
+                  <a:srgbClr val="FF0000"/>
+                </a:solidFill>
+              </a:rPr>
+              <a:t>絶対値の二乗</a:t>
+            </a:r>
+            <a:r>
+              <a:rPr lang="ja-JP" altLang="en-US" dirty="0" smtClean="0"/>
+              <a:t>で表され、以下のように得られる。</a:t>
             </a:r>
             <a:endParaRPr lang="en-US" altLang="ja-JP" dirty="0" smtClean="0"/>
           </a:p>
@@ -7705,7 +7971,11 @@
             </a:r>
             <a:r>
               <a:rPr lang="ja-JP" altLang="en-US" dirty="0" smtClean="0"/>
-              <a:t>ライブラリの、</a:t>
+              <a:t>ライブラリ</a:t>
+            </a:r>
+            <a:r>
+              <a:rPr lang="ja-JP" altLang="en-US" dirty="0" smtClean="0"/>
+              <a:t>の</a:t>
             </a:r>
             <a:r>
               <a:rPr lang="en-US" altLang="ja-JP" dirty="0" smtClean="0"/>

--- a/福井技術者の集い その3 発表資料スライド.pptx
+++ b/福井技術者の集い その3 発表資料スライド.pptx
@@ -5,7 +5,7 @@
     <p:sldMasterId id="2147483744" r:id="rId1"/>
   </p:sldMasterIdLst>
   <p:notesMasterIdLst>
-    <p:notesMasterId r:id="rId22"/>
+    <p:notesMasterId r:id="rId23"/>
   </p:notesMasterIdLst>
   <p:sldIdLst>
     <p:sldId id="258" r:id="rId2"/>
@@ -27,12 +27,13 @@
     <p:sldId id="484" r:id="rId18"/>
     <p:sldId id="485" r:id="rId19"/>
     <p:sldId id="486" r:id="rId20"/>
-    <p:sldId id="483" r:id="rId21"/>
+    <p:sldId id="487" r:id="rId21"/>
+    <p:sldId id="483" r:id="rId22"/>
   </p:sldIdLst>
   <p:sldSz cx="9144000" cy="6858000" type="screen4x3"/>
   <p:notesSz cx="6858000" cy="9144000"/>
   <p:custDataLst>
-    <p:tags r:id="rId23"/>
+    <p:tags r:id="rId24"/>
   </p:custDataLst>
   <p:defaultTextStyle>
     <a:defPPr>
@@ -230,7 +231,7 @@
           <a:p>
             <a:fld id="{132713B8-E49A-41D1-88B6-B310770581C8}" type="datetimeFigureOut">
               <a:rPr kumimoji="1" lang="ja-JP" altLang="en-US" smtClean="0"/>
-              <a:t>2015/4/15</a:t>
+              <a:t>2015/4/23</a:t>
             </a:fld>
             <a:endParaRPr kumimoji="1" lang="ja-JP" altLang="en-US"/>
           </a:p>
@@ -834,7 +835,7 @@
             <a:fld id="{C120A1B4-3412-4C96-ACAA-DBDB2A910CC9}" type="datetimeFigureOut">
               <a:rPr kumimoji="1" lang="ja-JP" altLang="en-US" smtClean="0"/>
               <a:pPr/>
-              <a:t>2015/4/15</a:t>
+              <a:t>2015/4/23</a:t>
             </a:fld>
             <a:endParaRPr kumimoji="1" lang="ja-JP" altLang="en-US"/>
           </a:p>
@@ -1080,7 +1081,7 @@
                 </a:solidFill>
               </a:rPr>
               <a:pPr/>
-              <a:t>2015/4/15</a:t>
+              <a:t>2015/4/23</a:t>
             </a:fld>
             <a:endParaRPr kumimoji="1" lang="ja-JP" altLang="en-US">
               <a:solidFill>
@@ -1316,7 +1317,7 @@
                 </a:solidFill>
               </a:rPr>
               <a:pPr/>
-              <a:t>2015/4/15</a:t>
+              <a:t>2015/4/23</a:t>
             </a:fld>
             <a:endParaRPr kumimoji="1" lang="ja-JP" altLang="en-US">
               <a:solidFill>
@@ -1610,7 +1611,7 @@
                 </a:solidFill>
               </a:rPr>
               <a:pPr/>
-              <a:t>2015/4/15</a:t>
+              <a:t>2015/4/23</a:t>
             </a:fld>
             <a:endParaRPr kumimoji="1" lang="ja-JP" altLang="en-US">
               <a:solidFill>
@@ -2089,7 +2090,7 @@
                 </a:solidFill>
               </a:rPr>
               <a:pPr/>
-              <a:t>2015/4/15</a:t>
+              <a:t>2015/4/23</a:t>
             </a:fld>
             <a:endParaRPr kumimoji="1" lang="ja-JP" altLang="en-US">
               <a:solidFill>
@@ -2414,7 +2415,7 @@
                 </a:solidFill>
               </a:rPr>
               <a:pPr/>
-              <a:t>2015/4/15</a:t>
+              <a:t>2015/4/23</a:t>
             </a:fld>
             <a:endParaRPr kumimoji="1" lang="ja-JP" altLang="en-US">
               <a:solidFill>
@@ -2733,7 +2734,7 @@
                 </a:solidFill>
               </a:rPr>
               <a:pPr/>
-              <a:t>2015/4/15</a:t>
+              <a:t>2015/4/23</a:t>
             </a:fld>
             <a:endParaRPr kumimoji="1" lang="ja-JP" altLang="en-US">
               <a:solidFill>
@@ -2947,7 +2948,7 @@
                 </a:solidFill>
               </a:rPr>
               <a:pPr/>
-              <a:t>2015/4/15</a:t>
+              <a:t>2015/4/23</a:t>
             </a:fld>
             <a:endParaRPr kumimoji="1" lang="ja-JP" altLang="en-US">
               <a:solidFill>
@@ -3064,7 +3065,7 @@
                 </a:solidFill>
               </a:rPr>
               <a:pPr/>
-              <a:t>2015/4/15</a:t>
+              <a:t>2015/4/23</a:t>
             </a:fld>
             <a:endParaRPr kumimoji="1" lang="ja-JP" altLang="en-US">
               <a:solidFill>
@@ -3227,7 +3228,7 @@
                 </a:solidFill>
               </a:rPr>
               <a:pPr/>
-              <a:t>2015/4/15</a:t>
+              <a:t>2015/4/23</a:t>
             </a:fld>
             <a:endParaRPr kumimoji="1" lang="ja-JP" altLang="en-US">
               <a:solidFill>
@@ -3812,7 +3813,7 @@
                 </a:solidFill>
               </a:rPr>
               <a:pPr/>
-              <a:t>2015/4/15</a:t>
+              <a:t>2015/4/23</a:t>
             </a:fld>
             <a:endParaRPr kumimoji="1" lang="ja-JP" altLang="en-US">
               <a:solidFill>
@@ -4124,7 +4125,7 @@
                 </a:solidFill>
               </a:rPr>
               <a:pPr/>
-              <a:t>2015/4/15</a:t>
+              <a:t>2015/4/23</a:t>
             </a:fld>
             <a:endParaRPr kumimoji="1" lang="ja-JP" altLang="en-US">
               <a:solidFill>
@@ -4866,11 +4867,7 @@
           <a:p>
             <a:r>
               <a:rPr lang="ja-JP" altLang="en-US" dirty="0" smtClean="0"/>
-              <a:t>工夫としては色々</a:t>
-            </a:r>
-            <a:r>
-              <a:rPr lang="ja-JP" altLang="en-US" dirty="0" smtClean="0"/>
-              <a:t>な方法があるだろうが、ここでは乱数を用いて、四次元の関数を可視化することを考える。</a:t>
+              <a:t>工夫としては色々な方法があるだろうが、ここでは乱数を用いて、四次元の関数を可視化することを考える。</a:t>
             </a:r>
             <a:endParaRPr lang="en-US" altLang="ja-JP" dirty="0" smtClean="0"/>
           </a:p>
@@ -4929,13 +4926,13 @@
         <p:spPr/>
         <p:txBody>
           <a:bodyPr>
-            <a:normAutofit/>
+            <a:normAutofit fontScale="90000"/>
           </a:bodyPr>
           <a:lstStyle/>
           <a:p>
             <a:r>
               <a:rPr kumimoji="1" lang="ja-JP" altLang="en-US" dirty="0" smtClean="0"/>
-              <a:t>波動関数の可視化の考え方</a:t>
+              <a:t>波動関数の可視化のアルゴリズム</a:t>
             </a:r>
             <a:endParaRPr kumimoji="1" lang="ja-JP" altLang="en-US" dirty="0"/>
           </a:p>
@@ -5162,13 +5159,13 @@
         <p:spPr/>
         <p:txBody>
           <a:bodyPr>
-            <a:normAutofit/>
+            <a:normAutofit fontScale="90000"/>
           </a:bodyPr>
           <a:lstStyle/>
           <a:p>
             <a:r>
               <a:rPr kumimoji="1" lang="ja-JP" altLang="en-US" dirty="0" smtClean="0"/>
-              <a:t>電子密度の可視化の考え方</a:t>
+              <a:t>電子密度の可視化のアルゴリズム</a:t>
             </a:r>
             <a:endParaRPr kumimoji="1" lang="ja-JP" altLang="en-US" dirty="0"/>
           </a:p>
@@ -6071,7 +6068,7 @@
       </p:sp>
       <p:pic>
         <p:nvPicPr>
-          <p:cNvPr id="4" name="コンテンツ プレースホルダー 3"/>
+          <p:cNvPr id="5" name="コンテンツ プレースホルダー 4"/>
           <p:cNvPicPr>
             <a:picLocks noGrp="1" noChangeAspect="1"/>
           </p:cNvPicPr>
@@ -6179,7 +6176,7 @@
       </p:sp>
       <p:pic>
         <p:nvPicPr>
-          <p:cNvPr id="4" name="コンテンツ プレースホルダー 3"/>
+          <p:cNvPr id="5" name="コンテンツ プレースホルダー 4"/>
           <p:cNvPicPr>
             <a:picLocks noGrp="1" noChangeAspect="1"/>
           </p:cNvPicPr>
@@ -6554,6 +6551,227 @@
           <a:p>
             <a:r>
               <a:rPr kumimoji="1" lang="ja-JP" altLang="en-US" dirty="0" smtClean="0"/>
+              <a:t>まとめ</a:t>
+            </a:r>
+            <a:endParaRPr kumimoji="1" lang="ja-JP" altLang="en-US" dirty="0"/>
+          </a:p>
+        </p:txBody>
+      </p:sp>
+      <p:sp>
+        <p:nvSpPr>
+          <p:cNvPr id="3" name="コンテンツ プレースホルダー 2"/>
+          <p:cNvSpPr>
+            <a:spLocks noGrp="1"/>
+          </p:cNvSpPr>
+          <p:nvPr>
+            <p:ph sz="quarter" idx="1"/>
+          </p:nvPr>
+        </p:nvSpPr>
+        <p:spPr/>
+        <p:txBody>
+          <a:bodyPr/>
+          <a:lstStyle/>
+          <a:p>
+            <a:r>
+              <a:rPr kumimoji="1" lang="ja-JP" altLang="en-US" dirty="0" smtClean="0"/>
+              <a:t>「</a:t>
+            </a:r>
+            <a:r>
+              <a:rPr kumimoji="1" lang="en-US" altLang="ja-JP" dirty="0" smtClean="0"/>
+              <a:t>schrac</a:t>
+            </a:r>
+            <a:r>
+              <a:rPr kumimoji="1" lang="ja-JP" altLang="en-US" dirty="0" smtClean="0"/>
+              <a:t>」で計算した</a:t>
+            </a:r>
+            <a:r>
+              <a:rPr lang="ja-JP" altLang="en-US" dirty="0" smtClean="0"/>
+              <a:t>データを読み込み、</a:t>
+            </a:r>
+            <a:r>
+              <a:rPr lang="en-US" altLang="ja-JP" dirty="0" smtClean="0"/>
+              <a:t>Spline</a:t>
+            </a:r>
+            <a:r>
+              <a:rPr lang="ja-JP" altLang="en-US" dirty="0" smtClean="0"/>
+              <a:t>補間することで、</a:t>
+            </a:r>
+            <a:r>
+              <a:rPr lang="ja-JP" altLang="en-US" dirty="0"/>
+              <a:t>動径波動関数</a:t>
+            </a:r>
+            <a:r>
+              <a:rPr lang="en-US" altLang="ja-JP" dirty="0"/>
+              <a:t>R</a:t>
+            </a:r>
+            <a:r>
+              <a:rPr lang="en-US" altLang="ja-JP" baseline="-25000" dirty="0"/>
+              <a:t>nl</a:t>
+            </a:r>
+            <a:r>
+              <a:rPr lang="en-US" altLang="ja-JP" dirty="0"/>
+              <a:t>(r</a:t>
+            </a:r>
+            <a:r>
+              <a:rPr lang="en-US" altLang="ja-JP" dirty="0" smtClean="0"/>
+              <a:t>)</a:t>
+            </a:r>
+            <a:r>
+              <a:rPr lang="ja-JP" altLang="en-US" dirty="0" smtClean="0"/>
+              <a:t>を得た。</a:t>
+            </a:r>
+            <a:endParaRPr lang="en-US" altLang="ja-JP" dirty="0" smtClean="0"/>
+          </a:p>
+          <a:p>
+            <a:r>
+              <a:rPr lang="ja-JP" altLang="en-US" dirty="0" smtClean="0"/>
+              <a:t>上記の</a:t>
+            </a:r>
+            <a:r>
+              <a:rPr lang="en-US" altLang="ja-JP" dirty="0" smtClean="0"/>
+              <a:t>R</a:t>
+            </a:r>
+            <a:r>
+              <a:rPr lang="en-US" altLang="ja-JP" baseline="-25000" dirty="0" smtClean="0"/>
+              <a:t>nl</a:t>
+            </a:r>
+            <a:r>
+              <a:rPr lang="en-US" altLang="ja-JP" dirty="0" smtClean="0"/>
+              <a:t>(r)</a:t>
+            </a:r>
+            <a:r>
+              <a:rPr lang="ja-JP" altLang="en-US" dirty="0" smtClean="0"/>
+              <a:t>関数と、球面調和関数</a:t>
+            </a:r>
+            <a:r>
+              <a:rPr lang="en-US" altLang="ja-JP" dirty="0"/>
+              <a:t>Y</a:t>
+            </a:r>
+            <a:r>
+              <a:rPr lang="en-US" altLang="ja-JP" baseline="-25000" dirty="0"/>
+              <a:t>lm</a:t>
+            </a:r>
+            <a:r>
+              <a:rPr lang="en-US" altLang="ja-JP" dirty="0"/>
+              <a:t>(θ,φ)</a:t>
+            </a:r>
+            <a:r>
+              <a:rPr lang="ja-JP" altLang="en-US" dirty="0" smtClean="0"/>
+              <a:t>を掛け合わせることにより、波動関数</a:t>
+            </a:r>
+            <a:r>
+              <a:rPr lang="en-US" altLang="ja-JP" dirty="0" smtClean="0"/>
+              <a:t>ψ(r,θ,φ)</a:t>
+            </a:r>
+            <a:r>
+              <a:rPr lang="ja-JP" altLang="en-US" dirty="0" smtClean="0"/>
+              <a:t>を得た。</a:t>
+            </a:r>
+            <a:endParaRPr lang="en-US" altLang="ja-JP" dirty="0" smtClean="0"/>
+          </a:p>
+          <a:p>
+            <a:r>
+              <a:rPr kumimoji="1" lang="ja-JP" altLang="en-US" dirty="0" smtClean="0"/>
+              <a:t>また、</a:t>
+            </a:r>
+            <a:r>
+              <a:rPr lang="en-US" altLang="ja-JP" dirty="0" smtClean="0"/>
+              <a:t>ψ(r,θ,φ)</a:t>
+            </a:r>
+            <a:r>
+              <a:rPr lang="ja-JP" altLang="en-US" dirty="0" smtClean="0"/>
+              <a:t>の絶対値の二乗を取ることにより、電子密度</a:t>
+            </a:r>
+            <a:r>
+              <a:rPr lang="en-US" altLang="ja-JP" dirty="0" smtClean="0"/>
+              <a:t>ρ(r,θ,φ)</a:t>
+            </a:r>
+            <a:r>
+              <a:rPr lang="ja-JP" altLang="en-US" dirty="0" smtClean="0"/>
+              <a:t>を得た。</a:t>
+            </a:r>
+            <a:endParaRPr lang="en-US" altLang="ja-JP" dirty="0" smtClean="0"/>
+          </a:p>
+          <a:p>
+            <a:r>
+              <a:rPr lang="en-US" altLang="ja-JP" dirty="0" smtClean="0"/>
+              <a:t>ψ(r,θ,φ)</a:t>
+            </a:r>
+            <a:r>
+              <a:rPr lang="ja-JP" altLang="en-US" dirty="0" smtClean="0"/>
+              <a:t>及び</a:t>
+            </a:r>
+            <a:r>
+              <a:rPr lang="en-US" altLang="ja-JP" dirty="0" smtClean="0"/>
+              <a:t>ρ(r,θ,φ)</a:t>
+            </a:r>
+            <a:r>
+              <a:rPr lang="ja-JP" altLang="en-US" dirty="0" smtClean="0"/>
+              <a:t>を、</a:t>
+            </a:r>
+            <a:r>
+              <a:rPr lang="en-US" altLang="ja-JP" dirty="0"/>
+              <a:t>von Neumann</a:t>
+            </a:r>
+            <a:r>
+              <a:rPr lang="ja-JP" altLang="en-US" dirty="0"/>
+              <a:t>の</a:t>
+            </a:r>
+            <a:r>
+              <a:rPr lang="ja-JP" altLang="en-US" dirty="0" smtClean="0"/>
+              <a:t>棄却法による乱数を用いて、三次元的に視覚化した。</a:t>
+            </a:r>
+            <a:endParaRPr kumimoji="1" lang="ja-JP" altLang="en-US" dirty="0"/>
+          </a:p>
+        </p:txBody>
+      </p:sp>
+    </p:spTree>
+    <p:extLst>
+      <p:ext uri="{BB962C8B-B14F-4D97-AF65-F5344CB8AC3E}">
+        <p14:creationId xmlns:p14="http://schemas.microsoft.com/office/powerpoint/2010/main" val="1473229296"/>
+      </p:ext>
+    </p:extLst>
+  </p:cSld>
+  <p:clrMapOvr>
+    <a:masterClrMapping/>
+  </p:clrMapOvr>
+</p:sld>
+</file>
+
+<file path=ppt/slides/slide21.xml><?xml version="1.0" encoding="utf-8"?>
+<p:sld xmlns:a="http://schemas.openxmlformats.org/drawingml/2006/main" xmlns:r="http://schemas.openxmlformats.org/officeDocument/2006/relationships" xmlns:p="http://schemas.openxmlformats.org/presentationml/2006/main">
+  <p:cSld>
+    <p:spTree>
+      <p:nvGrpSpPr>
+        <p:cNvPr id="1" name=""/>
+        <p:cNvGrpSpPr/>
+        <p:nvPr/>
+      </p:nvGrpSpPr>
+      <p:grpSpPr>
+        <a:xfrm>
+          <a:off x="0" y="0"/>
+          <a:ext cx="0" cy="0"/>
+          <a:chOff x="0" y="0"/>
+          <a:chExt cx="0" cy="0"/>
+        </a:xfrm>
+      </p:grpSpPr>
+      <p:sp>
+        <p:nvSpPr>
+          <p:cNvPr id="2" name="タイトル 1"/>
+          <p:cNvSpPr>
+            <a:spLocks noGrp="1"/>
+          </p:cNvSpPr>
+          <p:nvPr>
+            <p:ph type="title"/>
+          </p:nvPr>
+        </p:nvSpPr>
+        <p:spPr/>
+        <p:txBody>
+          <a:bodyPr/>
+          <a:lstStyle/>
+          <a:p>
+            <a:r>
+              <a:rPr kumimoji="1" lang="ja-JP" altLang="en-US" dirty="0" smtClean="0"/>
               <a:t>参考文献</a:t>
             </a:r>
             <a:endParaRPr kumimoji="1" lang="ja-JP" altLang="en-US" dirty="0"/>
@@ -6703,22 +6921,26 @@
           </a:p>
           <a:p>
             <a:r>
-              <a:rPr lang="ja-JP" altLang="en-US" dirty="0" smtClean="0"/>
-              <a:t>波動関数と電子密度の可視化の考え方</a:t>
+              <a:rPr lang="ja-JP" altLang="en-US" dirty="0"/>
+              <a:t>動径波動関数と球面調和関数</a:t>
             </a:r>
             <a:endParaRPr lang="en-US" altLang="ja-JP" dirty="0" smtClean="0"/>
           </a:p>
           <a:p>
             <a:r>
               <a:rPr lang="ja-JP" altLang="en-US" dirty="0" smtClean="0"/>
-              <a:t>動径波動関数と球面調和関数</a:t>
+              <a:t>波動関数と電子密度の可視化のアルゴリズム</a:t>
             </a:r>
             <a:endParaRPr lang="en-US" altLang="ja-JP" dirty="0" smtClean="0"/>
           </a:p>
           <a:p>
             <a:r>
               <a:rPr lang="ja-JP" altLang="en-US" dirty="0" smtClean="0"/>
-              <a:t>プログラムの実演</a:t>
+              <a:t>プログラムの</a:t>
+            </a:r>
+            <a:r>
+              <a:rPr lang="ja-JP" altLang="en-US" dirty="0" smtClean="0"/>
+              <a:t>実演</a:t>
             </a:r>
             <a:endParaRPr lang="en-US" altLang="ja-JP" dirty="0" smtClean="0"/>
           </a:p>
@@ -6850,11 +7072,7 @@
           <a:p>
             <a:r>
               <a:rPr lang="ja-JP" altLang="en-US" dirty="0" smtClean="0"/>
-              <a:t>三次元可視化</a:t>
-            </a:r>
-            <a:r>
-              <a:rPr lang="ja-JP" altLang="en-US" dirty="0" smtClean="0"/>
-              <a:t>のために、</a:t>
+              <a:t>三次元可視化のために、</a:t>
             </a:r>
             <a:r>
               <a:rPr lang="en-US" altLang="ja-JP" dirty="0" smtClean="0"/>
@@ -7342,36 +7560,37 @@
         </p:nvSpPr>
         <p:spPr/>
         <p:txBody>
-          <a:bodyPr/>
-          <a:lstStyle/>
+          <a:bodyPr>
+            <a:normAutofit/>
+          </a:bodyPr>
+          <a:lstStyle/>
+          <a:p>
+            <a:r>
+              <a:rPr lang="ja-JP" altLang="en-US" dirty="0"/>
+              <a:t>波動関数</a:t>
+            </a:r>
+            <a:r>
+              <a:rPr lang="en-US" altLang="ja-JP" dirty="0"/>
+              <a:t>ψ(r,θ,φ)</a:t>
+            </a:r>
+            <a:r>
+              <a:rPr lang="ja-JP" altLang="en-US" dirty="0"/>
+              <a:t>と電子密度</a:t>
+            </a:r>
+            <a:r>
+              <a:rPr lang="en-US" altLang="ja-JP" dirty="0"/>
+              <a:t>ρ(r,θ,φ)</a:t>
+            </a:r>
+            <a:r>
+              <a:rPr lang="ja-JP" altLang="en-US" dirty="0" smtClean="0"/>
+              <a:t>を、三次元で可視化することを考えよう。</a:t>
+            </a:r>
+            <a:endParaRPr kumimoji="1" lang="en-US" altLang="ja-JP" dirty="0" smtClean="0"/>
+          </a:p>
           <a:p>
             <a:r>
               <a:rPr kumimoji="1" lang="ja-JP" altLang="en-US" dirty="0" smtClean="0"/>
-              <a:t>波動関数</a:t>
-            </a:r>
-            <a:r>
-              <a:rPr kumimoji="1" lang="en-US" altLang="ja-JP" dirty="0" smtClean="0"/>
-              <a:t>ψ(r,θ,φ)</a:t>
-            </a:r>
-            <a:r>
-              <a:rPr kumimoji="1" lang="ja-JP" altLang="en-US" dirty="0" smtClean="0"/>
-              <a:t>と電子密度</a:t>
-            </a:r>
-            <a:r>
-              <a:rPr kumimoji="1" lang="en-US" altLang="ja-JP" dirty="0" smtClean="0"/>
-              <a:t>ρ</a:t>
-            </a:r>
-            <a:r>
-              <a:rPr lang="en-US" altLang="ja-JP" dirty="0" smtClean="0"/>
-              <a:t>(r,θ,φ</a:t>
-            </a:r>
-            <a:r>
-              <a:rPr lang="en-US" altLang="ja-JP" dirty="0"/>
-              <a:t>)</a:t>
-            </a:r>
-            <a:r>
-              <a:rPr kumimoji="1" lang="ja-JP" altLang="en-US" dirty="0" smtClean="0"/>
-              <a:t>を三次元的に把握するには、動径波動関数</a:t>
+              <a:t>このためには、動径波動関数</a:t>
             </a:r>
             <a:r>
               <a:rPr kumimoji="1" lang="en-US" altLang="ja-JP" dirty="0" smtClean="0"/>
@@ -7520,7 +7739,7 @@
         </p:blipFill>
         <p:spPr>
           <a:xfrm>
-            <a:off x="1043608" y="5517232"/>
+            <a:off x="1043608" y="6021288"/>
             <a:ext cx="3436190" cy="304762"/>
           </a:xfrm>
           <a:prstGeom prst="rect">
@@ -7671,7 +7890,7 @@
           <a:p>
             <a:r>
               <a:rPr lang="ja-JP" altLang="en-US" dirty="0" smtClean="0"/>
-              <a:t>複雑な式であるが、これは、</a:t>
+              <a:t>この式は複雑であるが、この関数の値は、</a:t>
             </a:r>
             <a:r>
               <a:rPr lang="en-US" altLang="ja-JP" dirty="0" smtClean="0"/>
@@ -7971,11 +8190,7 @@
             </a:r>
             <a:r>
               <a:rPr lang="ja-JP" altLang="en-US" dirty="0" smtClean="0"/>
-              <a:t>ライブラリ</a:t>
-            </a:r>
-            <a:r>
-              <a:rPr lang="ja-JP" altLang="en-US" dirty="0" smtClean="0"/>
-              <a:t>の</a:t>
+              <a:t>ライブラリの</a:t>
             </a:r>
             <a:r>
               <a:rPr lang="en-US" altLang="ja-JP" dirty="0" smtClean="0"/>

--- a/福井技術者の集い その3 発表資料スライド.pptx
+++ b/福井技術者の集い その3 発表資料スライド.pptx
@@ -231,7 +231,7 @@
           <a:p>
             <a:fld id="{132713B8-E49A-41D1-88B6-B310770581C8}" type="datetimeFigureOut">
               <a:rPr kumimoji="1" lang="ja-JP" altLang="en-US" smtClean="0"/>
-              <a:t>2015/4/23</a:t>
+              <a:t>2015/5/2</a:t>
             </a:fld>
             <a:endParaRPr kumimoji="1" lang="ja-JP" altLang="en-US"/>
           </a:p>
@@ -835,7 +835,7 @@
             <a:fld id="{C120A1B4-3412-4C96-ACAA-DBDB2A910CC9}" type="datetimeFigureOut">
               <a:rPr kumimoji="1" lang="ja-JP" altLang="en-US" smtClean="0"/>
               <a:pPr/>
-              <a:t>2015/4/23</a:t>
+              <a:t>2015/5/2</a:t>
             </a:fld>
             <a:endParaRPr kumimoji="1" lang="ja-JP" altLang="en-US"/>
           </a:p>
@@ -1081,7 +1081,7 @@
                 </a:solidFill>
               </a:rPr>
               <a:pPr/>
-              <a:t>2015/4/23</a:t>
+              <a:t>2015/5/2</a:t>
             </a:fld>
             <a:endParaRPr kumimoji="1" lang="ja-JP" altLang="en-US">
               <a:solidFill>
@@ -1317,7 +1317,7 @@
                 </a:solidFill>
               </a:rPr>
               <a:pPr/>
-              <a:t>2015/4/23</a:t>
+              <a:t>2015/5/2</a:t>
             </a:fld>
             <a:endParaRPr kumimoji="1" lang="ja-JP" altLang="en-US">
               <a:solidFill>
@@ -1611,7 +1611,7 @@
                 </a:solidFill>
               </a:rPr>
               <a:pPr/>
-              <a:t>2015/4/23</a:t>
+              <a:t>2015/5/2</a:t>
             </a:fld>
             <a:endParaRPr kumimoji="1" lang="ja-JP" altLang="en-US">
               <a:solidFill>
@@ -2090,7 +2090,7 @@
                 </a:solidFill>
               </a:rPr>
               <a:pPr/>
-              <a:t>2015/4/23</a:t>
+              <a:t>2015/5/2</a:t>
             </a:fld>
             <a:endParaRPr kumimoji="1" lang="ja-JP" altLang="en-US">
               <a:solidFill>
@@ -2415,7 +2415,7 @@
                 </a:solidFill>
               </a:rPr>
               <a:pPr/>
-              <a:t>2015/4/23</a:t>
+              <a:t>2015/5/2</a:t>
             </a:fld>
             <a:endParaRPr kumimoji="1" lang="ja-JP" altLang="en-US">
               <a:solidFill>
@@ -2734,7 +2734,7 @@
                 </a:solidFill>
               </a:rPr>
               <a:pPr/>
-              <a:t>2015/4/23</a:t>
+              <a:t>2015/5/2</a:t>
             </a:fld>
             <a:endParaRPr kumimoji="1" lang="ja-JP" altLang="en-US">
               <a:solidFill>
@@ -2948,7 +2948,7 @@
                 </a:solidFill>
               </a:rPr>
               <a:pPr/>
-              <a:t>2015/4/23</a:t>
+              <a:t>2015/5/2</a:t>
             </a:fld>
             <a:endParaRPr kumimoji="1" lang="ja-JP" altLang="en-US">
               <a:solidFill>
@@ -3065,7 +3065,7 @@
                 </a:solidFill>
               </a:rPr>
               <a:pPr/>
-              <a:t>2015/4/23</a:t>
+              <a:t>2015/5/2</a:t>
             </a:fld>
             <a:endParaRPr kumimoji="1" lang="ja-JP" altLang="en-US">
               <a:solidFill>
@@ -3228,7 +3228,7 @@
                 </a:solidFill>
               </a:rPr>
               <a:pPr/>
-              <a:t>2015/4/23</a:t>
+              <a:t>2015/5/2</a:t>
             </a:fld>
             <a:endParaRPr kumimoji="1" lang="ja-JP" altLang="en-US">
               <a:solidFill>
@@ -3813,7 +3813,7 @@
                 </a:solidFill>
               </a:rPr>
               <a:pPr/>
-              <a:t>2015/4/23</a:t>
+              <a:t>2015/5/2</a:t>
             </a:fld>
             <a:endParaRPr kumimoji="1" lang="ja-JP" altLang="en-US">
               <a:solidFill>
@@ -4125,7 +4125,7 @@
                 </a:solidFill>
               </a:rPr>
               <a:pPr/>
-              <a:t>2015/4/23</a:t>
+              <a:t>2015/5/2</a:t>
             </a:fld>
             <a:endParaRPr kumimoji="1" lang="ja-JP" altLang="en-US">
               <a:solidFill>
@@ -6936,11 +6936,7 @@
           <a:p>
             <a:r>
               <a:rPr lang="ja-JP" altLang="en-US" dirty="0" smtClean="0"/>
-              <a:t>プログラムの</a:t>
-            </a:r>
-            <a:r>
-              <a:rPr lang="ja-JP" altLang="en-US" dirty="0" smtClean="0"/>
-              <a:t>実演</a:t>
+              <a:t>プログラムの実演</a:t>
             </a:r>
             <a:endParaRPr lang="en-US" altLang="ja-JP" dirty="0" smtClean="0"/>
           </a:p>
@@ -8109,32 +8105,15 @@
             </a:r>
             <a:r>
               <a:rPr lang="ja-JP" altLang="en-US" dirty="0" smtClean="0"/>
-              <a:t>は、</a:t>
-            </a:r>
-            <a:r>
-              <a:rPr lang="en-US" altLang="ja-JP" dirty="0" smtClean="0"/>
-              <a:t>ψ(r,θ,φ)</a:t>
-            </a:r>
-            <a:r>
-              <a:rPr lang="ja-JP" altLang="en-US" dirty="0" smtClean="0"/>
-              <a:t>の</a:t>
-            </a:r>
-            <a:r>
-              <a:rPr lang="ja-JP" altLang="en-US" dirty="0" smtClean="0">
-                <a:solidFill>
-                  <a:srgbClr val="FF0000"/>
-                </a:solidFill>
-              </a:rPr>
-              <a:t>絶対値の二乗</a:t>
-            </a:r>
-            <a:r>
-              <a:rPr lang="ja-JP" altLang="en-US" dirty="0" smtClean="0"/>
-              <a:t>で表され、以下のように得られる。</a:t>
+              <a:t>は、以下のように得られる。</a:t>
             </a:r>
             <a:endParaRPr lang="en-US" altLang="ja-JP" dirty="0" smtClean="0"/>
           </a:p>
           <a:p>
             <a:endParaRPr lang="en-US" altLang="ja-JP" dirty="0"/>
+          </a:p>
+          <a:p>
+            <a:endParaRPr lang="en-US" altLang="ja-JP" dirty="0" smtClean="0"/>
           </a:p>
           <a:p>
             <a:r>
@@ -8218,7 +8197,7 @@
       </p:sp>
       <p:pic>
         <p:nvPicPr>
-          <p:cNvPr id="4" name="図 3"/>
+          <p:cNvPr id="5" name="図 4"/>
           <p:cNvPicPr>
             <a:picLocks noChangeAspect="1"/>
           </p:cNvPicPr>
@@ -8242,8 +8221,8 @@
         </p:blipFill>
         <p:spPr>
           <a:xfrm>
-            <a:off x="1043608" y="3645024"/>
-            <a:ext cx="4211429" cy="386667"/>
+            <a:off x="1063891" y="2204864"/>
+            <a:ext cx="3759347" cy="299514"/>
           </a:xfrm>
           <a:prstGeom prst="rect">
             <a:avLst/>
@@ -8252,7 +8231,7 @@
       </p:pic>
       <p:pic>
         <p:nvPicPr>
-          <p:cNvPr id="5" name="図 4"/>
+          <p:cNvPr id="6" name="図 5"/>
           <p:cNvPicPr>
             <a:picLocks noChangeAspect="1"/>
           </p:cNvPicPr>
@@ -8276,8 +8255,8 @@
         </p:blipFill>
         <p:spPr>
           <a:xfrm>
-            <a:off x="1063891" y="2204864"/>
-            <a:ext cx="3759347" cy="299514"/>
+            <a:off x="1063891" y="3284984"/>
+            <a:ext cx="6548571" cy="813333"/>
           </a:xfrm>
           <a:prstGeom prst="rect">
             <a:avLst/>
@@ -8335,21 +8314,21 @@
 
 <file path=ppt/tags/tag4.xml><?xml version="1.0" encoding="utf-8"?>
 <p:tagLst xmlns:a="http://schemas.openxmlformats.org/drawingml/2006/main" xmlns:r="http://schemas.openxmlformats.org/officeDocument/2006/relationships" xmlns:p="http://schemas.openxmlformats.org/presentationml/2006/main">
-  <p:tag name="ORIGINALHEIGHT" val="152.2309"/>
-  <p:tag name="ORIGINALWIDTH" val="1658.043"/>
-  <p:tag name="LATEXADDIN" val="\documentclass{article}&#10;\usepackage{amsmath}&#10;\pagestyle{empty}&#10;\begin{document}&#10;$\rho\left(  r,\theta,\phi\right)  =\left\vert R_{nl}\left(  r\right)&#10;Y_{lm}\left(  \theta,\phi\right)  \right\vert ^{2}$&#10;\end{document}"/>
+  <p:tag name="ORIGINALHEIGHT" val="123.7346"/>
+  <p:tag name="ORIGINALWIDTH" val="1553.056"/>
+  <p:tag name="LATEXADDIN" val="\documentclass{article}&#10;\usepackage{amsmath}&#10;\pagestyle{empty}&#10;\begin{document}&#10;$\psi\left(  r,\theta,\phi\right)  =R_{nl}\left(  r\right)  Y_{lm}\left(&#10;\theta,\phi\right)  $&#10;\end{document}"/>
   <p:tag name="IGUANATEXSIZE" val="20"/>
-  <p:tag name="IGUANATEXCURSOR" val="201"/>
+  <p:tag name="IGUANATEXCURSOR" val="174"/>
 </p:tagLst>
 </file>
 
 <file path=ppt/tags/tag5.xml><?xml version="1.0" encoding="utf-8"?>
 <p:tagLst xmlns:a="http://schemas.openxmlformats.org/drawingml/2006/main" xmlns:r="http://schemas.openxmlformats.org/officeDocument/2006/relationships" xmlns:p="http://schemas.openxmlformats.org/presentationml/2006/main">
-  <p:tag name="ORIGINALHEIGHT" val="123.7346"/>
-  <p:tag name="ORIGINALWIDTH" val="1553.056"/>
-  <p:tag name="LATEXADDIN" val="\documentclass{article}&#10;\usepackage{amsmath}&#10;\pagestyle{empty}&#10;\begin{document}&#10;$\psi\left(  r,\theta,\phi\right)  =R_{nl}\left(  r\right)  Y_{lm}\left(&#10;\theta,\phi\right)  $&#10;\end{document}"/>
+  <p:tag name="ORIGINALHEIGHT" val="320.21"/>
+  <p:tag name="ORIGINALWIDTH" val="2578.178"/>
+  <p:tag name="LATEXADDIN" val="\documentclass{article}&#10;\usepackage{amsmath}&#10;\pagestyle{empty}&#10;\begin{document}&#10;$\rho\left(  r,\theta,\phi\right)  =\left\{&#10;\begin{tabular}&#10;[c]{ll}%&#10;$R_{nl}^{2}\left(  r\right)  \left[  \operatorname{Re}Y_{lm}\left(&#10;\theta,\phi\right)  \right]  ^{2}$ &amp; $\left(  m\geq0\right)  $\\&#10;$R_{nl}^{2}\left(  r\right)  \left[  \operatorname{Im}Y_{lm}\left(&#10;\theta,\phi\right)  \right]  ^{2}$ &amp; $\left(  m&lt;0\right)  $%&#10;\end{tabular}&#10;\right.  $&#10;\end{document}"/>
   <p:tag name="IGUANATEXSIZE" val="20"/>
-  <p:tag name="IGUANATEXCURSOR" val="174"/>
+  <p:tag name="IGUANATEXCURSOR" val="433"/>
 </p:tagLst>
 </file>
 
